--- a/dokumentacija/Prezentacija_BioInf_Navarro.pptx
+++ b/dokumentacija/Prezentacija_BioInf_Navarro.pptx
@@ -6,11 +6,13 @@
   </p:sldMasterIdLst>
   <p:sldIdLst>
     <p:sldId id="256" r:id="rId2"/>
-    <p:sldId id="257" r:id="rId3"/>
-    <p:sldId id="258" r:id="rId4"/>
-    <p:sldId id="259" r:id="rId5"/>
-    <p:sldId id="260" r:id="rId6"/>
-    <p:sldId id="261" r:id="rId7"/>
+    <p:sldId id="263" r:id="rId3"/>
+    <p:sldId id="257" r:id="rId4"/>
+    <p:sldId id="258" r:id="rId5"/>
+    <p:sldId id="259" r:id="rId6"/>
+    <p:sldId id="260" r:id="rId7"/>
+    <p:sldId id="261" r:id="rId8"/>
+    <p:sldId id="262" r:id="rId9"/>
   </p:sldIdLst>
   <p:sldSz cx="12192000" cy="6858000"/>
   <p:notesSz cx="6858000" cy="9144000"/>
@@ -120,9 +122,4011 @@
 <file path=ppt/revisionInfo.xml><?xml version="1.0" encoding="utf-8"?>
 <p1510:revInfo xmlns:a="http://schemas.openxmlformats.org/drawingml/2006/main" xmlns:r="http://schemas.openxmlformats.org/officeDocument/2006/relationships" xmlns:p1510="http://schemas.microsoft.com/office/powerpoint/2015/10/main">
   <p1510:revLst>
+    <p1510:client id="{B84B9662-0734-3294-DFCF-EE1CCC97B010}" v="421" dt="2020-01-14T09:15:01.349"/>
     <p1510:client id="{E23DAC10-7BCD-DE27-2A0F-CFA5FD371263}" v="338" dt="2020-01-13T15:39:02.315"/>
   </p1510:revLst>
 </p1510:revInfo>
+</file>
+
+<file path=ppt/diagrams/colors1.xml><?xml version="1.0" encoding="utf-8"?>
+<dgm:colorsDef xmlns:dgm="http://schemas.openxmlformats.org/drawingml/2006/diagram" xmlns:a="http://schemas.openxmlformats.org/drawingml/2006/main" uniqueId="urn:microsoft.com/office/officeart/2005/8/colors/accent1_4">
+  <dgm:title val=""/>
+  <dgm:desc val=""/>
+  <dgm:catLst>
+    <dgm:cat type="accent1" pri="11400"/>
+  </dgm:catLst>
+  <dgm:styleLbl name="node0">
+    <dgm:fillClrLst meth="cycle">
+      <a:schemeClr val="accent1">
+        <a:shade val="60000"/>
+      </a:schemeClr>
+    </dgm:fillClrLst>
+    <dgm:linClrLst meth="repeat">
+      <a:schemeClr val="lt1"/>
+    </dgm:linClrLst>
+    <dgm:effectClrLst/>
+    <dgm:txLinClrLst/>
+    <dgm:txFillClrLst/>
+    <dgm:txEffectClrLst/>
+  </dgm:styleLbl>
+  <dgm:styleLbl name="node1">
+    <dgm:fillClrLst meth="cycle">
+      <a:schemeClr val="accent1">
+        <a:shade val="50000"/>
+      </a:schemeClr>
+      <a:schemeClr val="accent1">
+        <a:tint val="55000"/>
+      </a:schemeClr>
+    </dgm:fillClrLst>
+    <dgm:linClrLst meth="repeat">
+      <a:schemeClr val="lt1"/>
+    </dgm:linClrLst>
+    <dgm:effectClrLst/>
+    <dgm:txLinClrLst/>
+    <dgm:txFillClrLst/>
+    <dgm:txEffectClrLst/>
+  </dgm:styleLbl>
+  <dgm:styleLbl name="alignNode1">
+    <dgm:fillClrLst meth="cycle">
+      <a:schemeClr val="accent1">
+        <a:shade val="50000"/>
+      </a:schemeClr>
+      <a:schemeClr val="accent1">
+        <a:tint val="55000"/>
+      </a:schemeClr>
+    </dgm:fillClrLst>
+    <dgm:linClrLst meth="cycle">
+      <a:schemeClr val="accent1">
+        <a:shade val="50000"/>
+      </a:schemeClr>
+      <a:schemeClr val="accent1">
+        <a:tint val="55000"/>
+      </a:schemeClr>
+    </dgm:linClrLst>
+    <dgm:effectClrLst/>
+    <dgm:txLinClrLst/>
+    <dgm:txFillClrLst/>
+    <dgm:txEffectClrLst/>
+  </dgm:styleLbl>
+  <dgm:styleLbl name="lnNode1">
+    <dgm:fillClrLst meth="cycle">
+      <a:schemeClr val="accent1">
+        <a:shade val="50000"/>
+      </a:schemeClr>
+      <a:schemeClr val="accent1">
+        <a:tint val="55000"/>
+      </a:schemeClr>
+    </dgm:fillClrLst>
+    <dgm:linClrLst meth="repeat">
+      <a:schemeClr val="lt1"/>
+    </dgm:linClrLst>
+    <dgm:effectClrLst/>
+    <dgm:txLinClrLst/>
+    <dgm:txFillClrLst/>
+    <dgm:txEffectClrLst/>
+  </dgm:styleLbl>
+  <dgm:styleLbl name="vennNode1">
+    <dgm:fillClrLst meth="cycle">
+      <a:schemeClr val="accent1">
+        <a:shade val="80000"/>
+        <a:alpha val="50000"/>
+      </a:schemeClr>
+      <a:schemeClr val="accent1">
+        <a:tint val="50000"/>
+        <a:alpha val="50000"/>
+      </a:schemeClr>
+    </dgm:fillClrLst>
+    <dgm:linClrLst meth="repeat">
+      <a:schemeClr val="lt1"/>
+    </dgm:linClrLst>
+    <dgm:effectClrLst/>
+    <dgm:txLinClrLst/>
+    <dgm:txFillClrLst/>
+    <dgm:txEffectClrLst/>
+  </dgm:styleLbl>
+  <dgm:styleLbl name="node2">
+    <dgm:fillClrLst>
+      <a:schemeClr val="accent1">
+        <a:shade val="80000"/>
+      </a:schemeClr>
+    </dgm:fillClrLst>
+    <dgm:linClrLst meth="repeat">
+      <a:schemeClr val="lt1"/>
+    </dgm:linClrLst>
+    <dgm:effectClrLst/>
+    <dgm:txLinClrLst/>
+    <dgm:txFillClrLst/>
+    <dgm:txEffectClrLst/>
+  </dgm:styleLbl>
+  <dgm:styleLbl name="node3">
+    <dgm:fillClrLst>
+      <a:schemeClr val="accent1">
+        <a:tint val="99000"/>
+      </a:schemeClr>
+    </dgm:fillClrLst>
+    <dgm:linClrLst meth="repeat">
+      <a:schemeClr val="lt1"/>
+    </dgm:linClrLst>
+    <dgm:effectClrLst/>
+    <dgm:txLinClrLst/>
+    <dgm:txFillClrLst/>
+    <dgm:txEffectClrLst/>
+  </dgm:styleLbl>
+  <dgm:styleLbl name="node4">
+    <dgm:fillClrLst>
+      <a:schemeClr val="accent1">
+        <a:tint val="70000"/>
+      </a:schemeClr>
+    </dgm:fillClrLst>
+    <dgm:linClrLst meth="repeat">
+      <a:schemeClr val="lt1"/>
+    </dgm:linClrLst>
+    <dgm:effectClrLst/>
+    <dgm:txLinClrLst/>
+    <dgm:txFillClrLst/>
+    <dgm:txEffectClrLst/>
+  </dgm:styleLbl>
+  <dgm:styleLbl name="fgImgPlace1">
+    <dgm:fillClrLst>
+      <a:schemeClr val="accent1">
+        <a:tint val="50000"/>
+      </a:schemeClr>
+      <a:schemeClr val="accent1">
+        <a:tint val="55000"/>
+      </a:schemeClr>
+    </dgm:fillClrLst>
+    <dgm:linClrLst meth="repeat">
+      <a:schemeClr val="lt1"/>
+    </dgm:linClrLst>
+    <dgm:effectClrLst/>
+    <dgm:txLinClrLst/>
+    <dgm:txFillClrLst meth="repeat">
+      <a:schemeClr val="lt1"/>
+    </dgm:txFillClrLst>
+    <dgm:txEffectClrLst/>
+  </dgm:styleLbl>
+  <dgm:styleLbl name="alignImgPlace1">
+    <dgm:fillClrLst>
+      <a:schemeClr val="accent1">
+        <a:tint val="50000"/>
+      </a:schemeClr>
+      <a:schemeClr val="accent1">
+        <a:tint val="55000"/>
+      </a:schemeClr>
+    </dgm:fillClrLst>
+    <dgm:linClrLst meth="repeat">
+      <a:schemeClr val="lt1"/>
+    </dgm:linClrLst>
+    <dgm:effectClrLst/>
+    <dgm:txLinClrLst/>
+    <dgm:txFillClrLst meth="repeat">
+      <a:schemeClr val="lt1"/>
+    </dgm:txFillClrLst>
+    <dgm:txEffectClrLst/>
+  </dgm:styleLbl>
+  <dgm:styleLbl name="bgImgPlace1">
+    <dgm:fillClrLst>
+      <a:schemeClr val="accent1">
+        <a:tint val="50000"/>
+      </a:schemeClr>
+      <a:schemeClr val="accent1">
+        <a:tint val="55000"/>
+      </a:schemeClr>
+    </dgm:fillClrLst>
+    <dgm:linClrLst meth="repeat">
+      <a:schemeClr val="lt1"/>
+    </dgm:linClrLst>
+    <dgm:effectClrLst/>
+    <dgm:txLinClrLst/>
+    <dgm:txFillClrLst meth="repeat">
+      <a:schemeClr val="lt1"/>
+    </dgm:txFillClrLst>
+    <dgm:txEffectClrLst/>
+  </dgm:styleLbl>
+  <dgm:styleLbl name="sibTrans2D1">
+    <dgm:fillClrLst meth="cycle">
+      <a:schemeClr val="accent1">
+        <a:shade val="90000"/>
+      </a:schemeClr>
+      <a:schemeClr val="accent1">
+        <a:tint val="50000"/>
+      </a:schemeClr>
+    </dgm:fillClrLst>
+    <dgm:linClrLst meth="cycle">
+      <a:schemeClr val="accent1">
+        <a:shade val="90000"/>
+      </a:schemeClr>
+      <a:schemeClr val="accent1">
+        <a:tint val="50000"/>
+      </a:schemeClr>
+    </dgm:linClrLst>
+    <dgm:effectClrLst/>
+    <dgm:txLinClrLst/>
+    <dgm:txFillClrLst/>
+    <dgm:txEffectClrLst/>
+  </dgm:styleLbl>
+  <dgm:styleLbl name="fgSibTrans2D1">
+    <dgm:fillClrLst meth="cycle">
+      <a:schemeClr val="accent1">
+        <a:shade val="90000"/>
+      </a:schemeClr>
+      <a:schemeClr val="accent1">
+        <a:tint val="50000"/>
+      </a:schemeClr>
+    </dgm:fillClrLst>
+    <dgm:linClrLst meth="cycle">
+      <a:schemeClr val="accent1">
+        <a:shade val="90000"/>
+      </a:schemeClr>
+      <a:schemeClr val="accent1">
+        <a:tint val="50000"/>
+      </a:schemeClr>
+    </dgm:linClrLst>
+    <dgm:effectClrLst/>
+    <dgm:txLinClrLst/>
+    <dgm:txFillClrLst/>
+    <dgm:txEffectClrLst/>
+  </dgm:styleLbl>
+  <dgm:styleLbl name="bgSibTrans2D1">
+    <dgm:fillClrLst meth="cycle">
+      <a:schemeClr val="accent1">
+        <a:shade val="90000"/>
+      </a:schemeClr>
+      <a:schemeClr val="accent1">
+        <a:tint val="50000"/>
+      </a:schemeClr>
+    </dgm:fillClrLst>
+    <dgm:linClrLst meth="cycle">
+      <a:schemeClr val="accent1">
+        <a:shade val="90000"/>
+      </a:schemeClr>
+      <a:schemeClr val="accent1">
+        <a:tint val="50000"/>
+      </a:schemeClr>
+    </dgm:linClrLst>
+    <dgm:effectClrLst/>
+    <dgm:txLinClrLst/>
+    <dgm:txFillClrLst/>
+    <dgm:txEffectClrLst/>
+  </dgm:styleLbl>
+  <dgm:styleLbl name="sibTrans1D1">
+    <dgm:fillClrLst meth="cycle">
+      <a:schemeClr val="accent1">
+        <a:shade val="90000"/>
+      </a:schemeClr>
+      <a:schemeClr val="accent1">
+        <a:tint val="50000"/>
+      </a:schemeClr>
+    </dgm:fillClrLst>
+    <dgm:linClrLst meth="cycle">
+      <a:schemeClr val="accent1">
+        <a:shade val="90000"/>
+      </a:schemeClr>
+      <a:schemeClr val="accent1">
+        <a:tint val="50000"/>
+      </a:schemeClr>
+    </dgm:linClrLst>
+    <dgm:effectClrLst/>
+    <dgm:txLinClrLst/>
+    <dgm:txFillClrLst meth="repeat">
+      <a:schemeClr val="tx1"/>
+    </dgm:txFillClrLst>
+    <dgm:txEffectClrLst/>
+  </dgm:styleLbl>
+  <dgm:styleLbl name="callout">
+    <dgm:fillClrLst meth="repeat">
+      <a:schemeClr val="accent1"/>
+    </dgm:fillClrLst>
+    <dgm:linClrLst meth="repeat">
+      <a:schemeClr val="accent1"/>
+    </dgm:linClrLst>
+    <dgm:effectClrLst/>
+    <dgm:txLinClrLst/>
+    <dgm:txFillClrLst meth="repeat">
+      <a:schemeClr val="tx1"/>
+    </dgm:txFillClrLst>
+    <dgm:txEffectClrLst/>
+  </dgm:styleLbl>
+  <dgm:styleLbl name="asst0">
+    <dgm:fillClrLst meth="repeat">
+      <a:schemeClr val="accent1">
+        <a:shade val="80000"/>
+      </a:schemeClr>
+    </dgm:fillClrLst>
+    <dgm:linClrLst meth="repeat">
+      <a:schemeClr val="lt1"/>
+    </dgm:linClrLst>
+    <dgm:effectClrLst/>
+    <dgm:txLinClrLst/>
+    <dgm:txFillClrLst/>
+    <dgm:txEffectClrLst/>
+  </dgm:styleLbl>
+  <dgm:styleLbl name="asst1">
+    <dgm:fillClrLst meth="repeat">
+      <a:schemeClr val="accent1">
+        <a:shade val="80000"/>
+      </a:schemeClr>
+    </dgm:fillClrLst>
+    <dgm:linClrLst meth="repeat">
+      <a:schemeClr val="lt1"/>
+    </dgm:linClrLst>
+    <dgm:effectClrLst/>
+    <dgm:txLinClrLst/>
+    <dgm:txFillClrLst/>
+    <dgm:txEffectClrLst/>
+  </dgm:styleLbl>
+  <dgm:styleLbl name="asst2">
+    <dgm:fillClrLst>
+      <a:schemeClr val="accent1">
+        <a:tint val="90000"/>
+      </a:schemeClr>
+    </dgm:fillClrLst>
+    <dgm:linClrLst meth="repeat">
+      <a:schemeClr val="lt1"/>
+    </dgm:linClrLst>
+    <dgm:effectClrLst/>
+    <dgm:txLinClrLst/>
+    <dgm:txFillClrLst/>
+    <dgm:txEffectClrLst/>
+  </dgm:styleLbl>
+  <dgm:styleLbl name="asst3">
+    <dgm:fillClrLst>
+      <a:schemeClr val="accent1">
+        <a:tint val="70000"/>
+      </a:schemeClr>
+    </dgm:fillClrLst>
+    <dgm:linClrLst meth="repeat">
+      <a:schemeClr val="lt1"/>
+    </dgm:linClrLst>
+    <dgm:effectClrLst/>
+    <dgm:txLinClrLst/>
+    <dgm:txFillClrLst/>
+    <dgm:txEffectClrLst/>
+  </dgm:styleLbl>
+  <dgm:styleLbl name="asst4">
+    <dgm:fillClrLst>
+      <a:schemeClr val="accent1">
+        <a:tint val="50000"/>
+      </a:schemeClr>
+    </dgm:fillClrLst>
+    <dgm:linClrLst meth="repeat">
+      <a:schemeClr val="lt1"/>
+    </dgm:linClrLst>
+    <dgm:effectClrLst/>
+    <dgm:txLinClrLst/>
+    <dgm:txFillClrLst/>
+    <dgm:txEffectClrLst/>
+  </dgm:styleLbl>
+  <dgm:styleLbl name="parChTrans2D1">
+    <dgm:fillClrLst meth="repeat">
+      <a:schemeClr val="accent1">
+        <a:tint val="60000"/>
+      </a:schemeClr>
+    </dgm:fillClrLst>
+    <dgm:linClrLst meth="repeat">
+      <a:schemeClr val="accent1">
+        <a:shade val="80000"/>
+      </a:schemeClr>
+    </dgm:linClrLst>
+    <dgm:effectClrLst/>
+    <dgm:txLinClrLst/>
+    <dgm:txFillClrLst/>
+    <dgm:txEffectClrLst/>
+  </dgm:styleLbl>
+  <dgm:styleLbl name="parChTrans2D2">
+    <dgm:fillClrLst meth="repeat">
+      <a:schemeClr val="accent1">
+        <a:tint val="90000"/>
+      </a:schemeClr>
+    </dgm:fillClrLst>
+    <dgm:linClrLst meth="repeat">
+      <a:schemeClr val="accent1">
+        <a:tint val="90000"/>
+      </a:schemeClr>
+    </dgm:linClrLst>
+    <dgm:effectClrLst/>
+    <dgm:txLinClrLst/>
+    <dgm:txFillClrLst/>
+    <dgm:txEffectClrLst/>
+  </dgm:styleLbl>
+  <dgm:styleLbl name="parChTrans2D3">
+    <dgm:fillClrLst meth="repeat">
+      <a:schemeClr val="accent1">
+        <a:tint val="70000"/>
+      </a:schemeClr>
+    </dgm:fillClrLst>
+    <dgm:linClrLst meth="repeat">
+      <a:schemeClr val="accent1">
+        <a:tint val="70000"/>
+      </a:schemeClr>
+    </dgm:linClrLst>
+    <dgm:effectClrLst/>
+    <dgm:txLinClrLst/>
+    <dgm:txFillClrLst/>
+    <dgm:txEffectClrLst/>
+  </dgm:styleLbl>
+  <dgm:styleLbl name="parChTrans2D4">
+    <dgm:fillClrLst meth="repeat">
+      <a:schemeClr val="accent1">
+        <a:tint val="50000"/>
+      </a:schemeClr>
+    </dgm:fillClrLst>
+    <dgm:linClrLst meth="repeat">
+      <a:schemeClr val="accent1">
+        <a:tint val="50000"/>
+      </a:schemeClr>
+    </dgm:linClrLst>
+    <dgm:effectClrLst/>
+    <dgm:txLinClrLst/>
+    <dgm:txFillClrLst meth="repeat">
+      <a:schemeClr val="dk1"/>
+    </dgm:txFillClrLst>
+    <dgm:txEffectClrLst/>
+  </dgm:styleLbl>
+  <dgm:styleLbl name="parChTrans1D1">
+    <dgm:fillClrLst meth="repeat">
+      <a:schemeClr val="accent1">
+        <a:shade val="80000"/>
+      </a:schemeClr>
+    </dgm:fillClrLst>
+    <dgm:linClrLst meth="repeat">
+      <a:schemeClr val="accent1">
+        <a:shade val="80000"/>
+      </a:schemeClr>
+    </dgm:linClrLst>
+    <dgm:effectClrLst/>
+    <dgm:txLinClrLst/>
+    <dgm:txFillClrLst meth="repeat">
+      <a:schemeClr val="tx1"/>
+    </dgm:txFillClrLst>
+    <dgm:txEffectClrLst/>
+  </dgm:styleLbl>
+  <dgm:styleLbl name="parChTrans1D2">
+    <dgm:fillClrLst meth="repeat">
+      <a:schemeClr val="accent1">
+        <a:tint val="90000"/>
+      </a:schemeClr>
+    </dgm:fillClrLst>
+    <dgm:linClrLst meth="repeat">
+      <a:schemeClr val="accent1">
+        <a:tint val="90000"/>
+      </a:schemeClr>
+    </dgm:linClrLst>
+    <dgm:effectClrLst/>
+    <dgm:txLinClrLst/>
+    <dgm:txFillClrLst meth="repeat">
+      <a:schemeClr val="tx1"/>
+    </dgm:txFillClrLst>
+    <dgm:txEffectClrLst/>
+  </dgm:styleLbl>
+  <dgm:styleLbl name="parChTrans1D3">
+    <dgm:fillClrLst meth="repeat">
+      <a:schemeClr val="accent1">
+        <a:tint val="70000"/>
+      </a:schemeClr>
+    </dgm:fillClrLst>
+    <dgm:linClrLst meth="repeat">
+      <a:schemeClr val="accent1">
+        <a:tint val="70000"/>
+      </a:schemeClr>
+    </dgm:linClrLst>
+    <dgm:effectClrLst/>
+    <dgm:txLinClrLst/>
+    <dgm:txFillClrLst meth="repeat">
+      <a:schemeClr val="tx1"/>
+    </dgm:txFillClrLst>
+    <dgm:txEffectClrLst/>
+  </dgm:styleLbl>
+  <dgm:styleLbl name="parChTrans1D4">
+    <dgm:fillClrLst meth="repeat">
+      <a:schemeClr val="accent1">
+        <a:tint val="50000"/>
+      </a:schemeClr>
+    </dgm:fillClrLst>
+    <dgm:linClrLst meth="repeat">
+      <a:schemeClr val="accent1">
+        <a:tint val="50000"/>
+      </a:schemeClr>
+    </dgm:linClrLst>
+    <dgm:effectClrLst/>
+    <dgm:txLinClrLst/>
+    <dgm:txFillClrLst meth="repeat">
+      <a:schemeClr val="tx1"/>
+    </dgm:txFillClrLst>
+    <dgm:txEffectClrLst/>
+  </dgm:styleLbl>
+  <dgm:styleLbl name="fgAcc1">
+    <dgm:fillClrLst meth="repeat">
+      <a:schemeClr val="lt1">
+        <a:alpha val="90000"/>
+      </a:schemeClr>
+    </dgm:fillClrLst>
+    <dgm:linClrLst meth="cycle">
+      <a:schemeClr val="accent1">
+        <a:shade val="50000"/>
+      </a:schemeClr>
+      <a:schemeClr val="accent1">
+        <a:tint val="55000"/>
+      </a:schemeClr>
+    </dgm:linClrLst>
+    <dgm:effectClrLst/>
+    <dgm:txLinClrLst/>
+    <dgm:txFillClrLst meth="repeat">
+      <a:schemeClr val="dk1"/>
+    </dgm:txFillClrLst>
+    <dgm:txEffectClrLst/>
+  </dgm:styleLbl>
+  <dgm:styleLbl name="conFgAcc1">
+    <dgm:fillClrLst meth="repeat">
+      <a:schemeClr val="lt1">
+        <a:alpha val="90000"/>
+      </a:schemeClr>
+    </dgm:fillClrLst>
+    <dgm:linClrLst meth="cycle">
+      <a:schemeClr val="accent1">
+        <a:shade val="50000"/>
+      </a:schemeClr>
+      <a:schemeClr val="accent1">
+        <a:tint val="55000"/>
+      </a:schemeClr>
+    </dgm:linClrLst>
+    <dgm:effectClrLst/>
+    <dgm:txLinClrLst/>
+    <dgm:txFillClrLst meth="repeat">
+      <a:schemeClr val="dk1"/>
+    </dgm:txFillClrLst>
+    <dgm:txEffectClrLst/>
+  </dgm:styleLbl>
+  <dgm:styleLbl name="alignAcc1">
+    <dgm:fillClrLst meth="repeat">
+      <a:schemeClr val="lt1">
+        <a:alpha val="90000"/>
+      </a:schemeClr>
+    </dgm:fillClrLst>
+    <dgm:linClrLst meth="cycle">
+      <a:schemeClr val="accent1">
+        <a:shade val="50000"/>
+      </a:schemeClr>
+      <a:schemeClr val="accent1">
+        <a:tint val="55000"/>
+      </a:schemeClr>
+    </dgm:linClrLst>
+    <dgm:effectClrLst/>
+    <dgm:txLinClrLst/>
+    <dgm:txFillClrLst meth="repeat">
+      <a:schemeClr val="dk1"/>
+    </dgm:txFillClrLst>
+    <dgm:txEffectClrLst/>
+  </dgm:styleLbl>
+  <dgm:styleLbl name="trAlignAcc1">
+    <dgm:fillClrLst meth="repeat">
+      <a:schemeClr val="lt1">
+        <a:alpha val="55000"/>
+      </a:schemeClr>
+    </dgm:fillClrLst>
+    <dgm:linClrLst meth="repeat">
+      <a:schemeClr val="accent1"/>
+    </dgm:linClrLst>
+    <dgm:effectClrLst/>
+    <dgm:txLinClrLst/>
+    <dgm:txFillClrLst meth="repeat">
+      <a:schemeClr val="dk1"/>
+    </dgm:txFillClrLst>
+    <dgm:txEffectClrLst/>
+  </dgm:styleLbl>
+  <dgm:styleLbl name="bgAcc1">
+    <dgm:fillClrLst meth="repeat">
+      <a:schemeClr val="lt1">
+        <a:alpha val="90000"/>
+      </a:schemeClr>
+    </dgm:fillClrLst>
+    <dgm:linClrLst meth="cycle">
+      <a:schemeClr val="accent1">
+        <a:shade val="50000"/>
+      </a:schemeClr>
+      <a:schemeClr val="accent1">
+        <a:tint val="55000"/>
+      </a:schemeClr>
+    </dgm:linClrLst>
+    <dgm:effectClrLst/>
+    <dgm:txLinClrLst/>
+    <dgm:txFillClrLst meth="repeat">
+      <a:schemeClr val="dk1"/>
+    </dgm:txFillClrLst>
+    <dgm:txEffectClrLst/>
+  </dgm:styleLbl>
+  <dgm:styleLbl name="solidFgAcc1">
+    <dgm:fillClrLst meth="repeat">
+      <a:schemeClr val="lt1"/>
+    </dgm:fillClrLst>
+    <dgm:linClrLst meth="cycle">
+      <a:schemeClr val="accent1">
+        <a:shade val="50000"/>
+      </a:schemeClr>
+      <a:schemeClr val="accent1">
+        <a:tint val="55000"/>
+      </a:schemeClr>
+    </dgm:linClrLst>
+    <dgm:effectClrLst/>
+    <dgm:txLinClrLst/>
+    <dgm:txFillClrLst meth="repeat">
+      <a:schemeClr val="dk1"/>
+    </dgm:txFillClrLst>
+    <dgm:txEffectClrLst/>
+  </dgm:styleLbl>
+  <dgm:styleLbl name="solidAlignAcc1">
+    <dgm:fillClrLst meth="repeat">
+      <a:schemeClr val="lt1"/>
+    </dgm:fillClrLst>
+    <dgm:linClrLst meth="repeat">
+      <a:schemeClr val="accent1"/>
+    </dgm:linClrLst>
+    <dgm:effectClrLst/>
+    <dgm:txLinClrLst/>
+    <dgm:txFillClrLst meth="repeat">
+      <a:schemeClr val="dk1"/>
+    </dgm:txFillClrLst>
+    <dgm:txEffectClrLst/>
+  </dgm:styleLbl>
+  <dgm:styleLbl name="solidBgAcc1">
+    <dgm:fillClrLst meth="repeat">
+      <a:schemeClr val="lt1"/>
+    </dgm:fillClrLst>
+    <dgm:linClrLst meth="repeat">
+      <a:schemeClr val="accent1"/>
+    </dgm:linClrLst>
+    <dgm:effectClrLst/>
+    <dgm:txLinClrLst/>
+    <dgm:txFillClrLst meth="repeat">
+      <a:schemeClr val="dk1"/>
+    </dgm:txFillClrLst>
+    <dgm:txEffectClrLst/>
+  </dgm:styleLbl>
+  <dgm:styleLbl name="fgAccFollowNode1">
+    <dgm:fillClrLst meth="repeat">
+      <a:schemeClr val="accent1">
+        <a:alpha val="90000"/>
+        <a:tint val="55000"/>
+      </a:schemeClr>
+    </dgm:fillClrLst>
+    <dgm:linClrLst meth="repeat">
+      <a:schemeClr val="accent1">
+        <a:alpha val="90000"/>
+        <a:tint val="55000"/>
+      </a:schemeClr>
+    </dgm:linClrLst>
+    <dgm:effectClrLst/>
+    <dgm:txLinClrLst/>
+    <dgm:txFillClrLst meth="repeat">
+      <a:schemeClr val="dk1"/>
+    </dgm:txFillClrLst>
+    <dgm:txEffectClrLst/>
+  </dgm:styleLbl>
+  <dgm:styleLbl name="alignAccFollowNode1">
+    <dgm:fillClrLst meth="repeat">
+      <a:schemeClr val="accent1">
+        <a:alpha val="90000"/>
+        <a:tint val="55000"/>
+      </a:schemeClr>
+    </dgm:fillClrLst>
+    <dgm:linClrLst meth="repeat">
+      <a:schemeClr val="accent1">
+        <a:alpha val="90000"/>
+        <a:tint val="55000"/>
+      </a:schemeClr>
+    </dgm:linClrLst>
+    <dgm:effectClrLst/>
+    <dgm:txLinClrLst/>
+    <dgm:txFillClrLst meth="repeat">
+      <a:schemeClr val="dk1"/>
+    </dgm:txFillClrLst>
+    <dgm:txEffectClrLst/>
+  </dgm:styleLbl>
+  <dgm:styleLbl name="bgAccFollowNode1">
+    <dgm:fillClrLst meth="repeat">
+      <a:schemeClr val="accent1">
+        <a:alpha val="90000"/>
+        <a:tint val="55000"/>
+      </a:schemeClr>
+    </dgm:fillClrLst>
+    <dgm:linClrLst meth="repeat">
+      <a:schemeClr val="lt1"/>
+    </dgm:linClrLst>
+    <dgm:effectClrLst/>
+    <dgm:txLinClrLst/>
+    <dgm:txFillClrLst meth="repeat">
+      <a:schemeClr val="dk1"/>
+    </dgm:txFillClrLst>
+    <dgm:txEffectClrLst/>
+  </dgm:styleLbl>
+  <dgm:styleLbl name="fgAcc0">
+    <dgm:fillClrLst meth="repeat">
+      <a:schemeClr val="lt1">
+        <a:alpha val="90000"/>
+      </a:schemeClr>
+    </dgm:fillClrLst>
+    <dgm:linClrLst meth="repeat">
+      <a:schemeClr val="accent1">
+        <a:shade val="80000"/>
+      </a:schemeClr>
+    </dgm:linClrLst>
+    <dgm:effectClrLst/>
+    <dgm:txLinClrLst/>
+    <dgm:txFillClrLst meth="repeat">
+      <a:schemeClr val="dk1"/>
+    </dgm:txFillClrLst>
+    <dgm:txEffectClrLst/>
+  </dgm:styleLbl>
+  <dgm:styleLbl name="fgAcc2">
+    <dgm:fillClrLst meth="repeat">
+      <a:schemeClr val="lt1">
+        <a:alpha val="90000"/>
+      </a:schemeClr>
+    </dgm:fillClrLst>
+    <dgm:linClrLst meth="repeat">
+      <a:schemeClr val="accent1">
+        <a:tint val="90000"/>
+      </a:schemeClr>
+    </dgm:linClrLst>
+    <dgm:effectClrLst/>
+    <dgm:txLinClrLst/>
+    <dgm:txFillClrLst meth="repeat">
+      <a:schemeClr val="dk1"/>
+    </dgm:txFillClrLst>
+    <dgm:txEffectClrLst/>
+  </dgm:styleLbl>
+  <dgm:styleLbl name="fgAcc3">
+    <dgm:fillClrLst meth="repeat">
+      <a:schemeClr val="lt1">
+        <a:alpha val="90000"/>
+      </a:schemeClr>
+    </dgm:fillClrLst>
+    <dgm:linClrLst meth="repeat">
+      <a:schemeClr val="accent1">
+        <a:tint val="70000"/>
+      </a:schemeClr>
+    </dgm:linClrLst>
+    <dgm:effectClrLst/>
+    <dgm:txLinClrLst/>
+    <dgm:txFillClrLst meth="repeat">
+      <a:schemeClr val="dk1"/>
+    </dgm:txFillClrLst>
+    <dgm:txEffectClrLst/>
+  </dgm:styleLbl>
+  <dgm:styleLbl name="fgAcc4">
+    <dgm:fillClrLst meth="repeat">
+      <a:schemeClr val="lt1">
+        <a:alpha val="90000"/>
+      </a:schemeClr>
+    </dgm:fillClrLst>
+    <dgm:linClrLst meth="repeat">
+      <a:schemeClr val="accent1">
+        <a:tint val="50000"/>
+      </a:schemeClr>
+    </dgm:linClrLst>
+    <dgm:effectClrLst/>
+    <dgm:txLinClrLst/>
+    <dgm:txFillClrLst meth="repeat">
+      <a:schemeClr val="dk1"/>
+    </dgm:txFillClrLst>
+    <dgm:txEffectClrLst/>
+  </dgm:styleLbl>
+  <dgm:styleLbl name="bgShp">
+    <dgm:fillClrLst meth="repeat">
+      <a:schemeClr val="accent1">
+        <a:tint val="55000"/>
+      </a:schemeClr>
+    </dgm:fillClrLst>
+    <dgm:linClrLst meth="repeat">
+      <a:schemeClr val="dk1"/>
+    </dgm:linClrLst>
+    <dgm:effectClrLst/>
+    <dgm:txLinClrLst/>
+    <dgm:txFillClrLst meth="repeat">
+      <a:schemeClr val="dk1"/>
+    </dgm:txFillClrLst>
+    <dgm:txEffectClrLst/>
+  </dgm:styleLbl>
+  <dgm:styleLbl name="dkBgShp">
+    <dgm:fillClrLst meth="repeat">
+      <a:schemeClr val="accent1">
+        <a:shade val="90000"/>
+      </a:schemeClr>
+    </dgm:fillClrLst>
+    <dgm:linClrLst meth="repeat">
+      <a:schemeClr val="dk1"/>
+    </dgm:linClrLst>
+    <dgm:effectClrLst/>
+    <dgm:txLinClrLst/>
+    <dgm:txFillClrLst meth="repeat">
+      <a:schemeClr val="lt1"/>
+    </dgm:txFillClrLst>
+    <dgm:txEffectClrLst/>
+  </dgm:styleLbl>
+  <dgm:styleLbl name="trBgShp">
+    <dgm:fillClrLst meth="repeat">
+      <a:schemeClr val="accent1">
+        <a:tint val="50000"/>
+        <a:alpha val="55000"/>
+      </a:schemeClr>
+    </dgm:fillClrLst>
+    <dgm:linClrLst meth="repeat">
+      <a:schemeClr val="accent1"/>
+    </dgm:linClrLst>
+    <dgm:effectClrLst/>
+    <dgm:txLinClrLst/>
+    <dgm:txFillClrLst meth="repeat">
+      <a:schemeClr val="lt1"/>
+    </dgm:txFillClrLst>
+    <dgm:txEffectClrLst/>
+  </dgm:styleLbl>
+  <dgm:styleLbl name="fgShp">
+    <dgm:fillClrLst meth="repeat">
+      <a:schemeClr val="accent1">
+        <a:tint val="55000"/>
+      </a:schemeClr>
+    </dgm:fillClrLst>
+    <dgm:linClrLst meth="repeat">
+      <a:schemeClr val="lt1"/>
+    </dgm:linClrLst>
+    <dgm:effectClrLst/>
+    <dgm:txLinClrLst/>
+    <dgm:txFillClrLst meth="repeat">
+      <a:schemeClr val="dk1"/>
+    </dgm:txFillClrLst>
+    <dgm:txEffectClrLst/>
+  </dgm:styleLbl>
+  <dgm:styleLbl name="revTx">
+    <dgm:fillClrLst meth="repeat">
+      <a:schemeClr val="lt1">
+        <a:alpha val="0"/>
+      </a:schemeClr>
+    </dgm:fillClrLst>
+    <dgm:linClrLst meth="repeat">
+      <a:schemeClr val="dk1">
+        <a:alpha val="0"/>
+      </a:schemeClr>
+    </dgm:linClrLst>
+    <dgm:effectClrLst/>
+    <dgm:txLinClrLst/>
+    <dgm:txFillClrLst meth="repeat">
+      <a:schemeClr val="tx1"/>
+    </dgm:txFillClrLst>
+    <dgm:txEffectClrLst/>
+  </dgm:styleLbl>
+</dgm:colorsDef>
+</file>
+
+<file path=ppt/diagrams/data1.xml><?xml version="1.0" encoding="utf-8"?>
+<dgm:dataModel xmlns:dgm="http://schemas.openxmlformats.org/drawingml/2006/diagram" xmlns:a="http://schemas.openxmlformats.org/drawingml/2006/main">
+  <dgm:ptLst>
+    <dgm:pt modelId="{7C9E205C-CCF3-4B8D-A94B-90885500B55F}" type="doc">
+      <dgm:prSet loTypeId="urn:microsoft.com/office/officeart/2005/8/layout/vProcess5" loCatId="process" qsTypeId="urn:microsoft.com/office/officeart/2005/8/quickstyle/simple1" qsCatId="simple" csTypeId="urn:microsoft.com/office/officeart/2005/8/colors/accent1_4" csCatId="accent1"/>
+      <dgm:spPr/>
+      <dgm:t>
+        <a:bodyPr/>
+        <a:lstStyle/>
+        <a:p>
+          <a:endParaRPr lang="en-US"/>
+        </a:p>
+      </dgm:t>
+    </dgm:pt>
+    <dgm:pt modelId="{E3107147-FFE8-4271-8FBB-4613BA071153}">
+      <dgm:prSet/>
+      <dgm:spPr/>
+      <dgm:t>
+        <a:bodyPr/>
+        <a:lstStyle/>
+        <a:p>
+          <a:r>
+            <a:rPr lang="en-US"/>
+            <a:t>Predstavnik približnog podudaranja sekvenci</a:t>
+          </a:r>
+        </a:p>
+      </dgm:t>
+    </dgm:pt>
+    <dgm:pt modelId="{9BEF44D0-CC4B-47B7-8EC9-B384B4851952}" type="parTrans" cxnId="{71946EBB-14B0-4BD6-8AF3-A2B0A322235B}">
+      <dgm:prSet/>
+      <dgm:spPr/>
+      <dgm:t>
+        <a:bodyPr/>
+        <a:lstStyle/>
+        <a:p>
+          <a:endParaRPr lang="en-US"/>
+        </a:p>
+      </dgm:t>
+    </dgm:pt>
+    <dgm:pt modelId="{3AED47D2-87F9-49A2-90AF-D0E2CBC31656}" type="sibTrans" cxnId="{71946EBB-14B0-4BD6-8AF3-A2B0A322235B}">
+      <dgm:prSet/>
+      <dgm:spPr/>
+      <dgm:t>
+        <a:bodyPr/>
+        <a:lstStyle/>
+        <a:p>
+          <a:endParaRPr lang="en-US"/>
+        </a:p>
+      </dgm:t>
+    </dgm:pt>
+    <dgm:pt modelId="{898B2DAC-6154-4EA2-A449-FDFB720E6C04}">
+      <dgm:prSet/>
+      <dgm:spPr/>
+      <dgm:t>
+        <a:bodyPr/>
+        <a:lstStyle/>
+        <a:p>
+          <a:r>
+            <a:rPr lang="en-US"/>
+            <a:t>Primjeniv u bioinformatici kada se žele poravnati proteinski ili nukleotidni nizovi</a:t>
+          </a:r>
+        </a:p>
+      </dgm:t>
+    </dgm:pt>
+    <dgm:pt modelId="{6684C541-65C8-4E45-94CF-70109E684769}" type="parTrans" cxnId="{91F43A76-EEE2-49F2-B964-0E88DB2B6251}">
+      <dgm:prSet/>
+      <dgm:spPr/>
+      <dgm:t>
+        <a:bodyPr/>
+        <a:lstStyle/>
+        <a:p>
+          <a:endParaRPr lang="en-US"/>
+        </a:p>
+      </dgm:t>
+    </dgm:pt>
+    <dgm:pt modelId="{CD4A768C-2314-42D5-9520-777E3FB96ECD}" type="sibTrans" cxnId="{91F43A76-EEE2-49F2-B964-0E88DB2B6251}">
+      <dgm:prSet/>
+      <dgm:spPr/>
+      <dgm:t>
+        <a:bodyPr/>
+        <a:lstStyle/>
+        <a:p>
+          <a:endParaRPr lang="en-US"/>
+        </a:p>
+      </dgm:t>
+    </dgm:pt>
+    <dgm:pt modelId="{D2782E8D-0E02-43B4-8B39-24208D1D229C}">
+      <dgm:prSet/>
+      <dgm:spPr/>
+      <dgm:t>
+        <a:bodyPr/>
+        <a:lstStyle/>
+        <a:p>
+          <a:r>
+            <a:rPr lang="en-US"/>
+            <a:t>Zasniva se na dinamičkom programiranju</a:t>
+          </a:r>
+        </a:p>
+      </dgm:t>
+    </dgm:pt>
+    <dgm:pt modelId="{038DC664-4B11-41C5-87C6-3A6685860343}" type="parTrans" cxnId="{49A41F49-CB62-4DF3-9547-64D68B43F592}">
+      <dgm:prSet/>
+      <dgm:spPr/>
+      <dgm:t>
+        <a:bodyPr/>
+        <a:lstStyle/>
+        <a:p>
+          <a:endParaRPr lang="en-US"/>
+        </a:p>
+      </dgm:t>
+    </dgm:pt>
+    <dgm:pt modelId="{B17752CC-F44F-4755-A198-F71C99F0AD3B}" type="sibTrans" cxnId="{49A41F49-CB62-4DF3-9547-64D68B43F592}">
+      <dgm:prSet/>
+      <dgm:spPr/>
+      <dgm:t>
+        <a:bodyPr/>
+        <a:lstStyle/>
+        <a:p>
+          <a:endParaRPr lang="en-US"/>
+        </a:p>
+      </dgm:t>
+    </dgm:pt>
+    <dgm:pt modelId="{15C9D6DD-E702-4086-8AAA-34D901DBF341}">
+      <dgm:prSet/>
+      <dgm:spPr/>
+      <dgm:t>
+        <a:bodyPr/>
+        <a:lstStyle/>
+        <a:p>
+          <a:r>
+            <a:rPr lang="en-US"/>
+            <a:t>Istodobno pamti samo dva retka matrice udaljenosti uređivanja, a kroz svaki redak prolazi dva puta.</a:t>
+          </a:r>
+        </a:p>
+      </dgm:t>
+    </dgm:pt>
+    <dgm:pt modelId="{D7E01C1E-FB80-4153-B809-44F4C97E6265}" type="parTrans" cxnId="{91E9DEC3-5B00-4274-9FF9-0C742C1B0BFC}">
+      <dgm:prSet/>
+      <dgm:spPr/>
+      <dgm:t>
+        <a:bodyPr/>
+        <a:lstStyle/>
+        <a:p>
+          <a:endParaRPr lang="en-US"/>
+        </a:p>
+      </dgm:t>
+    </dgm:pt>
+    <dgm:pt modelId="{F3B75065-84E9-482A-9BA9-1FBF6B0959D2}" type="sibTrans" cxnId="{91E9DEC3-5B00-4274-9FF9-0C742C1B0BFC}">
+      <dgm:prSet/>
+      <dgm:spPr/>
+      <dgm:t>
+        <a:bodyPr/>
+        <a:lstStyle/>
+        <a:p>
+          <a:endParaRPr lang="en-US"/>
+        </a:p>
+      </dgm:t>
+    </dgm:pt>
+    <dgm:pt modelId="{486383C3-E516-4B76-A32F-5F73A732FB8F}" type="pres">
+      <dgm:prSet presAssocID="{7C9E205C-CCF3-4B8D-A94B-90885500B55F}" presName="outerComposite" presStyleCnt="0">
+        <dgm:presLayoutVars>
+          <dgm:chMax val="5"/>
+          <dgm:dir/>
+          <dgm:resizeHandles val="exact"/>
+        </dgm:presLayoutVars>
+      </dgm:prSet>
+      <dgm:spPr/>
+    </dgm:pt>
+    <dgm:pt modelId="{8371B1D2-67C7-4565-8471-007A6C5B5DC6}" type="pres">
+      <dgm:prSet presAssocID="{7C9E205C-CCF3-4B8D-A94B-90885500B55F}" presName="dummyMaxCanvas" presStyleCnt="0">
+        <dgm:presLayoutVars/>
+      </dgm:prSet>
+      <dgm:spPr/>
+    </dgm:pt>
+    <dgm:pt modelId="{C06FEFB2-A274-4B5E-AB3A-116B144C2DA0}" type="pres">
+      <dgm:prSet presAssocID="{7C9E205C-CCF3-4B8D-A94B-90885500B55F}" presName="FourNodes_1" presStyleLbl="node1" presStyleIdx="0" presStyleCnt="4">
+        <dgm:presLayoutVars>
+          <dgm:bulletEnabled val="1"/>
+        </dgm:presLayoutVars>
+      </dgm:prSet>
+      <dgm:spPr/>
+    </dgm:pt>
+    <dgm:pt modelId="{A246F3E0-C360-4AA1-BF2A-F20F0E15FA01}" type="pres">
+      <dgm:prSet presAssocID="{7C9E205C-CCF3-4B8D-A94B-90885500B55F}" presName="FourNodes_2" presStyleLbl="node1" presStyleIdx="1" presStyleCnt="4">
+        <dgm:presLayoutVars>
+          <dgm:bulletEnabled val="1"/>
+        </dgm:presLayoutVars>
+      </dgm:prSet>
+      <dgm:spPr/>
+    </dgm:pt>
+    <dgm:pt modelId="{5B180D9A-531B-4314-854B-623036CE7902}" type="pres">
+      <dgm:prSet presAssocID="{7C9E205C-CCF3-4B8D-A94B-90885500B55F}" presName="FourNodes_3" presStyleLbl="node1" presStyleIdx="2" presStyleCnt="4">
+        <dgm:presLayoutVars>
+          <dgm:bulletEnabled val="1"/>
+        </dgm:presLayoutVars>
+      </dgm:prSet>
+      <dgm:spPr/>
+    </dgm:pt>
+    <dgm:pt modelId="{C28F4109-5A1B-445B-97FF-436E94BC7AAC}" type="pres">
+      <dgm:prSet presAssocID="{7C9E205C-CCF3-4B8D-A94B-90885500B55F}" presName="FourNodes_4" presStyleLbl="node1" presStyleIdx="3" presStyleCnt="4">
+        <dgm:presLayoutVars>
+          <dgm:bulletEnabled val="1"/>
+        </dgm:presLayoutVars>
+      </dgm:prSet>
+      <dgm:spPr/>
+    </dgm:pt>
+    <dgm:pt modelId="{2D1ACE12-87B2-405D-9DFA-B030500D40AF}" type="pres">
+      <dgm:prSet presAssocID="{7C9E205C-CCF3-4B8D-A94B-90885500B55F}" presName="FourConn_1-2" presStyleLbl="fgAccFollowNode1" presStyleIdx="0" presStyleCnt="3">
+        <dgm:presLayoutVars>
+          <dgm:bulletEnabled val="1"/>
+        </dgm:presLayoutVars>
+      </dgm:prSet>
+      <dgm:spPr/>
+    </dgm:pt>
+    <dgm:pt modelId="{33749FC2-5F20-4899-A8A7-5351841843F2}" type="pres">
+      <dgm:prSet presAssocID="{7C9E205C-CCF3-4B8D-A94B-90885500B55F}" presName="FourConn_2-3" presStyleLbl="fgAccFollowNode1" presStyleIdx="1" presStyleCnt="3">
+        <dgm:presLayoutVars>
+          <dgm:bulletEnabled val="1"/>
+        </dgm:presLayoutVars>
+      </dgm:prSet>
+      <dgm:spPr/>
+    </dgm:pt>
+    <dgm:pt modelId="{A9DC8884-2E36-4F97-A704-F3B4A349179E}" type="pres">
+      <dgm:prSet presAssocID="{7C9E205C-CCF3-4B8D-A94B-90885500B55F}" presName="FourConn_3-4" presStyleLbl="fgAccFollowNode1" presStyleIdx="2" presStyleCnt="3">
+        <dgm:presLayoutVars>
+          <dgm:bulletEnabled val="1"/>
+        </dgm:presLayoutVars>
+      </dgm:prSet>
+      <dgm:spPr/>
+    </dgm:pt>
+    <dgm:pt modelId="{5576B4FC-0A1C-4ADF-84DD-D14ADAF0A081}" type="pres">
+      <dgm:prSet presAssocID="{7C9E205C-CCF3-4B8D-A94B-90885500B55F}" presName="FourNodes_1_text" presStyleLbl="node1" presStyleIdx="3" presStyleCnt="4">
+        <dgm:presLayoutVars>
+          <dgm:bulletEnabled val="1"/>
+        </dgm:presLayoutVars>
+      </dgm:prSet>
+      <dgm:spPr/>
+    </dgm:pt>
+    <dgm:pt modelId="{C5F6AD40-5AF6-4065-83D9-86B2E5978864}" type="pres">
+      <dgm:prSet presAssocID="{7C9E205C-CCF3-4B8D-A94B-90885500B55F}" presName="FourNodes_2_text" presStyleLbl="node1" presStyleIdx="3" presStyleCnt="4">
+        <dgm:presLayoutVars>
+          <dgm:bulletEnabled val="1"/>
+        </dgm:presLayoutVars>
+      </dgm:prSet>
+      <dgm:spPr/>
+    </dgm:pt>
+    <dgm:pt modelId="{6F334DA4-D3CC-4022-93E0-88952A12100C}" type="pres">
+      <dgm:prSet presAssocID="{7C9E205C-CCF3-4B8D-A94B-90885500B55F}" presName="FourNodes_3_text" presStyleLbl="node1" presStyleIdx="3" presStyleCnt="4">
+        <dgm:presLayoutVars>
+          <dgm:bulletEnabled val="1"/>
+        </dgm:presLayoutVars>
+      </dgm:prSet>
+      <dgm:spPr/>
+    </dgm:pt>
+    <dgm:pt modelId="{6C5BE2AD-B747-4F30-A149-CF4B81931823}" type="pres">
+      <dgm:prSet presAssocID="{7C9E205C-CCF3-4B8D-A94B-90885500B55F}" presName="FourNodes_4_text" presStyleLbl="node1" presStyleIdx="3" presStyleCnt="4">
+        <dgm:presLayoutVars>
+          <dgm:bulletEnabled val="1"/>
+        </dgm:presLayoutVars>
+      </dgm:prSet>
+      <dgm:spPr/>
+    </dgm:pt>
+  </dgm:ptLst>
+  <dgm:cxnLst>
+    <dgm:cxn modelId="{58A12D08-3B87-48E3-8AC2-C27FF9B291B3}" type="presOf" srcId="{15C9D6DD-E702-4086-8AAA-34D901DBF341}" destId="{C28F4109-5A1B-445B-97FF-436E94BC7AAC}" srcOrd="0" destOrd="0" presId="urn:microsoft.com/office/officeart/2005/8/layout/vProcess5"/>
+    <dgm:cxn modelId="{7A921F27-3030-4B09-A89C-04034C5D55EF}" type="presOf" srcId="{E3107147-FFE8-4271-8FBB-4613BA071153}" destId="{5576B4FC-0A1C-4ADF-84DD-D14ADAF0A081}" srcOrd="1" destOrd="0" presId="urn:microsoft.com/office/officeart/2005/8/layout/vProcess5"/>
+    <dgm:cxn modelId="{971F065E-EAF6-4872-8131-968350B9125B}" type="presOf" srcId="{B17752CC-F44F-4755-A198-F71C99F0AD3B}" destId="{A9DC8884-2E36-4F97-A704-F3B4A349179E}" srcOrd="0" destOrd="0" presId="urn:microsoft.com/office/officeart/2005/8/layout/vProcess5"/>
+    <dgm:cxn modelId="{72919944-B36B-4CE0-969B-83FF32C111F1}" type="presOf" srcId="{3AED47D2-87F9-49A2-90AF-D0E2CBC31656}" destId="{2D1ACE12-87B2-405D-9DFA-B030500D40AF}" srcOrd="0" destOrd="0" presId="urn:microsoft.com/office/officeart/2005/8/layout/vProcess5"/>
+    <dgm:cxn modelId="{49A41F49-CB62-4DF3-9547-64D68B43F592}" srcId="{7C9E205C-CCF3-4B8D-A94B-90885500B55F}" destId="{D2782E8D-0E02-43B4-8B39-24208D1D229C}" srcOrd="2" destOrd="0" parTransId="{038DC664-4B11-41C5-87C6-3A6685860343}" sibTransId="{B17752CC-F44F-4755-A198-F71C99F0AD3B}"/>
+    <dgm:cxn modelId="{70671A70-64C8-4505-8765-5F2130EED03B}" type="presOf" srcId="{E3107147-FFE8-4271-8FBB-4613BA071153}" destId="{C06FEFB2-A274-4B5E-AB3A-116B144C2DA0}" srcOrd="0" destOrd="0" presId="urn:microsoft.com/office/officeart/2005/8/layout/vProcess5"/>
+    <dgm:cxn modelId="{57B0C274-2537-45E6-89FB-05A41EB8D68E}" type="presOf" srcId="{D2782E8D-0E02-43B4-8B39-24208D1D229C}" destId="{5B180D9A-531B-4314-854B-623036CE7902}" srcOrd="0" destOrd="0" presId="urn:microsoft.com/office/officeart/2005/8/layout/vProcess5"/>
+    <dgm:cxn modelId="{D9CA4255-A4D9-463B-A984-3FF41CF8B8D0}" type="presOf" srcId="{898B2DAC-6154-4EA2-A449-FDFB720E6C04}" destId="{A246F3E0-C360-4AA1-BF2A-F20F0E15FA01}" srcOrd="0" destOrd="0" presId="urn:microsoft.com/office/officeart/2005/8/layout/vProcess5"/>
+    <dgm:cxn modelId="{91F43A76-EEE2-49F2-B964-0E88DB2B6251}" srcId="{7C9E205C-CCF3-4B8D-A94B-90885500B55F}" destId="{898B2DAC-6154-4EA2-A449-FDFB720E6C04}" srcOrd="1" destOrd="0" parTransId="{6684C541-65C8-4E45-94CF-70109E684769}" sibTransId="{CD4A768C-2314-42D5-9520-777E3FB96ECD}"/>
+    <dgm:cxn modelId="{E52A8F9D-DCC6-4315-B875-646559410B4A}" type="presOf" srcId="{7C9E205C-CCF3-4B8D-A94B-90885500B55F}" destId="{486383C3-E516-4B76-A32F-5F73A732FB8F}" srcOrd="0" destOrd="0" presId="urn:microsoft.com/office/officeart/2005/8/layout/vProcess5"/>
+    <dgm:cxn modelId="{92E3E6A9-73AA-492A-B9D6-6FE21468D24D}" type="presOf" srcId="{D2782E8D-0E02-43B4-8B39-24208D1D229C}" destId="{6F334DA4-D3CC-4022-93E0-88952A12100C}" srcOrd="1" destOrd="0" presId="urn:microsoft.com/office/officeart/2005/8/layout/vProcess5"/>
+    <dgm:cxn modelId="{CBB313AB-859B-4D80-97D8-544EF2670DAF}" type="presOf" srcId="{898B2DAC-6154-4EA2-A449-FDFB720E6C04}" destId="{C5F6AD40-5AF6-4065-83D9-86B2E5978864}" srcOrd="1" destOrd="0" presId="urn:microsoft.com/office/officeart/2005/8/layout/vProcess5"/>
+    <dgm:cxn modelId="{6FC86EB2-082F-4BCF-921A-54513FF82450}" type="presOf" srcId="{15C9D6DD-E702-4086-8AAA-34D901DBF341}" destId="{6C5BE2AD-B747-4F30-A149-CF4B81931823}" srcOrd="1" destOrd="0" presId="urn:microsoft.com/office/officeart/2005/8/layout/vProcess5"/>
+    <dgm:cxn modelId="{71946EBB-14B0-4BD6-8AF3-A2B0A322235B}" srcId="{7C9E205C-CCF3-4B8D-A94B-90885500B55F}" destId="{E3107147-FFE8-4271-8FBB-4613BA071153}" srcOrd="0" destOrd="0" parTransId="{9BEF44D0-CC4B-47B7-8EC9-B384B4851952}" sibTransId="{3AED47D2-87F9-49A2-90AF-D0E2CBC31656}"/>
+    <dgm:cxn modelId="{91E9DEC3-5B00-4274-9FF9-0C742C1B0BFC}" srcId="{7C9E205C-CCF3-4B8D-A94B-90885500B55F}" destId="{15C9D6DD-E702-4086-8AAA-34D901DBF341}" srcOrd="3" destOrd="0" parTransId="{D7E01C1E-FB80-4153-B809-44F4C97E6265}" sibTransId="{F3B75065-84E9-482A-9BA9-1FBF6B0959D2}"/>
+    <dgm:cxn modelId="{CF8144E9-3F06-4705-942D-77C40AEEC51E}" type="presOf" srcId="{CD4A768C-2314-42D5-9520-777E3FB96ECD}" destId="{33749FC2-5F20-4899-A8A7-5351841843F2}" srcOrd="0" destOrd="0" presId="urn:microsoft.com/office/officeart/2005/8/layout/vProcess5"/>
+    <dgm:cxn modelId="{26FB9CB6-EA18-49CD-9A48-49CC2A86D229}" type="presParOf" srcId="{486383C3-E516-4B76-A32F-5F73A732FB8F}" destId="{8371B1D2-67C7-4565-8471-007A6C5B5DC6}" srcOrd="0" destOrd="0" presId="urn:microsoft.com/office/officeart/2005/8/layout/vProcess5"/>
+    <dgm:cxn modelId="{FF67F465-F5CE-4631-9746-DAD78A65FB8D}" type="presParOf" srcId="{486383C3-E516-4B76-A32F-5F73A732FB8F}" destId="{C06FEFB2-A274-4B5E-AB3A-116B144C2DA0}" srcOrd="1" destOrd="0" presId="urn:microsoft.com/office/officeart/2005/8/layout/vProcess5"/>
+    <dgm:cxn modelId="{70BFEF3C-D534-4F55-B206-25B5DE8898DF}" type="presParOf" srcId="{486383C3-E516-4B76-A32F-5F73A732FB8F}" destId="{A246F3E0-C360-4AA1-BF2A-F20F0E15FA01}" srcOrd="2" destOrd="0" presId="urn:microsoft.com/office/officeart/2005/8/layout/vProcess5"/>
+    <dgm:cxn modelId="{524C476A-8FD0-4D24-B324-347CE5ACD8C6}" type="presParOf" srcId="{486383C3-E516-4B76-A32F-5F73A732FB8F}" destId="{5B180D9A-531B-4314-854B-623036CE7902}" srcOrd="3" destOrd="0" presId="urn:microsoft.com/office/officeart/2005/8/layout/vProcess5"/>
+    <dgm:cxn modelId="{3BF455C7-F4E9-407F-A1F9-5A8342E5F496}" type="presParOf" srcId="{486383C3-E516-4B76-A32F-5F73A732FB8F}" destId="{C28F4109-5A1B-445B-97FF-436E94BC7AAC}" srcOrd="4" destOrd="0" presId="urn:microsoft.com/office/officeart/2005/8/layout/vProcess5"/>
+    <dgm:cxn modelId="{6BC7AA76-9CB3-4CF3-9424-E2C15624532D}" type="presParOf" srcId="{486383C3-E516-4B76-A32F-5F73A732FB8F}" destId="{2D1ACE12-87B2-405D-9DFA-B030500D40AF}" srcOrd="5" destOrd="0" presId="urn:microsoft.com/office/officeart/2005/8/layout/vProcess5"/>
+    <dgm:cxn modelId="{F80F3FFA-A79E-46A7-BFB2-57B035012E93}" type="presParOf" srcId="{486383C3-E516-4B76-A32F-5F73A732FB8F}" destId="{33749FC2-5F20-4899-A8A7-5351841843F2}" srcOrd="6" destOrd="0" presId="urn:microsoft.com/office/officeart/2005/8/layout/vProcess5"/>
+    <dgm:cxn modelId="{21EC98EA-1466-4234-A218-A2326A7210A2}" type="presParOf" srcId="{486383C3-E516-4B76-A32F-5F73A732FB8F}" destId="{A9DC8884-2E36-4F97-A704-F3B4A349179E}" srcOrd="7" destOrd="0" presId="urn:microsoft.com/office/officeart/2005/8/layout/vProcess5"/>
+    <dgm:cxn modelId="{40AA672C-765D-4916-BA22-0FCA39D06058}" type="presParOf" srcId="{486383C3-E516-4B76-A32F-5F73A732FB8F}" destId="{5576B4FC-0A1C-4ADF-84DD-D14ADAF0A081}" srcOrd="8" destOrd="0" presId="urn:microsoft.com/office/officeart/2005/8/layout/vProcess5"/>
+    <dgm:cxn modelId="{CD914D11-63B9-4C5D-9B2C-55137D05ADBB}" type="presParOf" srcId="{486383C3-E516-4B76-A32F-5F73A732FB8F}" destId="{C5F6AD40-5AF6-4065-83D9-86B2E5978864}" srcOrd="9" destOrd="0" presId="urn:microsoft.com/office/officeart/2005/8/layout/vProcess5"/>
+    <dgm:cxn modelId="{29EA3596-22DC-4E50-B8B9-AB0857B88D2C}" type="presParOf" srcId="{486383C3-E516-4B76-A32F-5F73A732FB8F}" destId="{6F334DA4-D3CC-4022-93E0-88952A12100C}" srcOrd="10" destOrd="0" presId="urn:microsoft.com/office/officeart/2005/8/layout/vProcess5"/>
+    <dgm:cxn modelId="{EEBDBE0E-437E-43F4-9E65-2B8468F2002F}" type="presParOf" srcId="{486383C3-E516-4B76-A32F-5F73A732FB8F}" destId="{6C5BE2AD-B747-4F30-A149-CF4B81931823}" srcOrd="11" destOrd="0" presId="urn:microsoft.com/office/officeart/2005/8/layout/vProcess5"/>
+  </dgm:cxnLst>
+  <dgm:bg/>
+  <dgm:whole/>
+  <dgm:extLst>
+    <a:ext uri="http://schemas.microsoft.com/office/drawing/2008/diagram">
+      <dsp:dataModelExt xmlns:dsp="http://schemas.microsoft.com/office/drawing/2008/diagram" relId="rId6" minVer="http://schemas.openxmlformats.org/drawingml/2006/diagram"/>
+    </a:ext>
+  </dgm:extLst>
+</dgm:dataModel>
+</file>
+
+<file path=ppt/diagrams/drawing1.xml><?xml version="1.0" encoding="utf-8"?>
+<dsp:drawing xmlns:dgm="http://schemas.openxmlformats.org/drawingml/2006/diagram" xmlns:dsp="http://schemas.microsoft.com/office/drawing/2008/diagram" xmlns:a="http://schemas.openxmlformats.org/drawingml/2006/main">
+  <dsp:spTree>
+    <dsp:nvGrpSpPr>
+      <dsp:cNvPr id="0" name=""/>
+      <dsp:cNvGrpSpPr/>
+    </dsp:nvGrpSpPr>
+    <dsp:grpSpPr/>
+    <dsp:sp modelId="{C06FEFB2-A274-4B5E-AB3A-116B144C2DA0}">
+      <dsp:nvSpPr>
+        <dsp:cNvPr id="0" name=""/>
+        <dsp:cNvSpPr/>
+      </dsp:nvSpPr>
+      <dsp:spPr>
+        <a:xfrm>
+          <a:off x="0" y="0"/>
+          <a:ext cx="6182613" cy="1119211"/>
+        </a:xfrm>
+        <a:prstGeom prst="roundRect">
+          <a:avLst>
+            <a:gd name="adj" fmla="val 10000"/>
+          </a:avLst>
+        </a:prstGeom>
+        <a:solidFill>
+          <a:schemeClr val="accent1">
+            <a:shade val="50000"/>
+            <a:hueOff val="0"/>
+            <a:satOff val="0"/>
+            <a:lumOff val="0"/>
+            <a:alphaOff val="0"/>
+          </a:schemeClr>
+        </a:solidFill>
+        <a:ln w="10795" cap="flat" cmpd="sng" algn="ctr">
+          <a:solidFill>
+            <a:schemeClr val="lt1">
+              <a:hueOff val="0"/>
+              <a:satOff val="0"/>
+              <a:lumOff val="0"/>
+              <a:alphaOff val="0"/>
+            </a:schemeClr>
+          </a:solidFill>
+          <a:prstDash val="solid"/>
+        </a:ln>
+        <a:effectLst/>
+      </dsp:spPr>
+      <dsp:style>
+        <a:lnRef idx="2">
+          <a:scrgbClr r="0" g="0" b="0"/>
+        </a:lnRef>
+        <a:fillRef idx="1">
+          <a:scrgbClr r="0" g="0" b="0"/>
+        </a:fillRef>
+        <a:effectRef idx="0">
+          <a:scrgbClr r="0" g="0" b="0"/>
+        </a:effectRef>
+        <a:fontRef idx="minor">
+          <a:schemeClr val="lt1"/>
+        </a:fontRef>
+      </dsp:style>
+      <dsp:txBody>
+        <a:bodyPr spcFirstLastPara="0" vert="horz" wrap="square" lIns="80010" tIns="80010" rIns="80010" bIns="80010" numCol="1" spcCol="1270" anchor="ctr" anchorCtr="0">
+          <a:noAutofit/>
+        </a:bodyPr>
+        <a:lstStyle/>
+        <a:p>
+          <a:pPr marL="0" lvl="0" indent="0" algn="l" defTabSz="933450">
+            <a:lnSpc>
+              <a:spcPct val="90000"/>
+            </a:lnSpc>
+            <a:spcBef>
+              <a:spcPct val="0"/>
+            </a:spcBef>
+            <a:spcAft>
+              <a:spcPct val="35000"/>
+            </a:spcAft>
+            <a:buNone/>
+          </a:pPr>
+          <a:r>
+            <a:rPr lang="en-US" sz="2100" kern="1200"/>
+            <a:t>Predstavnik približnog podudaranja sekvenci</a:t>
+          </a:r>
+        </a:p>
+      </dsp:txBody>
+      <dsp:txXfrm>
+        <a:off x="32781" y="32781"/>
+        <a:ext cx="4880323" cy="1053649"/>
+      </dsp:txXfrm>
+    </dsp:sp>
+    <dsp:sp modelId="{A246F3E0-C360-4AA1-BF2A-F20F0E15FA01}">
+      <dsp:nvSpPr>
+        <dsp:cNvPr id="0" name=""/>
+        <dsp:cNvSpPr/>
+      </dsp:nvSpPr>
+      <dsp:spPr>
+        <a:xfrm>
+          <a:off x="517793" y="1322704"/>
+          <a:ext cx="6182613" cy="1119211"/>
+        </a:xfrm>
+        <a:prstGeom prst="roundRect">
+          <a:avLst>
+            <a:gd name="adj" fmla="val 10000"/>
+          </a:avLst>
+        </a:prstGeom>
+        <a:solidFill>
+          <a:schemeClr val="accent1">
+            <a:shade val="50000"/>
+            <a:hueOff val="121017"/>
+            <a:satOff val="-2258"/>
+            <a:lumOff val="21299"/>
+            <a:alphaOff val="0"/>
+          </a:schemeClr>
+        </a:solidFill>
+        <a:ln w="10795" cap="flat" cmpd="sng" algn="ctr">
+          <a:solidFill>
+            <a:schemeClr val="lt1">
+              <a:hueOff val="0"/>
+              <a:satOff val="0"/>
+              <a:lumOff val="0"/>
+              <a:alphaOff val="0"/>
+            </a:schemeClr>
+          </a:solidFill>
+          <a:prstDash val="solid"/>
+        </a:ln>
+        <a:effectLst/>
+      </dsp:spPr>
+      <dsp:style>
+        <a:lnRef idx="2">
+          <a:scrgbClr r="0" g="0" b="0"/>
+        </a:lnRef>
+        <a:fillRef idx="1">
+          <a:scrgbClr r="0" g="0" b="0"/>
+        </a:fillRef>
+        <a:effectRef idx="0">
+          <a:scrgbClr r="0" g="0" b="0"/>
+        </a:effectRef>
+        <a:fontRef idx="minor">
+          <a:schemeClr val="lt1"/>
+        </a:fontRef>
+      </dsp:style>
+      <dsp:txBody>
+        <a:bodyPr spcFirstLastPara="0" vert="horz" wrap="square" lIns="80010" tIns="80010" rIns="80010" bIns="80010" numCol="1" spcCol="1270" anchor="ctr" anchorCtr="0">
+          <a:noAutofit/>
+        </a:bodyPr>
+        <a:lstStyle/>
+        <a:p>
+          <a:pPr marL="0" lvl="0" indent="0" algn="l" defTabSz="933450">
+            <a:lnSpc>
+              <a:spcPct val="90000"/>
+            </a:lnSpc>
+            <a:spcBef>
+              <a:spcPct val="0"/>
+            </a:spcBef>
+            <a:spcAft>
+              <a:spcPct val="35000"/>
+            </a:spcAft>
+            <a:buNone/>
+          </a:pPr>
+          <a:r>
+            <a:rPr lang="en-US" sz="2100" kern="1200"/>
+            <a:t>Primjeniv u bioinformatici kada se žele poravnati proteinski ili nukleotidni nizovi</a:t>
+          </a:r>
+        </a:p>
+      </dsp:txBody>
+      <dsp:txXfrm>
+        <a:off x="550574" y="1355485"/>
+        <a:ext cx="4871770" cy="1053649"/>
+      </dsp:txXfrm>
+    </dsp:sp>
+    <dsp:sp modelId="{5B180D9A-531B-4314-854B-623036CE7902}">
+      <dsp:nvSpPr>
+        <dsp:cNvPr id="0" name=""/>
+        <dsp:cNvSpPr/>
+      </dsp:nvSpPr>
+      <dsp:spPr>
+        <a:xfrm>
+          <a:off x="1027859" y="2645408"/>
+          <a:ext cx="6182613" cy="1119211"/>
+        </a:xfrm>
+        <a:prstGeom prst="roundRect">
+          <a:avLst>
+            <a:gd name="adj" fmla="val 10000"/>
+          </a:avLst>
+        </a:prstGeom>
+        <a:solidFill>
+          <a:schemeClr val="accent1">
+            <a:shade val="50000"/>
+            <a:hueOff val="242034"/>
+            <a:satOff val="-4515"/>
+            <a:lumOff val="42599"/>
+            <a:alphaOff val="0"/>
+          </a:schemeClr>
+        </a:solidFill>
+        <a:ln w="10795" cap="flat" cmpd="sng" algn="ctr">
+          <a:solidFill>
+            <a:schemeClr val="lt1">
+              <a:hueOff val="0"/>
+              <a:satOff val="0"/>
+              <a:lumOff val="0"/>
+              <a:alphaOff val="0"/>
+            </a:schemeClr>
+          </a:solidFill>
+          <a:prstDash val="solid"/>
+        </a:ln>
+        <a:effectLst/>
+      </dsp:spPr>
+      <dsp:style>
+        <a:lnRef idx="2">
+          <a:scrgbClr r="0" g="0" b="0"/>
+        </a:lnRef>
+        <a:fillRef idx="1">
+          <a:scrgbClr r="0" g="0" b="0"/>
+        </a:fillRef>
+        <a:effectRef idx="0">
+          <a:scrgbClr r="0" g="0" b="0"/>
+        </a:effectRef>
+        <a:fontRef idx="minor">
+          <a:schemeClr val="lt1"/>
+        </a:fontRef>
+      </dsp:style>
+      <dsp:txBody>
+        <a:bodyPr spcFirstLastPara="0" vert="horz" wrap="square" lIns="80010" tIns="80010" rIns="80010" bIns="80010" numCol="1" spcCol="1270" anchor="ctr" anchorCtr="0">
+          <a:noAutofit/>
+        </a:bodyPr>
+        <a:lstStyle/>
+        <a:p>
+          <a:pPr marL="0" lvl="0" indent="0" algn="l" defTabSz="933450">
+            <a:lnSpc>
+              <a:spcPct val="90000"/>
+            </a:lnSpc>
+            <a:spcBef>
+              <a:spcPct val="0"/>
+            </a:spcBef>
+            <a:spcAft>
+              <a:spcPct val="35000"/>
+            </a:spcAft>
+            <a:buNone/>
+          </a:pPr>
+          <a:r>
+            <a:rPr lang="en-US" sz="2100" kern="1200"/>
+            <a:t>Zasniva se na dinamičkom programiranju</a:t>
+          </a:r>
+        </a:p>
+      </dsp:txBody>
+      <dsp:txXfrm>
+        <a:off x="1060640" y="2678189"/>
+        <a:ext cx="4879498" cy="1053649"/>
+      </dsp:txXfrm>
+    </dsp:sp>
+    <dsp:sp modelId="{C28F4109-5A1B-445B-97FF-436E94BC7AAC}">
+      <dsp:nvSpPr>
+        <dsp:cNvPr id="0" name=""/>
+        <dsp:cNvSpPr/>
+      </dsp:nvSpPr>
+      <dsp:spPr>
+        <a:xfrm>
+          <a:off x="1545653" y="3968112"/>
+          <a:ext cx="6182613" cy="1119211"/>
+        </a:xfrm>
+        <a:prstGeom prst="roundRect">
+          <a:avLst>
+            <a:gd name="adj" fmla="val 10000"/>
+          </a:avLst>
+        </a:prstGeom>
+        <a:solidFill>
+          <a:schemeClr val="accent1">
+            <a:shade val="50000"/>
+            <a:hueOff val="121017"/>
+            <a:satOff val="-2258"/>
+            <a:lumOff val="21299"/>
+            <a:alphaOff val="0"/>
+          </a:schemeClr>
+        </a:solidFill>
+        <a:ln w="10795" cap="flat" cmpd="sng" algn="ctr">
+          <a:solidFill>
+            <a:schemeClr val="lt1">
+              <a:hueOff val="0"/>
+              <a:satOff val="0"/>
+              <a:lumOff val="0"/>
+              <a:alphaOff val="0"/>
+            </a:schemeClr>
+          </a:solidFill>
+          <a:prstDash val="solid"/>
+        </a:ln>
+        <a:effectLst/>
+      </dsp:spPr>
+      <dsp:style>
+        <a:lnRef idx="2">
+          <a:scrgbClr r="0" g="0" b="0"/>
+        </a:lnRef>
+        <a:fillRef idx="1">
+          <a:scrgbClr r="0" g="0" b="0"/>
+        </a:fillRef>
+        <a:effectRef idx="0">
+          <a:scrgbClr r="0" g="0" b="0"/>
+        </a:effectRef>
+        <a:fontRef idx="minor">
+          <a:schemeClr val="lt1"/>
+        </a:fontRef>
+      </dsp:style>
+      <dsp:txBody>
+        <a:bodyPr spcFirstLastPara="0" vert="horz" wrap="square" lIns="80010" tIns="80010" rIns="80010" bIns="80010" numCol="1" spcCol="1270" anchor="ctr" anchorCtr="0">
+          <a:noAutofit/>
+        </a:bodyPr>
+        <a:lstStyle/>
+        <a:p>
+          <a:pPr marL="0" lvl="0" indent="0" algn="l" defTabSz="933450">
+            <a:lnSpc>
+              <a:spcPct val="90000"/>
+            </a:lnSpc>
+            <a:spcBef>
+              <a:spcPct val="0"/>
+            </a:spcBef>
+            <a:spcAft>
+              <a:spcPct val="35000"/>
+            </a:spcAft>
+            <a:buNone/>
+          </a:pPr>
+          <a:r>
+            <a:rPr lang="en-US" sz="2100" kern="1200"/>
+            <a:t>Istodobno pamti samo dva retka matrice udaljenosti uređivanja, a kroz svaki redak prolazi dva puta.</a:t>
+          </a:r>
+        </a:p>
+      </dsp:txBody>
+      <dsp:txXfrm>
+        <a:off x="1578434" y="4000893"/>
+        <a:ext cx="4871770" cy="1053649"/>
+      </dsp:txXfrm>
+    </dsp:sp>
+    <dsp:sp modelId="{2D1ACE12-87B2-405D-9DFA-B030500D40AF}">
+      <dsp:nvSpPr>
+        <dsp:cNvPr id="0" name=""/>
+        <dsp:cNvSpPr/>
+      </dsp:nvSpPr>
+      <dsp:spPr>
+        <a:xfrm>
+          <a:off x="5455126" y="857214"/>
+          <a:ext cx="727487" cy="727487"/>
+        </a:xfrm>
+        <a:prstGeom prst="downArrow">
+          <a:avLst>
+            <a:gd name="adj1" fmla="val 55000"/>
+            <a:gd name="adj2" fmla="val 45000"/>
+          </a:avLst>
+        </a:prstGeom>
+        <a:solidFill>
+          <a:schemeClr val="accent1">
+            <a:alpha val="90000"/>
+            <a:tint val="55000"/>
+            <a:hueOff val="0"/>
+            <a:satOff val="0"/>
+            <a:lumOff val="0"/>
+            <a:alphaOff val="0"/>
+          </a:schemeClr>
+        </a:solidFill>
+        <a:ln w="10795" cap="flat" cmpd="sng" algn="ctr">
+          <a:solidFill>
+            <a:schemeClr val="accent1">
+              <a:alpha val="90000"/>
+              <a:tint val="55000"/>
+              <a:hueOff val="0"/>
+              <a:satOff val="0"/>
+              <a:lumOff val="0"/>
+              <a:alphaOff val="0"/>
+            </a:schemeClr>
+          </a:solidFill>
+          <a:prstDash val="solid"/>
+        </a:ln>
+        <a:effectLst/>
+      </dsp:spPr>
+      <dsp:style>
+        <a:lnRef idx="2">
+          <a:scrgbClr r="0" g="0" b="0"/>
+        </a:lnRef>
+        <a:fillRef idx="1">
+          <a:scrgbClr r="0" g="0" b="0"/>
+        </a:fillRef>
+        <a:effectRef idx="0">
+          <a:scrgbClr r="0" g="0" b="0"/>
+        </a:effectRef>
+        <a:fontRef idx="minor"/>
+      </dsp:style>
+      <dsp:txBody>
+        <a:bodyPr spcFirstLastPara="0" vert="horz" wrap="square" lIns="41910" tIns="41910" rIns="41910" bIns="41910" numCol="1" spcCol="1270" anchor="ctr" anchorCtr="0">
+          <a:noAutofit/>
+        </a:bodyPr>
+        <a:lstStyle/>
+        <a:p>
+          <a:pPr marL="0" lvl="0" indent="0" algn="ctr" defTabSz="1466850">
+            <a:lnSpc>
+              <a:spcPct val="90000"/>
+            </a:lnSpc>
+            <a:spcBef>
+              <a:spcPct val="0"/>
+            </a:spcBef>
+            <a:spcAft>
+              <a:spcPct val="35000"/>
+            </a:spcAft>
+            <a:buNone/>
+          </a:pPr>
+          <a:endParaRPr lang="en-US" sz="3300" kern="1200"/>
+        </a:p>
+      </dsp:txBody>
+      <dsp:txXfrm>
+        <a:off x="5618811" y="857214"/>
+        <a:ext cx="400117" cy="547434"/>
+      </dsp:txXfrm>
+    </dsp:sp>
+    <dsp:sp modelId="{33749FC2-5F20-4899-A8A7-5351841843F2}">
+      <dsp:nvSpPr>
+        <dsp:cNvPr id="0" name=""/>
+        <dsp:cNvSpPr/>
+      </dsp:nvSpPr>
+      <dsp:spPr>
+        <a:xfrm>
+          <a:off x="5972920" y="2179918"/>
+          <a:ext cx="727487" cy="727487"/>
+        </a:xfrm>
+        <a:prstGeom prst="downArrow">
+          <a:avLst>
+            <a:gd name="adj1" fmla="val 55000"/>
+            <a:gd name="adj2" fmla="val 45000"/>
+          </a:avLst>
+        </a:prstGeom>
+        <a:solidFill>
+          <a:schemeClr val="accent1">
+            <a:alpha val="90000"/>
+            <a:tint val="55000"/>
+            <a:hueOff val="0"/>
+            <a:satOff val="0"/>
+            <a:lumOff val="0"/>
+            <a:alphaOff val="0"/>
+          </a:schemeClr>
+        </a:solidFill>
+        <a:ln w="10795" cap="flat" cmpd="sng" algn="ctr">
+          <a:solidFill>
+            <a:schemeClr val="accent1">
+              <a:alpha val="90000"/>
+              <a:tint val="55000"/>
+              <a:hueOff val="0"/>
+              <a:satOff val="0"/>
+              <a:lumOff val="0"/>
+              <a:alphaOff val="0"/>
+            </a:schemeClr>
+          </a:solidFill>
+          <a:prstDash val="solid"/>
+        </a:ln>
+        <a:effectLst/>
+      </dsp:spPr>
+      <dsp:style>
+        <a:lnRef idx="2">
+          <a:scrgbClr r="0" g="0" b="0"/>
+        </a:lnRef>
+        <a:fillRef idx="1">
+          <a:scrgbClr r="0" g="0" b="0"/>
+        </a:fillRef>
+        <a:effectRef idx="0">
+          <a:scrgbClr r="0" g="0" b="0"/>
+        </a:effectRef>
+        <a:fontRef idx="minor"/>
+      </dsp:style>
+      <dsp:txBody>
+        <a:bodyPr spcFirstLastPara="0" vert="horz" wrap="square" lIns="41910" tIns="41910" rIns="41910" bIns="41910" numCol="1" spcCol="1270" anchor="ctr" anchorCtr="0">
+          <a:noAutofit/>
+        </a:bodyPr>
+        <a:lstStyle/>
+        <a:p>
+          <a:pPr marL="0" lvl="0" indent="0" algn="ctr" defTabSz="1466850">
+            <a:lnSpc>
+              <a:spcPct val="90000"/>
+            </a:lnSpc>
+            <a:spcBef>
+              <a:spcPct val="0"/>
+            </a:spcBef>
+            <a:spcAft>
+              <a:spcPct val="35000"/>
+            </a:spcAft>
+            <a:buNone/>
+          </a:pPr>
+          <a:endParaRPr lang="en-US" sz="3300" kern="1200"/>
+        </a:p>
+      </dsp:txBody>
+      <dsp:txXfrm>
+        <a:off x="6136605" y="2179918"/>
+        <a:ext cx="400117" cy="547434"/>
+      </dsp:txXfrm>
+    </dsp:sp>
+    <dsp:sp modelId="{A9DC8884-2E36-4F97-A704-F3B4A349179E}">
+      <dsp:nvSpPr>
+        <dsp:cNvPr id="0" name=""/>
+        <dsp:cNvSpPr/>
+      </dsp:nvSpPr>
+      <dsp:spPr>
+        <a:xfrm>
+          <a:off x="6482985" y="3502622"/>
+          <a:ext cx="727487" cy="727487"/>
+        </a:xfrm>
+        <a:prstGeom prst="downArrow">
+          <a:avLst>
+            <a:gd name="adj1" fmla="val 55000"/>
+            <a:gd name="adj2" fmla="val 45000"/>
+          </a:avLst>
+        </a:prstGeom>
+        <a:solidFill>
+          <a:schemeClr val="accent1">
+            <a:alpha val="90000"/>
+            <a:tint val="55000"/>
+            <a:hueOff val="0"/>
+            <a:satOff val="0"/>
+            <a:lumOff val="0"/>
+            <a:alphaOff val="0"/>
+          </a:schemeClr>
+        </a:solidFill>
+        <a:ln w="10795" cap="flat" cmpd="sng" algn="ctr">
+          <a:solidFill>
+            <a:schemeClr val="accent1">
+              <a:alpha val="90000"/>
+              <a:tint val="55000"/>
+              <a:hueOff val="0"/>
+              <a:satOff val="0"/>
+              <a:lumOff val="0"/>
+              <a:alphaOff val="0"/>
+            </a:schemeClr>
+          </a:solidFill>
+          <a:prstDash val="solid"/>
+        </a:ln>
+        <a:effectLst/>
+      </dsp:spPr>
+      <dsp:style>
+        <a:lnRef idx="2">
+          <a:scrgbClr r="0" g="0" b="0"/>
+        </a:lnRef>
+        <a:fillRef idx="1">
+          <a:scrgbClr r="0" g="0" b="0"/>
+        </a:fillRef>
+        <a:effectRef idx="0">
+          <a:scrgbClr r="0" g="0" b="0"/>
+        </a:effectRef>
+        <a:fontRef idx="minor"/>
+      </dsp:style>
+      <dsp:txBody>
+        <a:bodyPr spcFirstLastPara="0" vert="horz" wrap="square" lIns="41910" tIns="41910" rIns="41910" bIns="41910" numCol="1" spcCol="1270" anchor="ctr" anchorCtr="0">
+          <a:noAutofit/>
+        </a:bodyPr>
+        <a:lstStyle/>
+        <a:p>
+          <a:pPr marL="0" lvl="0" indent="0" algn="ctr" defTabSz="1466850">
+            <a:lnSpc>
+              <a:spcPct val="90000"/>
+            </a:lnSpc>
+            <a:spcBef>
+              <a:spcPct val="0"/>
+            </a:spcBef>
+            <a:spcAft>
+              <a:spcPct val="35000"/>
+            </a:spcAft>
+            <a:buNone/>
+          </a:pPr>
+          <a:endParaRPr lang="en-US" sz="3300" kern="1200"/>
+        </a:p>
+      </dsp:txBody>
+      <dsp:txXfrm>
+        <a:off x="6646670" y="3502622"/>
+        <a:ext cx="400117" cy="547434"/>
+      </dsp:txXfrm>
+    </dsp:sp>
+  </dsp:spTree>
+</dsp:drawing>
+</file>
+
+<file path=ppt/diagrams/layout1.xml><?xml version="1.0" encoding="utf-8"?>
+<dgm:layoutDef xmlns:dgm="http://schemas.openxmlformats.org/drawingml/2006/diagram" xmlns:a="http://schemas.openxmlformats.org/drawingml/2006/main" uniqueId="urn:microsoft.com/office/officeart/2005/8/layout/vProcess5">
+  <dgm:title val=""/>
+  <dgm:desc val=""/>
+  <dgm:catLst>
+    <dgm:cat type="process" pri="14000"/>
+  </dgm:catLst>
+  <dgm:sampData>
+    <dgm:dataModel>
+      <dgm:ptLst>
+        <dgm:pt modelId="0" type="doc"/>
+        <dgm:pt modelId="1">
+          <dgm:prSet phldr="1"/>
+        </dgm:pt>
+        <dgm:pt modelId="2">
+          <dgm:prSet phldr="1"/>
+        </dgm:pt>
+        <dgm:pt modelId="3">
+          <dgm:prSet phldr="1"/>
+        </dgm:pt>
+      </dgm:ptLst>
+      <dgm:cxnLst>
+        <dgm:cxn modelId="5" srcId="0" destId="1" srcOrd="0" destOrd="0"/>
+        <dgm:cxn modelId="6" srcId="0" destId="2" srcOrd="1" destOrd="0"/>
+        <dgm:cxn modelId="7" srcId="0" destId="3" srcOrd="2" destOrd="0"/>
+      </dgm:cxnLst>
+      <dgm:bg/>
+      <dgm:whole/>
+    </dgm:dataModel>
+  </dgm:sampData>
+  <dgm:styleData>
+    <dgm:dataModel>
+      <dgm:ptLst>
+        <dgm:pt modelId="0" type="doc"/>
+        <dgm:pt modelId="1"/>
+        <dgm:pt modelId="2"/>
+      </dgm:ptLst>
+      <dgm:cxnLst>
+        <dgm:cxn modelId="3" srcId="0" destId="1" srcOrd="0" destOrd="0"/>
+        <dgm:cxn modelId="4" srcId="0" destId="2" srcOrd="1" destOrd="0"/>
+      </dgm:cxnLst>
+      <dgm:bg/>
+      <dgm:whole/>
+    </dgm:dataModel>
+  </dgm:styleData>
+  <dgm:clrData>
+    <dgm:dataModel>
+      <dgm:ptLst>
+        <dgm:pt modelId="0" type="doc"/>
+        <dgm:pt modelId="1"/>
+        <dgm:pt modelId="2"/>
+        <dgm:pt modelId="3"/>
+        <dgm:pt modelId="4"/>
+      </dgm:ptLst>
+      <dgm:cxnLst>
+        <dgm:cxn modelId="6" srcId="0" destId="1" srcOrd="0" destOrd="0"/>
+        <dgm:cxn modelId="7" srcId="0" destId="2" srcOrd="1" destOrd="0"/>
+        <dgm:cxn modelId="8" srcId="0" destId="3" srcOrd="2" destOrd="0"/>
+        <dgm:cxn modelId="9" srcId="0" destId="4" srcOrd="3" destOrd="0"/>
+      </dgm:cxnLst>
+      <dgm:bg/>
+      <dgm:whole/>
+    </dgm:dataModel>
+  </dgm:clrData>
+  <dgm:layoutNode name="outerComposite">
+    <dgm:varLst>
+      <dgm:chMax val="5"/>
+      <dgm:dir/>
+      <dgm:resizeHandles val="exact"/>
+    </dgm:varLst>
+    <dgm:alg type="composite"/>
+    <dgm:shape xmlns:r="http://schemas.openxmlformats.org/officeDocument/2006/relationships" r:blip="">
+      <dgm:adjLst/>
+    </dgm:shape>
+    <dgm:presOf/>
+    <dgm:choose name="Name0">
+      <dgm:if name="Name1" func="var" arg="dir" op="equ" val="norm">
+        <dgm:constrLst>
+          <dgm:constr type="primFontSz" for="ch" ptType="node" op="equ" val="65"/>
+          <dgm:constr type="w" for="ch" forName="dummyMaxCanvas" refType="w"/>
+          <dgm:constr type="h" for="ch" forName="dummyMaxCanvas" refType="h"/>
+          <dgm:constr type="w" for="ch" forName="OneNode_1" refType="w"/>
+          <dgm:constr type="h" for="ch" forName="OneNode_1" refType="h" fact="0.5"/>
+          <dgm:constr type="ctrY" for="ch" forName="OneNode_1" refType="h" fact="0.5"/>
+          <dgm:constr type="w" for="ch" forName="TwoNodes_1" refType="w" fact="0.85"/>
+          <dgm:constr type="h" for="ch" forName="TwoNodes_1" refType="h" fact="0.45"/>
+          <dgm:constr type="t" for="ch" forName="TwoNodes_1"/>
+          <dgm:constr type="l" for="ch" forName="TwoNodes_1"/>
+          <dgm:constr type="w" for="ch" forName="TwoNodes_2" refType="w" fact="0.85"/>
+          <dgm:constr type="h" for="ch" forName="TwoNodes_2" refType="h" fact="0.45"/>
+          <dgm:constr type="b" for="ch" forName="TwoNodes_2" refType="h"/>
+          <dgm:constr type="r" for="ch" forName="TwoNodes_2" refType="w"/>
+          <dgm:constr type="w" for="ch" forName="TwoConn_1-2" refType="h" refFor="ch" refForName="TwoNodes_1" fact="0.65"/>
+          <dgm:constr type="h" for="ch" forName="TwoConn_1-2" refType="h" refFor="ch" refForName="TwoNodes_1" fact="0.65"/>
+          <dgm:constr type="ctrY" for="ch" forName="TwoConn_1-2" refType="h" fact="0.5"/>
+          <dgm:constr type="r" for="ch" forName="TwoConn_1-2" refType="r" refFor="ch" refForName="TwoNodes_1"/>
+          <dgm:constr type="r" for="ch" forName="TwoNodes_1_text" refType="l" refFor="ch" refForName="TwoConn_1-2"/>
+          <dgm:constr type="rOff" for="ch" forName="TwoNodes_1_text" refType="w" refFor="ch" refForName="TwoConn_1-2" fact="-0.5"/>
+          <dgm:constr type="t" for="ch" forName="TwoNodes_1_text" refType="t" refFor="ch" refForName="TwoNodes_1"/>
+          <dgm:constr type="b" for="ch" forName="TwoNodes_1_text" refType="b" refFor="ch" refForName="TwoNodes_1"/>
+          <dgm:constr type="l" for="ch" forName="TwoNodes_1_text" refType="l" refFor="ch" refForName="TwoNodes_1"/>
+          <dgm:constr type="r" for="ch" forName="TwoNodes_2_text" refType="l" refFor="ch" refForName="TwoConn_1-2"/>
+          <dgm:constr type="t" for="ch" forName="TwoNodes_2_text" refType="t" refFor="ch" refForName="TwoNodes_2"/>
+          <dgm:constr type="b" for="ch" forName="TwoNodes_2_text" refType="b" refFor="ch" refForName="TwoNodes_2"/>
+          <dgm:constr type="l" for="ch" forName="TwoNodes_2_text" refType="l" refFor="ch" refForName="TwoNodes_2"/>
+          <dgm:constr type="w" for="ch" forName="ThreeNodes_1" refType="w" fact="0.85"/>
+          <dgm:constr type="h" for="ch" forName="ThreeNodes_1" refType="h" fact="0.3"/>
+          <dgm:constr type="t" for="ch" forName="ThreeNodes_1"/>
+          <dgm:constr type="l" for="ch" forName="ThreeNodes_1"/>
+          <dgm:constr type="w" for="ch" forName="ThreeNodes_2" refType="w" fact="0.85"/>
+          <dgm:constr type="h" for="ch" forName="ThreeNodes_2" refType="h" fact="0.3"/>
+          <dgm:constr type="ctrY" for="ch" forName="ThreeNodes_2" refType="h" fact="0.5"/>
+          <dgm:constr type="ctrX" for="ch" forName="ThreeNodes_2" refType="w" fact="0.5"/>
+          <dgm:constr type="w" for="ch" forName="ThreeNodes_3" refType="w" fact="0.85"/>
+          <dgm:constr type="h" for="ch" forName="ThreeNodes_3" refType="h" fact="0.3"/>
+          <dgm:constr type="b" for="ch" forName="ThreeNodes_3" refType="h"/>
+          <dgm:constr type="r" for="ch" forName="ThreeNodes_3" refType="w"/>
+          <dgm:constr type="w" for="ch" forName="ThreeConn_1-2" refType="h" refFor="ch" refForName="ThreeNodes_1" fact="0.65"/>
+          <dgm:constr type="h" for="ch" forName="ThreeConn_1-2" refType="h" refFor="ch" refForName="ThreeNodes_1" fact="0.65"/>
+          <dgm:constr type="ctrY" for="ch" forName="ThreeConn_1-2" refType="h" fact="0.325"/>
+          <dgm:constr type="r" for="ch" forName="ThreeConn_1-2" refType="r" refFor="ch" refForName="ThreeNodes_1"/>
+          <dgm:constr type="w" for="ch" forName="ThreeConn_2-3" refType="h" refFor="ch" refForName="ThreeNodes_2" fact="0.65"/>
+          <dgm:constr type="h" for="ch" forName="ThreeConn_2-3" refType="h" refFor="ch" refForName="ThreeNodes_2" fact="0.65"/>
+          <dgm:constr type="ctrY" for="ch" forName="ThreeConn_2-3" refType="h" fact="0.673"/>
+          <dgm:constr type="r" for="ch" forName="ThreeConn_2-3" refType="r" refFor="ch" refForName="ThreeNodes_2"/>
+          <dgm:constr type="r" for="ch" forName="ThreeNodes_1_text" refType="l" refFor="ch" refForName="ThreeConn_1-2"/>
+          <dgm:constr type="rOff" for="ch" forName="ThreeNodes_1_text" refType="w" refFor="ch" refForName="ThreeConn_1-2" fact="-0.57"/>
+          <dgm:constr type="t" for="ch" forName="ThreeNodes_1_text" refType="t" refFor="ch" refForName="ThreeNodes_1"/>
+          <dgm:constr type="b" for="ch" forName="ThreeNodes_1_text" refType="b" refFor="ch" refForName="ThreeNodes_1"/>
+          <dgm:constr type="l" for="ch" forName="ThreeNodes_1_text" refType="l" refFor="ch" refForName="ThreeNodes_1"/>
+          <dgm:constr type="r" for="ch" forName="ThreeNodes_2_text" refType="l" refFor="ch" refForName="ThreeConn_1-2"/>
+          <dgm:constr type="t" for="ch" forName="ThreeNodes_2_text" refType="t" refFor="ch" refForName="ThreeNodes_2"/>
+          <dgm:constr type="b" for="ch" forName="ThreeNodes_2_text" refType="b" refFor="ch" refForName="ThreeNodes_2"/>
+          <dgm:constr type="l" for="ch" forName="ThreeNodes_2_text" refType="l" refFor="ch" refForName="ThreeNodes_2"/>
+          <dgm:constr type="r" for="ch" forName="ThreeNodes_3_text" refType="l" refFor="ch" refForName="ThreeConn_2-3"/>
+          <dgm:constr type="t" for="ch" forName="ThreeNodes_3_text" refType="t" refFor="ch" refForName="ThreeNodes_3"/>
+          <dgm:constr type="b" for="ch" forName="ThreeNodes_3_text" refType="b" refFor="ch" refForName="ThreeNodes_3"/>
+          <dgm:constr type="l" for="ch" forName="ThreeNodes_3_text" refType="l" refFor="ch" refForName="ThreeNodes_3"/>
+          <dgm:constr type="w" for="ch" forName="FourNodes_1" refType="w" fact="0.8"/>
+          <dgm:constr type="h" for="ch" forName="FourNodes_1" refType="h" fact="0.22"/>
+          <dgm:constr type="t" for="ch" forName="FourNodes_1"/>
+          <dgm:constr type="l" for="ch" forName="FourNodes_1"/>
+          <dgm:constr type="w" for="ch" forName="FourNodes_2" refType="w" fact="0.8"/>
+          <dgm:constr type="h" for="ch" forName="FourNodes_2" refType="h" fact="0.22"/>
+          <dgm:constr type="ctrY" for="ch" forName="FourNodes_2" refType="h" fact="0.37"/>
+          <dgm:constr type="ctrX" for="ch" forName="FourNodes_2" refType="w" fact="0.467"/>
+          <dgm:constr type="w" for="ch" forName="FourNodes_3" refType="w" fact="0.8"/>
+          <dgm:constr type="h" for="ch" forName="FourNodes_3" refType="h" fact="0.22"/>
+          <dgm:constr type="ctrY" for="ch" forName="FourNodes_3" refType="h" fact="0.63"/>
+          <dgm:constr type="ctrX" for="ch" forName="FourNodes_3" refType="w" fact="0.533"/>
+          <dgm:constr type="w" for="ch" forName="FourNodes_4" refType="w" fact="0.8"/>
+          <dgm:constr type="h" for="ch" forName="FourNodes_4" refType="h" fact="0.22"/>
+          <dgm:constr type="b" for="ch" forName="FourNodes_4" refType="h"/>
+          <dgm:constr type="r" for="ch" forName="FourNodes_4" refType="w"/>
+          <dgm:constr type="w" for="ch" forName="FourConn_1-2" refType="h" refFor="ch" refForName="FourNodes_1" fact="0.65"/>
+          <dgm:constr type="h" for="ch" forName="FourConn_1-2" refType="h" refFor="ch" refForName="FourNodes_1" fact="0.65"/>
+          <dgm:constr type="ctrY" for="ch" forName="FourConn_1-2" refType="h" fact="0.24"/>
+          <dgm:constr type="r" for="ch" forName="FourConn_1-2" refType="r" refFor="ch" refForName="FourNodes_1"/>
+          <dgm:constr type="w" for="ch" forName="FourConn_2-3" refType="h" refFor="ch" refForName="FourNodes_2" fact="0.65"/>
+          <dgm:constr type="h" for="ch" forName="FourConn_2-3" refType="h" refFor="ch" refForName="FourNodes_2" fact="0.65"/>
+          <dgm:constr type="ctrY" for="ch" forName="FourConn_2-3" refType="h" fact="0.5"/>
+          <dgm:constr type="r" for="ch" forName="FourConn_2-3" refType="r" refFor="ch" refForName="FourNodes_2"/>
+          <dgm:constr type="w" for="ch" forName="FourConn_3-4" refType="h" refFor="ch" refForName="FourNodes_3" fact="0.65"/>
+          <dgm:constr type="h" for="ch" forName="FourConn_3-4" refType="h" refFor="ch" refForName="FourNodes_3" fact="0.65"/>
+          <dgm:constr type="ctrY" for="ch" forName="FourConn_3-4" refType="h" fact="0.76"/>
+          <dgm:constr type="r" for="ch" forName="FourConn_3-4" refType="r" refFor="ch" refForName="FourNodes_3"/>
+          <dgm:constr type="r" for="ch" forName="FourNodes_1_text" refType="l" refFor="ch" refForName="FourConn_1-2"/>
+          <dgm:constr type="rOff" for="ch" forName="FourNodes_1_text" refType="w" refFor="ch" refForName="FourConn_1-2" fact="-0.7"/>
+          <dgm:constr type="t" for="ch" forName="FourNodes_1_text" refType="t" refFor="ch" refForName="FourNodes_1"/>
+          <dgm:constr type="b" for="ch" forName="FourNodes_1_text" refType="b" refFor="ch" refForName="FourNodes_1"/>
+          <dgm:constr type="l" for="ch" forName="FourNodes_1_text" refType="l" refFor="ch" refForName="FourNodes_1"/>
+          <dgm:constr type="r" for="ch" forName="FourNodes_2_text" refType="l" refFor="ch" refForName="FourConn_1-2"/>
+          <dgm:constr type="t" for="ch" forName="FourNodes_2_text" refType="t" refFor="ch" refForName="FourNodes_2"/>
+          <dgm:constr type="b" for="ch" forName="FourNodes_2_text" refType="b" refFor="ch" refForName="FourNodes_2"/>
+          <dgm:constr type="l" for="ch" forName="FourNodes_2_text" refType="l" refFor="ch" refForName="FourNodes_2"/>
+          <dgm:constr type="r" for="ch" forName="FourNodes_3_text" refType="l" refFor="ch" refForName="FourConn_2-3"/>
+          <dgm:constr type="t" for="ch" forName="FourNodes_3_text" refType="t" refFor="ch" refForName="FourNodes_3"/>
+          <dgm:constr type="b" for="ch" forName="FourNodes_3_text" refType="b" refFor="ch" refForName="FourNodes_3"/>
+          <dgm:constr type="l" for="ch" forName="FourNodes_3_text" refType="l" refFor="ch" refForName="FourNodes_3"/>
+          <dgm:constr type="r" for="ch" forName="FourNodes_4_text" refType="l" refFor="ch" refForName="FourConn_3-4"/>
+          <dgm:constr type="t" for="ch" forName="FourNodes_4_text" refType="t" refFor="ch" refForName="FourNodes_4"/>
+          <dgm:constr type="b" for="ch" forName="FourNodes_4_text" refType="b" refFor="ch" refForName="FourNodes_4"/>
+          <dgm:constr type="l" for="ch" forName="FourNodes_4_text" refType="l" refFor="ch" refForName="FourNodes_4"/>
+          <dgm:constr type="w" for="ch" forName="FiveNodes_1" refType="w" fact="0.77"/>
+          <dgm:constr type="h" for="ch" forName="FiveNodes_1" refType="h" fact="0.18"/>
+          <dgm:constr type="t" for="ch" forName="FiveNodes_1"/>
+          <dgm:constr type="l" for="ch" forName="FiveNodes_1"/>
+          <dgm:constr type="w" for="ch" forName="FiveNodes_2" refType="w" fact="0.77"/>
+          <dgm:constr type="h" for="ch" forName="FiveNodes_2" refType="h" fact="0.18"/>
+          <dgm:constr type="ctrY" for="ch" forName="FiveNodes_2" refType="h" fact="0.295"/>
+          <dgm:constr type="ctrX" for="ch" forName="FiveNodes_2" refType="w" fact="0.4425"/>
+          <dgm:constr type="w" for="ch" forName="FiveNodes_3" refType="w" fact="0.77"/>
+          <dgm:constr type="h" for="ch" forName="FiveNodes_3" refType="h" fact="0.18"/>
+          <dgm:constr type="ctrY" for="ch" forName="FiveNodes_3" refType="h" fact="0.5"/>
+          <dgm:constr type="ctrX" for="ch" forName="FiveNodes_3" refType="w" fact="0.5"/>
+          <dgm:constr type="w" for="ch" forName="FiveNodes_4" refType="w" fact="0.77"/>
+          <dgm:constr type="h" for="ch" forName="FiveNodes_4" refType="h" fact="0.18"/>
+          <dgm:constr type="ctrY" for="ch" forName="FiveNodes_4" refType="h" fact="0.705"/>
+          <dgm:constr type="ctrX" for="ch" forName="FiveNodes_4" refType="w" fact="0.5575"/>
+          <dgm:constr type="w" for="ch" forName="FiveNodes_5" refType="w" fact="0.77"/>
+          <dgm:constr type="h" for="ch" forName="FiveNodes_5" refType="h" fact="0.18"/>
+          <dgm:constr type="b" for="ch" forName="FiveNodes_5" refType="h"/>
+          <dgm:constr type="r" for="ch" forName="FiveNodes_5" refType="w"/>
+          <dgm:constr type="w" for="ch" forName="FiveConn_1-2" refType="h" refFor="ch" refForName="FiveNodes_1" fact="0.65"/>
+          <dgm:constr type="h" for="ch" forName="FiveConn_1-2" refType="h" refFor="ch" refForName="FiveNodes_1" fact="0.65"/>
+          <dgm:constr type="ctrY" for="ch" forName="FiveConn_1-2" refType="h" fact="0.19"/>
+          <dgm:constr type="r" for="ch" forName="FiveConn_1-2" refType="r" refFor="ch" refForName="FiveNodes_1"/>
+          <dgm:constr type="w" for="ch" forName="FiveConn_2-3" refType="h" refFor="ch" refForName="FiveNodes_2" fact="0.65"/>
+          <dgm:constr type="h" for="ch" forName="FiveConn_2-3" refType="h" refFor="ch" refForName="FiveNodes_2" fact="0.65"/>
+          <dgm:constr type="ctrY" for="ch" forName="FiveConn_2-3" refType="h" fact="0.395"/>
+          <dgm:constr type="r" for="ch" forName="FiveConn_2-3" refType="r" refFor="ch" refForName="FiveNodes_2"/>
+          <dgm:constr type="w" for="ch" forName="FiveConn_3-4" refType="h" refFor="ch" refForName="FiveNodes_3" fact="0.65"/>
+          <dgm:constr type="h" for="ch" forName="FiveConn_3-4" refType="h" refFor="ch" refForName="FiveNodes_3" fact="0.65"/>
+          <dgm:constr type="ctrY" for="ch" forName="FiveConn_3-4" refType="h" fact="0.597"/>
+          <dgm:constr type="r" for="ch" forName="FiveConn_3-4" refType="r" refFor="ch" refForName="FiveNodes_3"/>
+          <dgm:constr type="w" for="ch" forName="FiveConn_4-5" refType="h" refFor="ch" refForName="FiveNodes_4" fact="0.65"/>
+          <dgm:constr type="h" for="ch" forName="FiveConn_4-5" refType="h" refFor="ch" refForName="FiveNodes_4" fact="0.65"/>
+          <dgm:constr type="ctrY" for="ch" forName="FiveConn_4-5" refType="h" fact="0.804"/>
+          <dgm:constr type="r" for="ch" forName="FiveConn_4-5" refType="r" refFor="ch" refForName="FiveNodes_4"/>
+          <dgm:constr type="r" for="ch" forName="FiveNodes_1_text" refType="l" refFor="ch" refForName="FiveConn_1-2"/>
+          <dgm:constr type="rOff" for="ch" forName="FiveNodes_1_text" refType="w" refFor="ch" refForName="FiveConn_1-2" fact="-0.75"/>
+          <dgm:constr type="t" for="ch" forName="FiveNodes_1_text" refType="t" refFor="ch" refForName="FiveNodes_1"/>
+          <dgm:constr type="b" for="ch" forName="FiveNodes_1_text" refType="b" refFor="ch" refForName="FiveNodes_1"/>
+          <dgm:constr type="l" for="ch" forName="FiveNodes_1_text" refType="l" refFor="ch" refForName="FiveNodes_1"/>
+          <dgm:constr type="r" for="ch" forName="FiveNodes_2_text" refType="l" refFor="ch" refForName="FiveConn_1-2"/>
+          <dgm:constr type="t" for="ch" forName="FiveNodes_2_text" refType="t" refFor="ch" refForName="FiveNodes_2"/>
+          <dgm:constr type="b" for="ch" forName="FiveNodes_2_text" refType="b" refFor="ch" refForName="FiveNodes_2"/>
+          <dgm:constr type="l" for="ch" forName="FiveNodes_2_text" refType="l" refFor="ch" refForName="FiveNodes_2"/>
+          <dgm:constr type="r" for="ch" forName="FiveNodes_3_text" refType="l" refFor="ch" refForName="FiveConn_2-3"/>
+          <dgm:constr type="t" for="ch" forName="FiveNodes_3_text" refType="t" refFor="ch" refForName="FiveNodes_3"/>
+          <dgm:constr type="b" for="ch" forName="FiveNodes_3_text" refType="b" refFor="ch" refForName="FiveNodes_3"/>
+          <dgm:constr type="l" for="ch" forName="FiveNodes_3_text" refType="l" refFor="ch" refForName="FiveNodes_3"/>
+          <dgm:constr type="r" for="ch" forName="FiveNodes_4_text" refType="l" refFor="ch" refForName="FiveConn_3-4"/>
+          <dgm:constr type="t" for="ch" forName="FiveNodes_4_text" refType="t" refFor="ch" refForName="FiveNodes_4"/>
+          <dgm:constr type="b" for="ch" forName="FiveNodes_4_text" refType="b" refFor="ch" refForName="FiveNodes_4"/>
+          <dgm:constr type="l" for="ch" forName="FiveNodes_4_text" refType="l" refFor="ch" refForName="FiveNodes_4"/>
+          <dgm:constr type="r" for="ch" forName="FiveNodes_5_text" refType="l" refFor="ch" refForName="FiveConn_4-5"/>
+          <dgm:constr type="t" for="ch" forName="FiveNodes_5_text" refType="t" refFor="ch" refForName="FiveNodes_5"/>
+          <dgm:constr type="b" for="ch" forName="FiveNodes_5_text" refType="b" refFor="ch" refForName="FiveNodes_5"/>
+          <dgm:constr type="l" for="ch" forName="FiveNodes_5_text" refType="l" refFor="ch" refForName="FiveNodes_5"/>
+        </dgm:constrLst>
+      </dgm:if>
+      <dgm:else name="Name2">
+        <dgm:constrLst>
+          <dgm:constr type="primFontSz" for="ch" ptType="node" op="equ" val="65"/>
+          <dgm:constr type="w" for="ch" forName="dummyMaxCanvas" refType="w"/>
+          <dgm:constr type="h" for="ch" forName="dummyMaxCanvas" refType="h"/>
+          <dgm:constr type="w" for="ch" forName="OneNode_1" refType="w"/>
+          <dgm:constr type="h" for="ch" forName="OneNode_1" refType="h" fact="0.5"/>
+          <dgm:constr type="ctrY" for="ch" forName="OneNode_1" refType="h" fact="0.5"/>
+          <dgm:constr type="w" for="ch" forName="TwoNodes_1" refType="w" fact="0.85"/>
+          <dgm:constr type="h" for="ch" forName="TwoNodes_1" refType="h" fact="0.45"/>
+          <dgm:constr type="t" for="ch" forName="TwoNodes_1"/>
+          <dgm:constr type="r" for="ch" forName="TwoNodes_1" refType="w"/>
+          <dgm:constr type="w" for="ch" forName="TwoNodes_2" refType="w" fact="0.85"/>
+          <dgm:constr type="h" for="ch" forName="TwoNodes_2" refType="h" fact="0.45"/>
+          <dgm:constr type="b" for="ch" forName="TwoNodes_2" refType="h"/>
+          <dgm:constr type="l" for="ch" forName="TwoNodes_2"/>
+          <dgm:constr type="w" for="ch" forName="TwoConn_1-2" refType="h" refFor="ch" refForName="TwoNodes_1" fact="0.65"/>
+          <dgm:constr type="h" for="ch" forName="TwoConn_1-2" refType="h" refFor="ch" refForName="TwoNodes_1" fact="0.65"/>
+          <dgm:constr type="ctrY" for="ch" forName="TwoConn_1-2" refType="h" fact="0.5"/>
+          <dgm:constr type="l" for="ch" forName="TwoConn_1-2" refType="l" refFor="ch" refForName="TwoNodes_1"/>
+          <dgm:constr type="l" for="ch" forName="TwoNodes_1_text" refType="r" refFor="ch" refForName="TwoConn_1-2"/>
+          <dgm:constr type="lOff" for="ch" forName="TwoNodes_1_text" refType="w" refFor="ch" refForName="TwoConn_1-2" fact="0.5"/>
+          <dgm:constr type="t" for="ch" forName="TwoNodes_1_text" refType="t" refFor="ch" refForName="TwoNodes_1"/>
+          <dgm:constr type="b" for="ch" forName="TwoNodes_1_text" refType="b" refFor="ch" refForName="TwoNodes_1"/>
+          <dgm:constr type="r" for="ch" forName="TwoNodes_1_text" refType="r" refFor="ch" refForName="TwoNodes_1"/>
+          <dgm:constr type="l" for="ch" forName="TwoNodes_2_text" refType="r" refFor="ch" refForName="TwoConn_1-2"/>
+          <dgm:constr type="t" for="ch" forName="TwoNodes_2_text" refType="t" refFor="ch" refForName="TwoNodes_2"/>
+          <dgm:constr type="b" for="ch" forName="TwoNodes_2_text" refType="b" refFor="ch" refForName="TwoNodes_2"/>
+          <dgm:constr type="r" for="ch" forName="TwoNodes_2_text" refType="r" refFor="ch" refForName="TwoNodes_2"/>
+          <dgm:constr type="w" for="ch" forName="ThreeNodes_1" refType="w" fact="0.85"/>
+          <dgm:constr type="h" for="ch" forName="ThreeNodes_1" refType="h" fact="0.3"/>
+          <dgm:constr type="t" for="ch" forName="ThreeNodes_1"/>
+          <dgm:constr type="r" for="ch" forName="ThreeNodes_1" refType="w"/>
+          <dgm:constr type="w" for="ch" forName="ThreeNodes_2" refType="w" fact="0.85"/>
+          <dgm:constr type="h" for="ch" forName="ThreeNodes_2" refType="h" fact="0.3"/>
+          <dgm:constr type="ctrY" for="ch" forName="ThreeNodes_2" refType="h" fact="0.5"/>
+          <dgm:constr type="ctrX" for="ch" forName="ThreeNodes_2" refType="w" fact="0.5"/>
+          <dgm:constr type="w" for="ch" forName="ThreeNodes_3" refType="w" fact="0.85"/>
+          <dgm:constr type="h" for="ch" forName="ThreeNodes_3" refType="h" fact="0.3"/>
+          <dgm:constr type="b" for="ch" forName="ThreeNodes_3" refType="h"/>
+          <dgm:constr type="l" for="ch" forName="ThreeNodes_3"/>
+          <dgm:constr type="w" for="ch" forName="ThreeConn_1-2" refType="h" refFor="ch" refForName="ThreeNodes_1" fact="0.65"/>
+          <dgm:constr type="h" for="ch" forName="ThreeConn_1-2" refType="h" refFor="ch" refForName="ThreeNodes_1" fact="0.65"/>
+          <dgm:constr type="ctrY" for="ch" forName="ThreeConn_1-2" refType="h" fact="0.325"/>
+          <dgm:constr type="l" for="ch" forName="ThreeConn_1-2" refType="l" refFor="ch" refForName="ThreeNodes_1"/>
+          <dgm:constr type="w" for="ch" forName="ThreeConn_2-3" refType="h" refFor="ch" refForName="ThreeNodes_2" fact="0.65"/>
+          <dgm:constr type="h" for="ch" forName="ThreeConn_2-3" refType="h" refFor="ch" refForName="ThreeNodes_2" fact="0.65"/>
+          <dgm:constr type="ctrY" for="ch" forName="ThreeConn_2-3" refType="h" fact="0.673"/>
+          <dgm:constr type="l" for="ch" forName="ThreeConn_2-3" refType="l" refFor="ch" refForName="ThreeNodes_2"/>
+          <dgm:constr type="l" for="ch" forName="ThreeNodes_1_text" refType="r" refFor="ch" refForName="ThreeConn_1-2"/>
+          <dgm:constr type="lOff" for="ch" forName="ThreeNodes_1_text" refType="w" refFor="ch" refForName="ThreeConn_1-2" fact="0.55"/>
+          <dgm:constr type="t" for="ch" forName="ThreeNodes_1_text" refType="t" refFor="ch" refForName="ThreeNodes_1"/>
+          <dgm:constr type="b" for="ch" forName="ThreeNodes_1_text" refType="b" refFor="ch" refForName="ThreeNodes_1"/>
+          <dgm:constr type="r" for="ch" forName="ThreeNodes_1_text" refType="r" refFor="ch" refForName="ThreeNodes_1"/>
+          <dgm:constr type="l" for="ch" forName="ThreeNodes_2_text" refType="r" refFor="ch" refForName="ThreeConn_1-2"/>
+          <dgm:constr type="t" for="ch" forName="ThreeNodes_2_text" refType="t" refFor="ch" refForName="ThreeNodes_2"/>
+          <dgm:constr type="b" for="ch" forName="ThreeNodes_2_text" refType="b" refFor="ch" refForName="ThreeNodes_2"/>
+          <dgm:constr type="r" for="ch" forName="ThreeNodes_2_text" refType="r" refFor="ch" refForName="ThreeNodes_2"/>
+          <dgm:constr type="l" for="ch" forName="ThreeNodes_3_text" refType="r" refFor="ch" refForName="ThreeConn_2-3"/>
+          <dgm:constr type="t" for="ch" forName="ThreeNodes_3_text" refType="t" refFor="ch" refForName="ThreeNodes_3"/>
+          <dgm:constr type="b" for="ch" forName="ThreeNodes_3_text" refType="b" refFor="ch" refForName="ThreeNodes_3"/>
+          <dgm:constr type="r" for="ch" forName="ThreeNodes_3_text" refType="r" refFor="ch" refForName="ThreeNodes_3"/>
+          <dgm:constr type="w" for="ch" forName="FourNodes_1" refType="w" fact="0.8"/>
+          <dgm:constr type="h" for="ch" forName="FourNodes_1" refType="h" fact="0.22"/>
+          <dgm:constr type="t" for="ch" forName="FourNodes_1"/>
+          <dgm:constr type="r" for="ch" forName="FourNodes_1" refType="w"/>
+          <dgm:constr type="w" for="ch" forName="FourNodes_2" refType="w" fact="0.8"/>
+          <dgm:constr type="h" for="ch" forName="FourNodes_2" refType="h" fact="0.22"/>
+          <dgm:constr type="ctrY" for="ch" forName="FourNodes_2" refType="h" fact="0.37"/>
+          <dgm:constr type="ctrX" for="ch" forName="FourNodes_2" refType="w" fact="0.533"/>
+          <dgm:constr type="w" for="ch" forName="FourNodes_3" refType="w" fact="0.8"/>
+          <dgm:constr type="h" for="ch" forName="FourNodes_3" refType="h" fact="0.22"/>
+          <dgm:constr type="ctrY" for="ch" forName="FourNodes_3" refType="h" fact="0.63"/>
+          <dgm:constr type="ctrX" for="ch" forName="FourNodes_3" refType="w" fact="0.467"/>
+          <dgm:constr type="w" for="ch" forName="FourNodes_4" refType="w" fact="0.8"/>
+          <dgm:constr type="h" for="ch" forName="FourNodes_4" refType="h" fact="0.22"/>
+          <dgm:constr type="b" for="ch" forName="FourNodes_4" refType="h"/>
+          <dgm:constr type="l" for="ch" forName="FourNodes_4"/>
+          <dgm:constr type="w" for="ch" forName="FourConn_1-2" refType="h" refFor="ch" refForName="FourNodes_1" fact="0.65"/>
+          <dgm:constr type="h" for="ch" forName="FourConn_1-2" refType="h" refFor="ch" refForName="FourNodes_1" fact="0.65"/>
+          <dgm:constr type="ctrY" for="ch" forName="FourConn_1-2" refType="h" fact="0.24"/>
+          <dgm:constr type="l" for="ch" forName="FourConn_1-2" refType="l" refFor="ch" refForName="FourNodes_1"/>
+          <dgm:constr type="w" for="ch" forName="FourConn_2-3" refType="h" refFor="ch" refForName="FourNodes_2" fact="0.65"/>
+          <dgm:constr type="h" for="ch" forName="FourConn_2-3" refType="h" refFor="ch" refForName="FourNodes_2" fact="0.65"/>
+          <dgm:constr type="ctrY" for="ch" forName="FourConn_2-3" refType="h" fact="0.5"/>
+          <dgm:constr type="l" for="ch" forName="FourConn_2-3" refType="l" refFor="ch" refForName="FourNodes_2"/>
+          <dgm:constr type="w" for="ch" forName="FourConn_3-4" refType="h" refFor="ch" refForName="FourNodes_3" fact="0.65"/>
+          <dgm:constr type="h" for="ch" forName="FourConn_3-4" refType="h" refFor="ch" refForName="FourNodes_3" fact="0.65"/>
+          <dgm:constr type="ctrY" for="ch" forName="FourConn_3-4" refType="h" fact="0.76"/>
+          <dgm:constr type="l" for="ch" forName="FourConn_3-4" refType="l" refFor="ch" refForName="FourNodes_3"/>
+          <dgm:constr type="l" for="ch" forName="FourNodes_1_text" refType="r" refFor="ch" refForName="FourConn_1-2"/>
+          <dgm:constr type="lOff" for="ch" forName="FourNodes_1_text" refType="w" refFor="ch" refForName="FourConn_1-2" fact="0.69"/>
+          <dgm:constr type="t" for="ch" forName="FourNodes_1_text" refType="t" refFor="ch" refForName="FourNodes_1"/>
+          <dgm:constr type="b" for="ch" forName="FourNodes_1_text" refType="b" refFor="ch" refForName="FourNodes_1"/>
+          <dgm:constr type="r" for="ch" forName="FourNodes_1_text" refType="r" refFor="ch" refForName="FourNodes_1"/>
+          <dgm:constr type="l" for="ch" forName="FourNodes_2_text" refType="r" refFor="ch" refForName="FourConn_1-2"/>
+          <dgm:constr type="t" for="ch" forName="FourNodes_2_text" refType="t" refFor="ch" refForName="FourNodes_2"/>
+          <dgm:constr type="b" for="ch" forName="FourNodes_2_text" refType="b" refFor="ch" refForName="FourNodes_2"/>
+          <dgm:constr type="r" for="ch" forName="FourNodes_2_text" refType="r" refFor="ch" refForName="FourNodes_2"/>
+          <dgm:constr type="l" for="ch" forName="FourNodes_3_text" refType="r" refFor="ch" refForName="FourConn_2-3"/>
+          <dgm:constr type="t" for="ch" forName="FourNodes_3_text" refType="t" refFor="ch" refForName="FourNodes_3"/>
+          <dgm:constr type="b" for="ch" forName="FourNodes_3_text" refType="b" refFor="ch" refForName="FourNodes_3"/>
+          <dgm:constr type="r" for="ch" forName="FourNodes_3_text" refType="r" refFor="ch" refForName="FourNodes_3"/>
+          <dgm:constr type="l" for="ch" forName="FourNodes_4_text" refType="r" refFor="ch" refForName="FourConn_3-4"/>
+          <dgm:constr type="t" for="ch" forName="FourNodes_4_text" refType="t" refFor="ch" refForName="FourNodes_4"/>
+          <dgm:constr type="b" for="ch" forName="FourNodes_4_text" refType="b" refFor="ch" refForName="FourNodes_4"/>
+          <dgm:constr type="r" for="ch" forName="FourNodes_4_text" refType="r" refFor="ch" refForName="FourNodes_4"/>
+          <dgm:constr type="w" for="ch" forName="FiveNodes_1" refType="w" fact="0.77"/>
+          <dgm:constr type="h" for="ch" forName="FiveNodes_1" refType="h" fact="0.18"/>
+          <dgm:constr type="t" for="ch" forName="FiveNodes_1"/>
+          <dgm:constr type="r" for="ch" forName="FiveNodes_1" refType="w"/>
+          <dgm:constr type="w" for="ch" forName="FiveNodes_2" refType="w" fact="0.77"/>
+          <dgm:constr type="h" for="ch" forName="FiveNodes_2" refType="h" fact="0.18"/>
+          <dgm:constr type="ctrY" for="ch" forName="FiveNodes_2" refType="h" fact="0.295"/>
+          <dgm:constr type="ctrX" for="ch" forName="FiveNodes_2" refType="w" fact="0.5575"/>
+          <dgm:constr type="w" for="ch" forName="FiveNodes_3" refType="w" fact="0.77"/>
+          <dgm:constr type="h" for="ch" forName="FiveNodes_3" refType="h" fact="0.18"/>
+          <dgm:constr type="ctrY" for="ch" forName="FiveNodes_3" refType="h" fact="0.5"/>
+          <dgm:constr type="ctrX" for="ch" forName="FiveNodes_3" refType="w" fact="0.5"/>
+          <dgm:constr type="w" for="ch" forName="FiveNodes_4" refType="w" fact="0.77"/>
+          <dgm:constr type="h" for="ch" forName="FiveNodes_4" refType="h" fact="0.18"/>
+          <dgm:constr type="ctrY" for="ch" forName="FiveNodes_4" refType="h" fact="0.705"/>
+          <dgm:constr type="ctrX" for="ch" forName="FiveNodes_4" refType="w" fact="0.4425"/>
+          <dgm:constr type="w" for="ch" forName="FiveNodes_5" refType="w" fact="0.77"/>
+          <dgm:constr type="h" for="ch" forName="FiveNodes_5" refType="h" fact="0.18"/>
+          <dgm:constr type="b" for="ch" forName="FiveNodes_5" refType="h"/>
+          <dgm:constr type="l" for="ch" forName="FiveNodes_5"/>
+          <dgm:constr type="w" for="ch" forName="FiveConn_1-2" refType="h" refFor="ch" refForName="FiveNodes_1" fact="0.65"/>
+          <dgm:constr type="h" for="ch" forName="FiveConn_1-2" refType="h" refFor="ch" refForName="FiveNodes_1" fact="0.65"/>
+          <dgm:constr type="ctrY" for="ch" forName="FiveConn_1-2" refType="h" fact="0.19"/>
+          <dgm:constr type="l" for="ch" forName="FiveConn_1-2" refType="l" refFor="ch" refForName="FiveNodes_1"/>
+          <dgm:constr type="w" for="ch" forName="FiveConn_2-3" refType="h" refFor="ch" refForName="FiveNodes_2" fact="0.65"/>
+          <dgm:constr type="h" for="ch" forName="FiveConn_2-3" refType="h" refFor="ch" refForName="FiveNodes_2" fact="0.65"/>
+          <dgm:constr type="ctrY" for="ch" forName="FiveConn_2-3" refType="h" fact="0.395"/>
+          <dgm:constr type="l" for="ch" forName="FiveConn_2-3" refType="l" refFor="ch" refForName="FiveNodes_2"/>
+          <dgm:constr type="w" for="ch" forName="FiveConn_3-4" refType="h" refFor="ch" refForName="FiveNodes_3" fact="0.65"/>
+          <dgm:constr type="h" for="ch" forName="FiveConn_3-4" refType="h" refFor="ch" refForName="FiveNodes_3" fact="0.65"/>
+          <dgm:constr type="ctrY" for="ch" forName="FiveConn_3-4" refType="h" fact="0.597"/>
+          <dgm:constr type="l" for="ch" forName="FiveConn_3-4" refType="l" refFor="ch" refForName="FiveNodes_3"/>
+          <dgm:constr type="w" for="ch" forName="FiveConn_4-5" refType="h" refFor="ch" refForName="FiveNodes_4" fact="0.65"/>
+          <dgm:constr type="h" for="ch" forName="FiveConn_4-5" refType="h" refFor="ch" refForName="FiveNodes_4" fact="0.65"/>
+          <dgm:constr type="ctrY" for="ch" forName="FiveConn_4-5" refType="h" fact="0.804"/>
+          <dgm:constr type="l" for="ch" forName="FiveConn_4-5" refType="l" refFor="ch" refForName="FiveNodes_4"/>
+          <dgm:constr type="l" for="ch" forName="FiveNodes_1_text" refType="r" refFor="ch" refForName="FiveConn_1-2"/>
+          <dgm:constr type="lOff" for="ch" forName="FiveNodes_1_text" refType="w" refFor="ch" refForName="FiveConn_1-2" fact="0.73"/>
+          <dgm:constr type="t" for="ch" forName="FiveNodes_1_text" refType="t" refFor="ch" refForName="FiveNodes_1"/>
+          <dgm:constr type="b" for="ch" forName="FiveNodes_1_text" refType="b" refFor="ch" refForName="FiveNodes_1"/>
+          <dgm:constr type="r" for="ch" forName="FiveNodes_1_text" refType="r" refFor="ch" refForName="FiveNodes_1"/>
+          <dgm:constr type="l" for="ch" forName="FiveNodes_2_text" refType="r" refFor="ch" refForName="FiveConn_1-2"/>
+          <dgm:constr type="t" for="ch" forName="FiveNodes_2_text" refType="t" refFor="ch" refForName="FiveNodes_2"/>
+          <dgm:constr type="b" for="ch" forName="FiveNodes_2_text" refType="b" refFor="ch" refForName="FiveNodes_2"/>
+          <dgm:constr type="r" for="ch" forName="FiveNodes_2_text" refType="r" refFor="ch" refForName="FiveNodes_2"/>
+          <dgm:constr type="l" for="ch" forName="FiveNodes_3_text" refType="r" refFor="ch" refForName="FiveConn_2-3"/>
+          <dgm:constr type="t" for="ch" forName="FiveNodes_3_text" refType="t" refFor="ch" refForName="FiveNodes_3"/>
+          <dgm:constr type="b" for="ch" forName="FiveNodes_3_text" refType="b" refFor="ch" refForName="FiveNodes_3"/>
+          <dgm:constr type="r" for="ch" forName="FiveNodes_3_text" refType="r" refFor="ch" refForName="FiveNodes_3"/>
+          <dgm:constr type="l" for="ch" forName="FiveNodes_4_text" refType="r" refFor="ch" refForName="FiveConn_3-4"/>
+          <dgm:constr type="t" for="ch" forName="FiveNodes_4_text" refType="t" refFor="ch" refForName="FiveNodes_4"/>
+          <dgm:constr type="b" for="ch" forName="FiveNodes_4_text" refType="b" refFor="ch" refForName="FiveNodes_4"/>
+          <dgm:constr type="r" for="ch" forName="FiveNodes_4_text" refType="r" refFor="ch" refForName="FiveNodes_4"/>
+          <dgm:constr type="l" for="ch" forName="FiveNodes_5_text" refType="r" refFor="ch" refForName="FiveConn_4-5"/>
+          <dgm:constr type="t" for="ch" forName="FiveNodes_5_text" refType="t" refFor="ch" refForName="FiveNodes_5"/>
+          <dgm:constr type="b" for="ch" forName="FiveNodes_5_text" refType="b" refFor="ch" refForName="FiveNodes_5"/>
+          <dgm:constr type="r" for="ch" forName="FiveNodes_5_text" refType="r" refFor="ch" refForName="FiveNodes_5"/>
+        </dgm:constrLst>
+      </dgm:else>
+    </dgm:choose>
+    <dgm:ruleLst/>
+    <dgm:layoutNode name="dummyMaxCanvas">
+      <dgm:varLst/>
+      <dgm:alg type="sp"/>
+      <dgm:shape xmlns:r="http://schemas.openxmlformats.org/officeDocument/2006/relationships" r:blip="">
+        <dgm:adjLst/>
+      </dgm:shape>
+      <dgm:presOf/>
+      <dgm:constrLst/>
+      <dgm:ruleLst/>
+    </dgm:layoutNode>
+    <dgm:choose name="Name3">
+      <dgm:if name="Name4" axis="ch" ptType="node" func="cnt" op="equ" val="1">
+        <dgm:layoutNode name="OneNode_1">
+          <dgm:varLst>
+            <dgm:bulletEnabled val="1"/>
+          </dgm:varLst>
+          <dgm:alg type="tx"/>
+          <dgm:shape xmlns:r="http://schemas.openxmlformats.org/officeDocument/2006/relationships" type="roundRect" r:blip="">
+            <dgm:adjLst>
+              <dgm:adj idx="1" val="0.1"/>
+            </dgm:adjLst>
+          </dgm:shape>
+          <dgm:presOf axis="ch desOrSelf" ptType="node node" st="1 1" cnt="1 0"/>
+          <dgm:constrLst>
+            <dgm:constr type="lMarg" refType="primFontSz" fact="0.3"/>
+            <dgm:constr type="rMarg" refType="primFontSz" fact="0.3"/>
+            <dgm:constr type="tMarg" refType="primFontSz" fact="0.3"/>
+            <dgm:constr type="bMarg" refType="primFontSz" fact="0.3"/>
+          </dgm:constrLst>
+          <dgm:ruleLst>
+            <dgm:rule type="primFontSz" val="5" fact="NaN" max="NaN"/>
+          </dgm:ruleLst>
+        </dgm:layoutNode>
+      </dgm:if>
+      <dgm:else name="Name5">
+        <dgm:choose name="Name6">
+          <dgm:if name="Name7" axis="ch" ptType="node" func="cnt" op="equ" val="2">
+            <dgm:layoutNode name="TwoNodes_1">
+              <dgm:varLst>
+                <dgm:bulletEnabled val="1"/>
+              </dgm:varLst>
+              <dgm:alg type="sp"/>
+              <dgm:shape xmlns:r="http://schemas.openxmlformats.org/officeDocument/2006/relationships" type="roundRect" r:blip="">
+                <dgm:adjLst>
+                  <dgm:adj idx="1" val="0.1"/>
+                </dgm:adjLst>
+              </dgm:shape>
+              <dgm:presOf axis="ch desOrSelf" ptType="node node" st="1 1" cnt="1 0"/>
+              <dgm:constrLst/>
+              <dgm:ruleLst/>
+            </dgm:layoutNode>
+            <dgm:layoutNode name="TwoNodes_2">
+              <dgm:varLst>
+                <dgm:bulletEnabled val="1"/>
+              </dgm:varLst>
+              <dgm:alg type="sp"/>
+              <dgm:shape xmlns:r="http://schemas.openxmlformats.org/officeDocument/2006/relationships" type="roundRect" r:blip="">
+                <dgm:adjLst>
+                  <dgm:adj idx="1" val="0.1"/>
+                </dgm:adjLst>
+              </dgm:shape>
+              <dgm:presOf axis="ch desOrSelf" ptType="node node" st="2 1" cnt="1 0"/>
+              <dgm:constrLst/>
+              <dgm:ruleLst/>
+            </dgm:layoutNode>
+            <dgm:layoutNode name="TwoConn_1-2" styleLbl="fgAccFollowNode1">
+              <dgm:varLst>
+                <dgm:bulletEnabled val="1"/>
+              </dgm:varLst>
+              <dgm:alg type="tx"/>
+              <dgm:shape xmlns:r="http://schemas.openxmlformats.org/officeDocument/2006/relationships" type="downArrow" r:blip="">
+                <dgm:adjLst>
+                  <dgm:adj idx="1" val="0.55"/>
+                  <dgm:adj idx="2" val="0.45"/>
+                </dgm:adjLst>
+              </dgm:shape>
+              <dgm:presOf axis="ch" ptType="sibTrans" cnt="1"/>
+              <dgm:constrLst>
+                <dgm:constr type="lMarg" refType="primFontSz" fact="0.1"/>
+                <dgm:constr type="rMarg" refType="primFontSz" fact="0.1"/>
+                <dgm:constr type="tMarg" refType="primFontSz" fact="0.1"/>
+                <dgm:constr type="bMarg" refType="primFontSz" fact="0.1"/>
+              </dgm:constrLst>
+              <dgm:ruleLst>
+                <dgm:rule type="primFontSz" val="5" fact="NaN" max="NaN"/>
+              </dgm:ruleLst>
+            </dgm:layoutNode>
+            <dgm:layoutNode name="TwoNodes_1_text">
+              <dgm:varLst>
+                <dgm:bulletEnabled val="1"/>
+              </dgm:varLst>
+              <dgm:alg type="tx">
+                <dgm:param type="parTxLTRAlign" val="l"/>
+                <dgm:param type="txAnchorVertCh" val="mid"/>
+              </dgm:alg>
+              <dgm:shape xmlns:r="http://schemas.openxmlformats.org/officeDocument/2006/relationships" type="roundRect" r:blip="" hideGeom="1">
+                <dgm:adjLst>
+                  <dgm:adj idx="1" val="0.1"/>
+                </dgm:adjLst>
+              </dgm:shape>
+              <dgm:presOf axis="ch desOrSelf" ptType="node node" st="1 1" cnt="1 0"/>
+              <dgm:constrLst>
+                <dgm:constr type="lMarg" refType="primFontSz" fact="0.3"/>
+                <dgm:constr type="rMarg" refType="primFontSz" fact="0.3"/>
+                <dgm:constr type="tMarg" refType="primFontSz" fact="0.3"/>
+                <dgm:constr type="bMarg" refType="primFontSz" fact="0.3"/>
+              </dgm:constrLst>
+              <dgm:ruleLst>
+                <dgm:rule type="primFontSz" val="5" fact="NaN" max="NaN"/>
+              </dgm:ruleLst>
+            </dgm:layoutNode>
+            <dgm:layoutNode name="TwoNodes_2_text">
+              <dgm:varLst>
+                <dgm:bulletEnabled val="1"/>
+              </dgm:varLst>
+              <dgm:alg type="tx">
+                <dgm:param type="parTxLTRAlign" val="l"/>
+                <dgm:param type="txAnchorVertCh" val="mid"/>
+              </dgm:alg>
+              <dgm:shape xmlns:r="http://schemas.openxmlformats.org/officeDocument/2006/relationships" type="roundRect" r:blip="" hideGeom="1">
+                <dgm:adjLst>
+                  <dgm:adj idx="1" val="0.1"/>
+                </dgm:adjLst>
+              </dgm:shape>
+              <dgm:presOf axis="ch desOrSelf" ptType="node node" st="2 1" cnt="1 0"/>
+              <dgm:constrLst>
+                <dgm:constr type="lMarg" refType="primFontSz" fact="0.3"/>
+                <dgm:constr type="rMarg" refType="primFontSz" fact="0.3"/>
+                <dgm:constr type="tMarg" refType="primFontSz" fact="0.3"/>
+                <dgm:constr type="bMarg" refType="primFontSz" fact="0.3"/>
+              </dgm:constrLst>
+              <dgm:ruleLst>
+                <dgm:rule type="primFontSz" val="5" fact="NaN" max="NaN"/>
+              </dgm:ruleLst>
+            </dgm:layoutNode>
+          </dgm:if>
+          <dgm:else name="Name8">
+            <dgm:choose name="Name9">
+              <dgm:if name="Name10" axis="ch" ptType="node" func="cnt" op="equ" val="3">
+                <dgm:layoutNode name="ThreeNodes_1">
+                  <dgm:varLst>
+                    <dgm:bulletEnabled val="1"/>
+                  </dgm:varLst>
+                  <dgm:alg type="sp"/>
+                  <dgm:shape xmlns:r="http://schemas.openxmlformats.org/officeDocument/2006/relationships" type="roundRect" r:blip="">
+                    <dgm:adjLst>
+                      <dgm:adj idx="1" val="0.1"/>
+                    </dgm:adjLst>
+                  </dgm:shape>
+                  <dgm:presOf axis="ch desOrSelf" ptType="node node" st="1 1" cnt="1 0"/>
+                  <dgm:constrLst/>
+                  <dgm:ruleLst/>
+                </dgm:layoutNode>
+                <dgm:layoutNode name="ThreeNodes_2">
+                  <dgm:varLst>
+                    <dgm:bulletEnabled val="1"/>
+                  </dgm:varLst>
+                  <dgm:alg type="sp"/>
+                  <dgm:shape xmlns:r="http://schemas.openxmlformats.org/officeDocument/2006/relationships" type="roundRect" r:blip="">
+                    <dgm:adjLst>
+                      <dgm:adj idx="1" val="0.1"/>
+                    </dgm:adjLst>
+                  </dgm:shape>
+                  <dgm:presOf axis="ch desOrSelf" ptType="node node" st="2 1" cnt="1 0"/>
+                  <dgm:constrLst/>
+                  <dgm:ruleLst/>
+                </dgm:layoutNode>
+                <dgm:layoutNode name="ThreeNodes_3">
+                  <dgm:varLst>
+                    <dgm:bulletEnabled val="1"/>
+                  </dgm:varLst>
+                  <dgm:alg type="sp"/>
+                  <dgm:shape xmlns:r="http://schemas.openxmlformats.org/officeDocument/2006/relationships" type="roundRect" r:blip="">
+                    <dgm:adjLst>
+                      <dgm:adj idx="1" val="0.1"/>
+                    </dgm:adjLst>
+                  </dgm:shape>
+                  <dgm:presOf axis="ch desOrSelf" ptType="node node" st="3 1" cnt="1 0"/>
+                  <dgm:constrLst/>
+                  <dgm:ruleLst/>
+                </dgm:layoutNode>
+                <dgm:layoutNode name="ThreeConn_1-2" styleLbl="fgAccFollowNode1">
+                  <dgm:varLst>
+                    <dgm:bulletEnabled val="1"/>
+                  </dgm:varLst>
+                  <dgm:alg type="tx"/>
+                  <dgm:shape xmlns:r="http://schemas.openxmlformats.org/officeDocument/2006/relationships" type="downArrow" r:blip="">
+                    <dgm:adjLst>
+                      <dgm:adj idx="1" val="0.55"/>
+                      <dgm:adj idx="2" val="0.45"/>
+                    </dgm:adjLst>
+                  </dgm:shape>
+                  <dgm:presOf axis="ch" ptType="sibTrans" cnt="1"/>
+                  <dgm:constrLst>
+                    <dgm:constr type="lMarg" refType="primFontSz" fact="0.1"/>
+                    <dgm:constr type="rMarg" refType="primFontSz" fact="0.1"/>
+                    <dgm:constr type="tMarg" refType="primFontSz" fact="0.1"/>
+                    <dgm:constr type="bMarg" refType="primFontSz" fact="0.1"/>
+                  </dgm:constrLst>
+                  <dgm:ruleLst>
+                    <dgm:rule type="primFontSz" val="5" fact="NaN" max="NaN"/>
+                  </dgm:ruleLst>
+                </dgm:layoutNode>
+                <dgm:layoutNode name="ThreeConn_2-3" styleLbl="fgAccFollowNode1">
+                  <dgm:varLst>
+                    <dgm:bulletEnabled val="1"/>
+                  </dgm:varLst>
+                  <dgm:alg type="tx"/>
+                  <dgm:shape xmlns:r="http://schemas.openxmlformats.org/officeDocument/2006/relationships" type="downArrow" r:blip="">
+                    <dgm:adjLst>
+                      <dgm:adj idx="1" val="0.55"/>
+                      <dgm:adj idx="2" val="0.45"/>
+                    </dgm:adjLst>
+                  </dgm:shape>
+                  <dgm:presOf axis="ch" ptType="sibTrans" st="2" cnt="1"/>
+                  <dgm:constrLst>
+                    <dgm:constr type="lMarg" refType="primFontSz" fact="0.1"/>
+                    <dgm:constr type="rMarg" refType="primFontSz" fact="0.1"/>
+                    <dgm:constr type="tMarg" refType="primFontSz" fact="0.1"/>
+                    <dgm:constr type="bMarg" refType="primFontSz" fact="0.1"/>
+                  </dgm:constrLst>
+                  <dgm:ruleLst>
+                    <dgm:rule type="primFontSz" val="5" fact="NaN" max="NaN"/>
+                  </dgm:ruleLst>
+                </dgm:layoutNode>
+                <dgm:layoutNode name="ThreeNodes_1_text">
+                  <dgm:varLst>
+                    <dgm:bulletEnabled val="1"/>
+                  </dgm:varLst>
+                  <dgm:alg type="tx">
+                    <dgm:param type="parTxLTRAlign" val="l"/>
+                    <dgm:param type="txAnchorVertCh" val="mid"/>
+                  </dgm:alg>
+                  <dgm:shape xmlns:r="http://schemas.openxmlformats.org/officeDocument/2006/relationships" type="roundRect" r:blip="" hideGeom="1">
+                    <dgm:adjLst>
+                      <dgm:adj idx="1" val="0.1"/>
+                    </dgm:adjLst>
+                  </dgm:shape>
+                  <dgm:presOf axis="ch desOrSelf" ptType="node node" st="1 1" cnt="1 0"/>
+                  <dgm:constrLst>
+                    <dgm:constr type="lMarg" refType="primFontSz" fact="0.3"/>
+                    <dgm:constr type="rMarg" refType="primFontSz" fact="0.3"/>
+                    <dgm:constr type="tMarg" refType="primFontSz" fact="0.3"/>
+                    <dgm:constr type="bMarg" refType="primFontSz" fact="0.3"/>
+                  </dgm:constrLst>
+                  <dgm:ruleLst>
+                    <dgm:rule type="primFontSz" val="5" fact="NaN" max="NaN"/>
+                  </dgm:ruleLst>
+                </dgm:layoutNode>
+                <dgm:layoutNode name="ThreeNodes_2_text">
+                  <dgm:varLst>
+                    <dgm:bulletEnabled val="1"/>
+                  </dgm:varLst>
+                  <dgm:alg type="tx">
+                    <dgm:param type="parTxLTRAlign" val="l"/>
+                    <dgm:param type="txAnchorVertCh" val="mid"/>
+                  </dgm:alg>
+                  <dgm:shape xmlns:r="http://schemas.openxmlformats.org/officeDocument/2006/relationships" type="roundRect" r:blip="" hideGeom="1">
+                    <dgm:adjLst>
+                      <dgm:adj idx="1" val="0.1"/>
+                    </dgm:adjLst>
+                  </dgm:shape>
+                  <dgm:presOf axis="ch desOrSelf" ptType="node node" st="2 1" cnt="1 0"/>
+                  <dgm:constrLst>
+                    <dgm:constr type="lMarg" refType="primFontSz" fact="0.3"/>
+                    <dgm:constr type="rMarg" refType="primFontSz" fact="0.3"/>
+                    <dgm:constr type="tMarg" refType="primFontSz" fact="0.3"/>
+                    <dgm:constr type="bMarg" refType="primFontSz" fact="0.3"/>
+                  </dgm:constrLst>
+                  <dgm:ruleLst>
+                    <dgm:rule type="primFontSz" val="5" fact="NaN" max="NaN"/>
+                  </dgm:ruleLst>
+                </dgm:layoutNode>
+                <dgm:layoutNode name="ThreeNodes_3_text">
+                  <dgm:varLst>
+                    <dgm:bulletEnabled val="1"/>
+                  </dgm:varLst>
+                  <dgm:alg type="tx">
+                    <dgm:param type="parTxLTRAlign" val="l"/>
+                    <dgm:param type="txAnchorVertCh" val="mid"/>
+                  </dgm:alg>
+                  <dgm:shape xmlns:r="http://schemas.openxmlformats.org/officeDocument/2006/relationships" type="roundRect" r:blip="" hideGeom="1">
+                    <dgm:adjLst>
+                      <dgm:adj idx="1" val="0.1"/>
+                    </dgm:adjLst>
+                  </dgm:shape>
+                  <dgm:presOf axis="ch desOrSelf" ptType="node node" st="3 1" cnt="1 0"/>
+                  <dgm:constrLst>
+                    <dgm:constr type="lMarg" refType="primFontSz" fact="0.3"/>
+                    <dgm:constr type="rMarg" refType="primFontSz" fact="0.3"/>
+                    <dgm:constr type="tMarg" refType="primFontSz" fact="0.3"/>
+                    <dgm:constr type="bMarg" refType="primFontSz" fact="0.3"/>
+                  </dgm:constrLst>
+                  <dgm:ruleLst>
+                    <dgm:rule type="primFontSz" val="5" fact="NaN" max="NaN"/>
+                  </dgm:ruleLst>
+                </dgm:layoutNode>
+              </dgm:if>
+              <dgm:else name="Name11">
+                <dgm:choose name="Name12">
+                  <dgm:if name="Name13" axis="ch" ptType="node" func="cnt" op="equ" val="4">
+                    <dgm:layoutNode name="FourNodes_1">
+                      <dgm:varLst>
+                        <dgm:bulletEnabled val="1"/>
+                      </dgm:varLst>
+                      <dgm:alg type="sp"/>
+                      <dgm:shape xmlns:r="http://schemas.openxmlformats.org/officeDocument/2006/relationships" type="roundRect" r:blip="">
+                        <dgm:adjLst>
+                          <dgm:adj idx="1" val="0.1"/>
+                        </dgm:adjLst>
+                      </dgm:shape>
+                      <dgm:presOf axis="ch desOrSelf" ptType="node node" st="1 1" cnt="1 0"/>
+                      <dgm:constrLst/>
+                      <dgm:ruleLst/>
+                    </dgm:layoutNode>
+                    <dgm:layoutNode name="FourNodes_2">
+                      <dgm:varLst>
+                        <dgm:bulletEnabled val="1"/>
+                      </dgm:varLst>
+                      <dgm:alg type="sp"/>
+                      <dgm:shape xmlns:r="http://schemas.openxmlformats.org/officeDocument/2006/relationships" type="roundRect" r:blip="">
+                        <dgm:adjLst>
+                          <dgm:adj idx="1" val="0.1"/>
+                        </dgm:adjLst>
+                      </dgm:shape>
+                      <dgm:presOf axis="ch desOrSelf" ptType="node node" st="2 1" cnt="1 0"/>
+                      <dgm:constrLst/>
+                      <dgm:ruleLst/>
+                    </dgm:layoutNode>
+                    <dgm:layoutNode name="FourNodes_3">
+                      <dgm:varLst>
+                        <dgm:bulletEnabled val="1"/>
+                      </dgm:varLst>
+                      <dgm:alg type="sp"/>
+                      <dgm:shape xmlns:r="http://schemas.openxmlformats.org/officeDocument/2006/relationships" type="roundRect" r:blip="">
+                        <dgm:adjLst>
+                          <dgm:adj idx="1" val="0.1"/>
+                        </dgm:adjLst>
+                      </dgm:shape>
+                      <dgm:presOf axis="ch desOrSelf" ptType="node node" st="3 1" cnt="1 0"/>
+                      <dgm:constrLst/>
+                      <dgm:ruleLst/>
+                    </dgm:layoutNode>
+                    <dgm:layoutNode name="FourNodes_4">
+                      <dgm:varLst>
+                        <dgm:bulletEnabled val="1"/>
+                      </dgm:varLst>
+                      <dgm:alg type="sp"/>
+                      <dgm:shape xmlns:r="http://schemas.openxmlformats.org/officeDocument/2006/relationships" type="roundRect" r:blip="">
+                        <dgm:adjLst>
+                          <dgm:adj idx="1" val="0.1"/>
+                        </dgm:adjLst>
+                      </dgm:shape>
+                      <dgm:presOf axis="ch desOrSelf" ptType="node node" st="4 1" cnt="1 0"/>
+                      <dgm:constrLst/>
+                      <dgm:ruleLst/>
+                    </dgm:layoutNode>
+                    <dgm:layoutNode name="FourConn_1-2" styleLbl="fgAccFollowNode1">
+                      <dgm:varLst>
+                        <dgm:bulletEnabled val="1"/>
+                      </dgm:varLst>
+                      <dgm:alg type="tx"/>
+                      <dgm:shape xmlns:r="http://schemas.openxmlformats.org/officeDocument/2006/relationships" type="downArrow" r:blip="">
+                        <dgm:adjLst>
+                          <dgm:adj idx="1" val="0.55"/>
+                          <dgm:adj idx="2" val="0.45"/>
+                        </dgm:adjLst>
+                      </dgm:shape>
+                      <dgm:presOf axis="ch" ptType="sibTrans" cnt="1"/>
+                      <dgm:constrLst>
+                        <dgm:constr type="lMarg" refType="primFontSz" fact="0.1"/>
+                        <dgm:constr type="rMarg" refType="primFontSz" fact="0.1"/>
+                        <dgm:constr type="tMarg" refType="primFontSz" fact="0.1"/>
+                        <dgm:constr type="bMarg" refType="primFontSz" fact="0.1"/>
+                      </dgm:constrLst>
+                      <dgm:ruleLst>
+                        <dgm:rule type="primFontSz" val="5" fact="NaN" max="NaN"/>
+                      </dgm:ruleLst>
+                    </dgm:layoutNode>
+                    <dgm:layoutNode name="FourConn_2-3" styleLbl="fgAccFollowNode1">
+                      <dgm:varLst>
+                        <dgm:bulletEnabled val="1"/>
+                      </dgm:varLst>
+                      <dgm:alg type="tx"/>
+                      <dgm:shape xmlns:r="http://schemas.openxmlformats.org/officeDocument/2006/relationships" type="downArrow" r:blip="">
+                        <dgm:adjLst>
+                          <dgm:adj idx="1" val="0.55"/>
+                          <dgm:adj idx="2" val="0.45"/>
+                        </dgm:adjLst>
+                      </dgm:shape>
+                      <dgm:presOf axis="ch" ptType="sibTrans" st="2" cnt="1"/>
+                      <dgm:constrLst>
+                        <dgm:constr type="lMarg" refType="primFontSz" fact="0.1"/>
+                        <dgm:constr type="rMarg" refType="primFontSz" fact="0.1"/>
+                        <dgm:constr type="tMarg" refType="primFontSz" fact="0.1"/>
+                        <dgm:constr type="bMarg" refType="primFontSz" fact="0.1"/>
+                      </dgm:constrLst>
+                      <dgm:ruleLst>
+                        <dgm:rule type="primFontSz" val="5" fact="NaN" max="NaN"/>
+                      </dgm:ruleLst>
+                    </dgm:layoutNode>
+                    <dgm:layoutNode name="FourConn_3-4" styleLbl="fgAccFollowNode1">
+                      <dgm:varLst>
+                        <dgm:bulletEnabled val="1"/>
+                      </dgm:varLst>
+                      <dgm:alg type="tx"/>
+                      <dgm:shape xmlns:r="http://schemas.openxmlformats.org/officeDocument/2006/relationships" type="downArrow" r:blip="">
+                        <dgm:adjLst>
+                          <dgm:adj idx="1" val="0.55"/>
+                          <dgm:adj idx="2" val="0.45"/>
+                        </dgm:adjLst>
+                      </dgm:shape>
+                      <dgm:presOf axis="ch" ptType="sibTrans" st="3" cnt="1"/>
+                      <dgm:constrLst>
+                        <dgm:constr type="lMarg" refType="primFontSz" fact="0.1"/>
+                        <dgm:constr type="rMarg" refType="primFontSz" fact="0.1"/>
+                        <dgm:constr type="tMarg" refType="primFontSz" fact="0.1"/>
+                        <dgm:constr type="bMarg" refType="primFontSz" fact="0.1"/>
+                      </dgm:constrLst>
+                      <dgm:ruleLst>
+                        <dgm:rule type="primFontSz" val="5" fact="NaN" max="NaN"/>
+                      </dgm:ruleLst>
+                    </dgm:layoutNode>
+                    <dgm:layoutNode name="FourNodes_1_text">
+                      <dgm:varLst>
+                        <dgm:bulletEnabled val="1"/>
+                      </dgm:varLst>
+                      <dgm:alg type="tx">
+                        <dgm:param type="parTxLTRAlign" val="l"/>
+                        <dgm:param type="txAnchorVertCh" val="mid"/>
+                      </dgm:alg>
+                      <dgm:shape xmlns:r="http://schemas.openxmlformats.org/officeDocument/2006/relationships" type="roundRect" r:blip="" hideGeom="1">
+                        <dgm:adjLst>
+                          <dgm:adj idx="1" val="0.1"/>
+                        </dgm:adjLst>
+                      </dgm:shape>
+                      <dgm:presOf axis="ch desOrSelf" ptType="node node" st="1 1" cnt="1 0"/>
+                      <dgm:constrLst>
+                        <dgm:constr type="lMarg" refType="primFontSz" fact="0.3"/>
+                        <dgm:constr type="rMarg" refType="primFontSz" fact="0.3"/>
+                        <dgm:constr type="tMarg" refType="primFontSz" fact="0.3"/>
+                        <dgm:constr type="bMarg" refType="primFontSz" fact="0.3"/>
+                      </dgm:constrLst>
+                      <dgm:ruleLst>
+                        <dgm:rule type="primFontSz" val="5" fact="NaN" max="NaN"/>
+                      </dgm:ruleLst>
+                    </dgm:layoutNode>
+                    <dgm:layoutNode name="FourNodes_2_text">
+                      <dgm:varLst>
+                        <dgm:bulletEnabled val="1"/>
+                      </dgm:varLst>
+                      <dgm:alg type="tx">
+                        <dgm:param type="parTxLTRAlign" val="l"/>
+                        <dgm:param type="txAnchorVertCh" val="mid"/>
+                      </dgm:alg>
+                      <dgm:shape xmlns:r="http://schemas.openxmlformats.org/officeDocument/2006/relationships" type="roundRect" r:blip="" hideGeom="1">
+                        <dgm:adjLst>
+                          <dgm:adj idx="1" val="0.1"/>
+                        </dgm:adjLst>
+                      </dgm:shape>
+                      <dgm:presOf axis="ch desOrSelf" ptType="node node" st="2 1" cnt="1 0"/>
+                      <dgm:constrLst>
+                        <dgm:constr type="lMarg" refType="primFontSz" fact="0.3"/>
+                        <dgm:constr type="rMarg" refType="primFontSz" fact="0.3"/>
+                        <dgm:constr type="tMarg" refType="primFontSz" fact="0.3"/>
+                        <dgm:constr type="bMarg" refType="primFontSz" fact="0.3"/>
+                      </dgm:constrLst>
+                      <dgm:ruleLst>
+                        <dgm:rule type="primFontSz" val="5" fact="NaN" max="NaN"/>
+                      </dgm:ruleLst>
+                    </dgm:layoutNode>
+                    <dgm:layoutNode name="FourNodes_3_text">
+                      <dgm:varLst>
+                        <dgm:bulletEnabled val="1"/>
+                      </dgm:varLst>
+                      <dgm:alg type="tx">
+                        <dgm:param type="parTxLTRAlign" val="l"/>
+                        <dgm:param type="txAnchorVertCh" val="mid"/>
+                      </dgm:alg>
+                      <dgm:shape xmlns:r="http://schemas.openxmlformats.org/officeDocument/2006/relationships" type="roundRect" r:blip="" hideGeom="1">
+                        <dgm:adjLst>
+                          <dgm:adj idx="1" val="0.1"/>
+                        </dgm:adjLst>
+                      </dgm:shape>
+                      <dgm:presOf axis="ch desOrSelf" ptType="node node" st="3 1" cnt="1 0"/>
+                      <dgm:constrLst>
+                        <dgm:constr type="lMarg" refType="primFontSz" fact="0.3"/>
+                        <dgm:constr type="rMarg" refType="primFontSz" fact="0.3"/>
+                        <dgm:constr type="tMarg" refType="primFontSz" fact="0.3"/>
+                        <dgm:constr type="bMarg" refType="primFontSz" fact="0.3"/>
+                      </dgm:constrLst>
+                      <dgm:ruleLst>
+                        <dgm:rule type="primFontSz" val="5" fact="NaN" max="NaN"/>
+                      </dgm:ruleLst>
+                    </dgm:layoutNode>
+                    <dgm:layoutNode name="FourNodes_4_text">
+                      <dgm:varLst>
+                        <dgm:bulletEnabled val="1"/>
+                      </dgm:varLst>
+                      <dgm:alg type="tx">
+                        <dgm:param type="parTxLTRAlign" val="l"/>
+                        <dgm:param type="txAnchorVertCh" val="mid"/>
+                      </dgm:alg>
+                      <dgm:shape xmlns:r="http://schemas.openxmlformats.org/officeDocument/2006/relationships" type="roundRect" r:blip="" hideGeom="1">
+                        <dgm:adjLst>
+                          <dgm:adj idx="1" val="0.1"/>
+                        </dgm:adjLst>
+                      </dgm:shape>
+                      <dgm:presOf axis="ch desOrSelf" ptType="node node" st="4 1" cnt="1 0"/>
+                      <dgm:constrLst>
+                        <dgm:constr type="lMarg" refType="primFontSz" fact="0.3"/>
+                        <dgm:constr type="rMarg" refType="primFontSz" fact="0.3"/>
+                        <dgm:constr type="tMarg" refType="primFontSz" fact="0.3"/>
+                        <dgm:constr type="bMarg" refType="primFontSz" fact="0.3"/>
+                      </dgm:constrLst>
+                      <dgm:ruleLst>
+                        <dgm:rule type="primFontSz" val="5" fact="NaN" max="NaN"/>
+                      </dgm:ruleLst>
+                    </dgm:layoutNode>
+                  </dgm:if>
+                  <dgm:else name="Name14">
+                    <dgm:choose name="Name15">
+                      <dgm:if name="Name16" axis="ch" ptType="node" func="cnt" op="gte" val="5">
+                        <dgm:layoutNode name="FiveNodes_1">
+                          <dgm:varLst>
+                            <dgm:bulletEnabled val="1"/>
+                          </dgm:varLst>
+                          <dgm:alg type="sp"/>
+                          <dgm:shape xmlns:r="http://schemas.openxmlformats.org/officeDocument/2006/relationships" type="roundRect" r:blip="">
+                            <dgm:adjLst>
+                              <dgm:adj idx="1" val="0.1"/>
+                            </dgm:adjLst>
+                          </dgm:shape>
+                          <dgm:presOf axis="ch desOrSelf" ptType="node node" st="1 1" cnt="1 0"/>
+                          <dgm:constrLst/>
+                          <dgm:ruleLst/>
+                        </dgm:layoutNode>
+                        <dgm:layoutNode name="FiveNodes_2">
+                          <dgm:varLst>
+                            <dgm:bulletEnabled val="1"/>
+                          </dgm:varLst>
+                          <dgm:alg type="sp"/>
+                          <dgm:shape xmlns:r="http://schemas.openxmlformats.org/officeDocument/2006/relationships" type="roundRect" r:blip="">
+                            <dgm:adjLst>
+                              <dgm:adj idx="1" val="0.1"/>
+                            </dgm:adjLst>
+                          </dgm:shape>
+                          <dgm:presOf axis="ch desOrSelf" ptType="node node" st="2 1" cnt="1 0"/>
+                          <dgm:constrLst/>
+                          <dgm:ruleLst/>
+                        </dgm:layoutNode>
+                        <dgm:layoutNode name="FiveNodes_3">
+                          <dgm:varLst>
+                            <dgm:bulletEnabled val="1"/>
+                          </dgm:varLst>
+                          <dgm:alg type="sp"/>
+                          <dgm:shape xmlns:r="http://schemas.openxmlformats.org/officeDocument/2006/relationships" type="roundRect" r:blip="">
+                            <dgm:adjLst>
+                              <dgm:adj idx="1" val="0.1"/>
+                            </dgm:adjLst>
+                          </dgm:shape>
+                          <dgm:presOf axis="ch desOrSelf" ptType="node node" st="3 1" cnt="1 0"/>
+                          <dgm:constrLst/>
+                          <dgm:ruleLst/>
+                        </dgm:layoutNode>
+                        <dgm:layoutNode name="FiveNodes_4">
+                          <dgm:varLst>
+                            <dgm:bulletEnabled val="1"/>
+                          </dgm:varLst>
+                          <dgm:alg type="sp"/>
+                          <dgm:shape xmlns:r="http://schemas.openxmlformats.org/officeDocument/2006/relationships" type="roundRect" r:blip="">
+                            <dgm:adjLst>
+                              <dgm:adj idx="1" val="0.1"/>
+                            </dgm:adjLst>
+                          </dgm:shape>
+                          <dgm:presOf axis="ch desOrSelf" ptType="node node" st="4 1" cnt="1 0"/>
+                          <dgm:constrLst/>
+                          <dgm:ruleLst/>
+                        </dgm:layoutNode>
+                        <dgm:layoutNode name="FiveNodes_5">
+                          <dgm:varLst>
+                            <dgm:bulletEnabled val="1"/>
+                          </dgm:varLst>
+                          <dgm:alg type="sp"/>
+                          <dgm:shape xmlns:r="http://schemas.openxmlformats.org/officeDocument/2006/relationships" type="roundRect" r:blip="">
+                            <dgm:adjLst>
+                              <dgm:adj idx="1" val="0.1"/>
+                            </dgm:adjLst>
+                          </dgm:shape>
+                          <dgm:presOf axis="ch desOrSelf" ptType="node node" st="5 1" cnt="1 0"/>
+                          <dgm:constrLst/>
+                          <dgm:ruleLst/>
+                        </dgm:layoutNode>
+                        <dgm:layoutNode name="FiveConn_1-2" styleLbl="fgAccFollowNode1">
+                          <dgm:varLst>
+                            <dgm:bulletEnabled val="1"/>
+                          </dgm:varLst>
+                          <dgm:alg type="tx"/>
+                          <dgm:shape xmlns:r="http://schemas.openxmlformats.org/officeDocument/2006/relationships" type="downArrow" r:blip="">
+                            <dgm:adjLst>
+                              <dgm:adj idx="1" val="0.55"/>
+                              <dgm:adj idx="2" val="0.45"/>
+                            </dgm:adjLst>
+                          </dgm:shape>
+                          <dgm:presOf axis="ch" ptType="sibTrans" cnt="1"/>
+                          <dgm:constrLst>
+                            <dgm:constr type="lMarg" refType="primFontSz" fact="0.1"/>
+                            <dgm:constr type="rMarg" refType="primFontSz" fact="0.1"/>
+                            <dgm:constr type="tMarg" refType="primFontSz" fact="0.1"/>
+                            <dgm:constr type="bMarg" refType="primFontSz" fact="0.1"/>
+                          </dgm:constrLst>
+                          <dgm:ruleLst>
+                            <dgm:rule type="primFontSz" val="5" fact="NaN" max="NaN"/>
+                          </dgm:ruleLst>
+                        </dgm:layoutNode>
+                        <dgm:layoutNode name="FiveConn_2-3" styleLbl="fgAccFollowNode1">
+                          <dgm:varLst>
+                            <dgm:bulletEnabled val="1"/>
+                          </dgm:varLst>
+                          <dgm:alg type="tx"/>
+                          <dgm:shape xmlns:r="http://schemas.openxmlformats.org/officeDocument/2006/relationships" type="downArrow" r:blip="">
+                            <dgm:adjLst>
+                              <dgm:adj idx="1" val="0.55"/>
+                              <dgm:adj idx="2" val="0.45"/>
+                            </dgm:adjLst>
+                          </dgm:shape>
+                          <dgm:presOf axis="ch" ptType="sibTrans" st="2" cnt="1"/>
+                          <dgm:constrLst>
+                            <dgm:constr type="lMarg" refType="primFontSz" fact="0.1"/>
+                            <dgm:constr type="rMarg" refType="primFontSz" fact="0.1"/>
+                            <dgm:constr type="tMarg" refType="primFontSz" fact="0.1"/>
+                            <dgm:constr type="bMarg" refType="primFontSz" fact="0.1"/>
+                          </dgm:constrLst>
+                          <dgm:ruleLst>
+                            <dgm:rule type="primFontSz" val="5" fact="NaN" max="NaN"/>
+                          </dgm:ruleLst>
+                        </dgm:layoutNode>
+                        <dgm:layoutNode name="FiveConn_3-4" styleLbl="fgAccFollowNode1">
+                          <dgm:varLst>
+                            <dgm:bulletEnabled val="1"/>
+                          </dgm:varLst>
+                          <dgm:alg type="tx"/>
+                          <dgm:shape xmlns:r="http://schemas.openxmlformats.org/officeDocument/2006/relationships" type="downArrow" r:blip="">
+                            <dgm:adjLst>
+                              <dgm:adj idx="1" val="0.55"/>
+                              <dgm:adj idx="2" val="0.45"/>
+                            </dgm:adjLst>
+                          </dgm:shape>
+                          <dgm:presOf axis="ch" ptType="sibTrans" st="3" cnt="1"/>
+                          <dgm:constrLst>
+                            <dgm:constr type="lMarg" refType="primFontSz" fact="0.1"/>
+                            <dgm:constr type="rMarg" refType="primFontSz" fact="0.1"/>
+                            <dgm:constr type="tMarg" refType="primFontSz" fact="0.1"/>
+                            <dgm:constr type="bMarg" refType="primFontSz" fact="0.1"/>
+                          </dgm:constrLst>
+                          <dgm:ruleLst>
+                            <dgm:rule type="primFontSz" val="5" fact="NaN" max="NaN"/>
+                          </dgm:ruleLst>
+                        </dgm:layoutNode>
+                        <dgm:layoutNode name="FiveConn_4-5" styleLbl="fgAccFollowNode1">
+                          <dgm:varLst>
+                            <dgm:bulletEnabled val="1"/>
+                          </dgm:varLst>
+                          <dgm:alg type="tx"/>
+                          <dgm:shape xmlns:r="http://schemas.openxmlformats.org/officeDocument/2006/relationships" type="downArrow" r:blip="">
+                            <dgm:adjLst>
+                              <dgm:adj idx="1" val="0.55"/>
+                              <dgm:adj idx="2" val="0.45"/>
+                            </dgm:adjLst>
+                          </dgm:shape>
+                          <dgm:presOf axis="ch" ptType="sibTrans" st="4" cnt="1"/>
+                          <dgm:constrLst>
+                            <dgm:constr type="lMarg" refType="primFontSz" fact="0.1"/>
+                            <dgm:constr type="rMarg" refType="primFontSz" fact="0.1"/>
+                            <dgm:constr type="tMarg" refType="primFontSz" fact="0.1"/>
+                            <dgm:constr type="bMarg" refType="primFontSz" fact="0.1"/>
+                          </dgm:constrLst>
+                          <dgm:ruleLst>
+                            <dgm:rule type="primFontSz" val="5" fact="NaN" max="NaN"/>
+                          </dgm:ruleLst>
+                        </dgm:layoutNode>
+                        <dgm:layoutNode name="FiveNodes_1_text">
+                          <dgm:varLst>
+                            <dgm:bulletEnabled val="1"/>
+                          </dgm:varLst>
+                          <dgm:alg type="tx">
+                            <dgm:param type="parTxLTRAlign" val="l"/>
+                            <dgm:param type="txAnchorVertCh" val="mid"/>
+                          </dgm:alg>
+                          <dgm:shape xmlns:r="http://schemas.openxmlformats.org/officeDocument/2006/relationships" type="roundRect" r:blip="" hideGeom="1">
+                            <dgm:adjLst>
+                              <dgm:adj idx="1" val="0.1"/>
+                            </dgm:adjLst>
+                          </dgm:shape>
+                          <dgm:presOf axis="ch desOrSelf" ptType="node node" st="1 1" cnt="1 0"/>
+                          <dgm:constrLst>
+                            <dgm:constr type="lMarg" refType="primFontSz" fact="0.3"/>
+                            <dgm:constr type="rMarg" refType="primFontSz" fact="0.3"/>
+                            <dgm:constr type="tMarg" refType="primFontSz" fact="0.3"/>
+                            <dgm:constr type="bMarg" refType="primFontSz" fact="0.3"/>
+                          </dgm:constrLst>
+                          <dgm:ruleLst>
+                            <dgm:rule type="primFontSz" val="5" fact="NaN" max="NaN"/>
+                          </dgm:ruleLst>
+                        </dgm:layoutNode>
+                        <dgm:layoutNode name="FiveNodes_2_text">
+                          <dgm:varLst>
+                            <dgm:bulletEnabled val="1"/>
+                          </dgm:varLst>
+                          <dgm:alg type="tx">
+                            <dgm:param type="parTxLTRAlign" val="l"/>
+                            <dgm:param type="txAnchorVertCh" val="mid"/>
+                          </dgm:alg>
+                          <dgm:shape xmlns:r="http://schemas.openxmlformats.org/officeDocument/2006/relationships" type="roundRect" r:blip="" hideGeom="1">
+                            <dgm:adjLst>
+                              <dgm:adj idx="1" val="0.1"/>
+                            </dgm:adjLst>
+                          </dgm:shape>
+                          <dgm:presOf axis="ch desOrSelf" ptType="node node" st="2 1" cnt="1 0"/>
+                          <dgm:constrLst>
+                            <dgm:constr type="lMarg" refType="primFontSz" fact="0.3"/>
+                            <dgm:constr type="rMarg" refType="primFontSz" fact="0.3"/>
+                            <dgm:constr type="tMarg" refType="primFontSz" fact="0.3"/>
+                            <dgm:constr type="bMarg" refType="primFontSz" fact="0.3"/>
+                          </dgm:constrLst>
+                          <dgm:ruleLst>
+                            <dgm:rule type="primFontSz" val="5" fact="NaN" max="NaN"/>
+                          </dgm:ruleLst>
+                        </dgm:layoutNode>
+                        <dgm:layoutNode name="FiveNodes_3_text">
+                          <dgm:varLst>
+                            <dgm:bulletEnabled val="1"/>
+                          </dgm:varLst>
+                          <dgm:alg type="tx">
+                            <dgm:param type="parTxLTRAlign" val="l"/>
+                            <dgm:param type="txAnchorVertCh" val="mid"/>
+                          </dgm:alg>
+                          <dgm:shape xmlns:r="http://schemas.openxmlformats.org/officeDocument/2006/relationships" type="roundRect" r:blip="" hideGeom="1">
+                            <dgm:adjLst>
+                              <dgm:adj idx="1" val="0.1"/>
+                            </dgm:adjLst>
+                          </dgm:shape>
+                          <dgm:presOf axis="ch desOrSelf" ptType="node node" st="3 1" cnt="1 0"/>
+                          <dgm:constrLst>
+                            <dgm:constr type="lMarg" refType="primFontSz" fact="0.3"/>
+                            <dgm:constr type="rMarg" refType="primFontSz" fact="0.3"/>
+                            <dgm:constr type="tMarg" refType="primFontSz" fact="0.3"/>
+                            <dgm:constr type="bMarg" refType="primFontSz" fact="0.3"/>
+                          </dgm:constrLst>
+                          <dgm:ruleLst>
+                            <dgm:rule type="primFontSz" val="5" fact="NaN" max="NaN"/>
+                          </dgm:ruleLst>
+                        </dgm:layoutNode>
+                        <dgm:layoutNode name="FiveNodes_4_text">
+                          <dgm:varLst>
+                            <dgm:bulletEnabled val="1"/>
+                          </dgm:varLst>
+                          <dgm:alg type="tx">
+                            <dgm:param type="parTxLTRAlign" val="l"/>
+                            <dgm:param type="txAnchorVertCh" val="mid"/>
+                          </dgm:alg>
+                          <dgm:shape xmlns:r="http://schemas.openxmlformats.org/officeDocument/2006/relationships" type="roundRect" r:blip="" hideGeom="1">
+                            <dgm:adjLst>
+                              <dgm:adj idx="1" val="0.1"/>
+                            </dgm:adjLst>
+                          </dgm:shape>
+                          <dgm:presOf axis="ch desOrSelf" ptType="node node" st="4 1" cnt="1 0"/>
+                          <dgm:constrLst>
+                            <dgm:constr type="lMarg" refType="primFontSz" fact="0.3"/>
+                            <dgm:constr type="rMarg" refType="primFontSz" fact="0.3"/>
+                            <dgm:constr type="tMarg" refType="primFontSz" fact="0.3"/>
+                            <dgm:constr type="bMarg" refType="primFontSz" fact="0.3"/>
+                          </dgm:constrLst>
+                          <dgm:ruleLst>
+                            <dgm:rule type="primFontSz" val="5" fact="NaN" max="NaN"/>
+                          </dgm:ruleLst>
+                        </dgm:layoutNode>
+                        <dgm:layoutNode name="FiveNodes_5_text">
+                          <dgm:varLst>
+                            <dgm:bulletEnabled val="1"/>
+                          </dgm:varLst>
+                          <dgm:alg type="tx">
+                            <dgm:param type="parTxLTRAlign" val="l"/>
+                            <dgm:param type="txAnchorVertCh" val="mid"/>
+                          </dgm:alg>
+                          <dgm:shape xmlns:r="http://schemas.openxmlformats.org/officeDocument/2006/relationships" type="roundRect" r:blip="" hideGeom="1">
+                            <dgm:adjLst>
+                              <dgm:adj idx="1" val="0.1"/>
+                            </dgm:adjLst>
+                          </dgm:shape>
+                          <dgm:presOf axis="ch desOrSelf" ptType="node node" st="5 1" cnt="1 0"/>
+                          <dgm:constrLst>
+                            <dgm:constr type="lMarg" refType="primFontSz" fact="0.3"/>
+                            <dgm:constr type="rMarg" refType="primFontSz" fact="0.3"/>
+                            <dgm:constr type="tMarg" refType="primFontSz" fact="0.3"/>
+                            <dgm:constr type="bMarg" refType="primFontSz" fact="0.3"/>
+                          </dgm:constrLst>
+                          <dgm:ruleLst>
+                            <dgm:rule type="primFontSz" val="5" fact="NaN" max="NaN"/>
+                          </dgm:ruleLst>
+                        </dgm:layoutNode>
+                      </dgm:if>
+                      <dgm:else name="Name17"/>
+                    </dgm:choose>
+                  </dgm:else>
+                </dgm:choose>
+              </dgm:else>
+            </dgm:choose>
+          </dgm:else>
+        </dgm:choose>
+      </dgm:else>
+    </dgm:choose>
+  </dgm:layoutNode>
+</dgm:layoutDef>
+</file>
+
+<file path=ppt/diagrams/quickStyle1.xml><?xml version="1.0" encoding="utf-8"?>
+<dgm:styleDef xmlns:dgm="http://schemas.openxmlformats.org/drawingml/2006/diagram" xmlns:a="http://schemas.openxmlformats.org/drawingml/2006/main" uniqueId="urn:microsoft.com/office/officeart/2005/8/quickstyle/simple1">
+  <dgm:title val=""/>
+  <dgm:desc val=""/>
+  <dgm:catLst>
+    <dgm:cat type="simple" pri="10100"/>
+  </dgm:catLst>
+  <dgm:scene3d>
+    <a:camera prst="orthographicFront"/>
+    <a:lightRig rig="threePt" dir="t"/>
+  </dgm:scene3d>
+  <dgm:styleLbl name="node0">
+    <dgm:scene3d>
+      <a:camera prst="orthographicFront"/>
+      <a:lightRig rig="threePt" dir="t"/>
+    </dgm:scene3d>
+    <dgm:sp3d/>
+    <dgm:txPr/>
+    <dgm:style>
+      <a:lnRef idx="2">
+        <a:scrgbClr r="0" g="0" b="0"/>
+      </a:lnRef>
+      <a:fillRef idx="1">
+        <a:scrgbClr r="0" g="0" b="0"/>
+      </a:fillRef>
+      <a:effectRef idx="0">
+        <a:scrgbClr r="0" g="0" b="0"/>
+      </a:effectRef>
+      <a:fontRef idx="minor">
+        <a:schemeClr val="lt1"/>
+      </a:fontRef>
+    </dgm:style>
+  </dgm:styleLbl>
+  <dgm:styleLbl name="lnNode1">
+    <dgm:scene3d>
+      <a:camera prst="orthographicFront"/>
+      <a:lightRig rig="threePt" dir="t"/>
+    </dgm:scene3d>
+    <dgm:sp3d/>
+    <dgm:txPr/>
+    <dgm:style>
+      <a:lnRef idx="2">
+        <a:scrgbClr r="0" g="0" b="0"/>
+      </a:lnRef>
+      <a:fillRef idx="1">
+        <a:scrgbClr r="0" g="0" b="0"/>
+      </a:fillRef>
+      <a:effectRef idx="0">
+        <a:scrgbClr r="0" g="0" b="0"/>
+      </a:effectRef>
+      <a:fontRef idx="minor">
+        <a:schemeClr val="lt1"/>
+      </a:fontRef>
+    </dgm:style>
+  </dgm:styleLbl>
+  <dgm:styleLbl name="vennNode1">
+    <dgm:scene3d>
+      <a:camera prst="orthographicFront"/>
+      <a:lightRig rig="threePt" dir="t"/>
+    </dgm:scene3d>
+    <dgm:sp3d/>
+    <dgm:txPr/>
+    <dgm:style>
+      <a:lnRef idx="2">
+        <a:scrgbClr r="0" g="0" b="0"/>
+      </a:lnRef>
+      <a:fillRef idx="1">
+        <a:scrgbClr r="0" g="0" b="0"/>
+      </a:fillRef>
+      <a:effectRef idx="0">
+        <a:scrgbClr r="0" g="0" b="0"/>
+      </a:effectRef>
+      <a:fontRef idx="minor">
+        <a:schemeClr val="tx1"/>
+      </a:fontRef>
+    </dgm:style>
+  </dgm:styleLbl>
+  <dgm:styleLbl name="alignNode1">
+    <dgm:scene3d>
+      <a:camera prst="orthographicFront"/>
+      <a:lightRig rig="threePt" dir="t"/>
+    </dgm:scene3d>
+    <dgm:sp3d/>
+    <dgm:txPr/>
+    <dgm:style>
+      <a:lnRef idx="2">
+        <a:scrgbClr r="0" g="0" b="0"/>
+      </a:lnRef>
+      <a:fillRef idx="1">
+        <a:scrgbClr r="0" g="0" b="0"/>
+      </a:fillRef>
+      <a:effectRef idx="0">
+        <a:scrgbClr r="0" g="0" b="0"/>
+      </a:effectRef>
+      <a:fontRef idx="minor">
+        <a:schemeClr val="lt1"/>
+      </a:fontRef>
+    </dgm:style>
+  </dgm:styleLbl>
+  <dgm:styleLbl name="node1">
+    <dgm:scene3d>
+      <a:camera prst="orthographicFront"/>
+      <a:lightRig rig="threePt" dir="t"/>
+    </dgm:scene3d>
+    <dgm:sp3d/>
+    <dgm:txPr/>
+    <dgm:style>
+      <a:lnRef idx="2">
+        <a:scrgbClr r="0" g="0" b="0"/>
+      </a:lnRef>
+      <a:fillRef idx="1">
+        <a:scrgbClr r="0" g="0" b="0"/>
+      </a:fillRef>
+      <a:effectRef idx="0">
+        <a:scrgbClr r="0" g="0" b="0"/>
+      </a:effectRef>
+      <a:fontRef idx="minor">
+        <a:schemeClr val="lt1"/>
+      </a:fontRef>
+    </dgm:style>
+  </dgm:styleLbl>
+  <dgm:styleLbl name="node2">
+    <dgm:scene3d>
+      <a:camera prst="orthographicFront"/>
+      <a:lightRig rig="threePt" dir="t"/>
+    </dgm:scene3d>
+    <dgm:sp3d/>
+    <dgm:txPr/>
+    <dgm:style>
+      <a:lnRef idx="2">
+        <a:scrgbClr r="0" g="0" b="0"/>
+      </a:lnRef>
+      <a:fillRef idx="1">
+        <a:scrgbClr r="0" g="0" b="0"/>
+      </a:fillRef>
+      <a:effectRef idx="0">
+        <a:scrgbClr r="0" g="0" b="0"/>
+      </a:effectRef>
+      <a:fontRef idx="minor">
+        <a:schemeClr val="lt1"/>
+      </a:fontRef>
+    </dgm:style>
+  </dgm:styleLbl>
+  <dgm:styleLbl name="node3">
+    <dgm:scene3d>
+      <a:camera prst="orthographicFront"/>
+      <a:lightRig rig="threePt" dir="t"/>
+    </dgm:scene3d>
+    <dgm:sp3d/>
+    <dgm:txPr/>
+    <dgm:style>
+      <a:lnRef idx="2">
+        <a:scrgbClr r="0" g="0" b="0"/>
+      </a:lnRef>
+      <a:fillRef idx="1">
+        <a:scrgbClr r="0" g="0" b="0"/>
+      </a:fillRef>
+      <a:effectRef idx="0">
+        <a:scrgbClr r="0" g="0" b="0"/>
+      </a:effectRef>
+      <a:fontRef idx="minor">
+        <a:schemeClr val="lt1"/>
+      </a:fontRef>
+    </dgm:style>
+  </dgm:styleLbl>
+  <dgm:styleLbl name="node4">
+    <dgm:scene3d>
+      <a:camera prst="orthographicFront"/>
+      <a:lightRig rig="threePt" dir="t"/>
+    </dgm:scene3d>
+    <dgm:sp3d/>
+    <dgm:txPr/>
+    <dgm:style>
+      <a:lnRef idx="2">
+        <a:scrgbClr r="0" g="0" b="0"/>
+      </a:lnRef>
+      <a:fillRef idx="1">
+        <a:scrgbClr r="0" g="0" b="0"/>
+      </a:fillRef>
+      <a:effectRef idx="0">
+        <a:scrgbClr r="0" g="0" b="0"/>
+      </a:effectRef>
+      <a:fontRef idx="minor">
+        <a:schemeClr val="lt1"/>
+      </a:fontRef>
+    </dgm:style>
+  </dgm:styleLbl>
+  <dgm:styleLbl name="fgImgPlace1">
+    <dgm:scene3d>
+      <a:camera prst="orthographicFront"/>
+      <a:lightRig rig="threePt" dir="t"/>
+    </dgm:scene3d>
+    <dgm:sp3d/>
+    <dgm:txPr/>
+    <dgm:style>
+      <a:lnRef idx="2">
+        <a:scrgbClr r="0" g="0" b="0"/>
+      </a:lnRef>
+      <a:fillRef idx="1">
+        <a:scrgbClr r="0" g="0" b="0"/>
+      </a:fillRef>
+      <a:effectRef idx="0">
+        <a:scrgbClr r="0" g="0" b="0"/>
+      </a:effectRef>
+      <a:fontRef idx="minor"/>
+    </dgm:style>
+  </dgm:styleLbl>
+  <dgm:styleLbl name="alignImgPlace1">
+    <dgm:scene3d>
+      <a:camera prst="orthographicFront"/>
+      <a:lightRig rig="threePt" dir="t"/>
+    </dgm:scene3d>
+    <dgm:sp3d/>
+    <dgm:txPr/>
+    <dgm:style>
+      <a:lnRef idx="2">
+        <a:scrgbClr r="0" g="0" b="0"/>
+      </a:lnRef>
+      <a:fillRef idx="1">
+        <a:scrgbClr r="0" g="0" b="0"/>
+      </a:fillRef>
+      <a:effectRef idx="0">
+        <a:scrgbClr r="0" g="0" b="0"/>
+      </a:effectRef>
+      <a:fontRef idx="minor"/>
+    </dgm:style>
+  </dgm:styleLbl>
+  <dgm:styleLbl name="bgImgPlace1">
+    <dgm:scene3d>
+      <a:camera prst="orthographicFront"/>
+      <a:lightRig rig="threePt" dir="t"/>
+    </dgm:scene3d>
+    <dgm:sp3d/>
+    <dgm:txPr/>
+    <dgm:style>
+      <a:lnRef idx="2">
+        <a:scrgbClr r="0" g="0" b="0"/>
+      </a:lnRef>
+      <a:fillRef idx="1">
+        <a:scrgbClr r="0" g="0" b="0"/>
+      </a:fillRef>
+      <a:effectRef idx="0">
+        <a:scrgbClr r="0" g="0" b="0"/>
+      </a:effectRef>
+      <a:fontRef idx="minor"/>
+    </dgm:style>
+  </dgm:styleLbl>
+  <dgm:styleLbl name="sibTrans2D1">
+    <dgm:scene3d>
+      <a:camera prst="orthographicFront"/>
+      <a:lightRig rig="threePt" dir="t"/>
+    </dgm:scene3d>
+    <dgm:sp3d/>
+    <dgm:txPr/>
+    <dgm:style>
+      <a:lnRef idx="0">
+        <a:scrgbClr r="0" g="0" b="0"/>
+      </a:lnRef>
+      <a:fillRef idx="1">
+        <a:scrgbClr r="0" g="0" b="0"/>
+      </a:fillRef>
+      <a:effectRef idx="0">
+        <a:scrgbClr r="0" g="0" b="0"/>
+      </a:effectRef>
+      <a:fontRef idx="minor">
+        <a:schemeClr val="lt1"/>
+      </a:fontRef>
+    </dgm:style>
+  </dgm:styleLbl>
+  <dgm:styleLbl name="fgSibTrans2D1">
+    <dgm:scene3d>
+      <a:camera prst="orthographicFront"/>
+      <a:lightRig rig="threePt" dir="t"/>
+    </dgm:scene3d>
+    <dgm:sp3d/>
+    <dgm:txPr/>
+    <dgm:style>
+      <a:lnRef idx="0">
+        <a:scrgbClr r="0" g="0" b="0"/>
+      </a:lnRef>
+      <a:fillRef idx="1">
+        <a:scrgbClr r="0" g="0" b="0"/>
+      </a:fillRef>
+      <a:effectRef idx="0">
+        <a:scrgbClr r="0" g="0" b="0"/>
+      </a:effectRef>
+      <a:fontRef idx="minor">
+        <a:schemeClr val="lt1"/>
+      </a:fontRef>
+    </dgm:style>
+  </dgm:styleLbl>
+  <dgm:styleLbl name="bgSibTrans2D1">
+    <dgm:scene3d>
+      <a:camera prst="orthographicFront"/>
+      <a:lightRig rig="threePt" dir="t"/>
+    </dgm:scene3d>
+    <dgm:sp3d/>
+    <dgm:txPr/>
+    <dgm:style>
+      <a:lnRef idx="0">
+        <a:scrgbClr r="0" g="0" b="0"/>
+      </a:lnRef>
+      <a:fillRef idx="1">
+        <a:scrgbClr r="0" g="0" b="0"/>
+      </a:fillRef>
+      <a:effectRef idx="0">
+        <a:scrgbClr r="0" g="0" b="0"/>
+      </a:effectRef>
+      <a:fontRef idx="minor">
+        <a:schemeClr val="lt1"/>
+      </a:fontRef>
+    </dgm:style>
+  </dgm:styleLbl>
+  <dgm:styleLbl name="sibTrans1D1">
+    <dgm:scene3d>
+      <a:camera prst="orthographicFront"/>
+      <a:lightRig rig="threePt" dir="t"/>
+    </dgm:scene3d>
+    <dgm:sp3d/>
+    <dgm:txPr/>
+    <dgm:style>
+      <a:lnRef idx="1">
+        <a:scrgbClr r="0" g="0" b="0"/>
+      </a:lnRef>
+      <a:fillRef idx="0">
+        <a:scrgbClr r="0" g="0" b="0"/>
+      </a:fillRef>
+      <a:effectRef idx="0">
+        <a:scrgbClr r="0" g="0" b="0"/>
+      </a:effectRef>
+      <a:fontRef idx="minor"/>
+    </dgm:style>
+  </dgm:styleLbl>
+  <dgm:styleLbl name="callout">
+    <dgm:scene3d>
+      <a:camera prst="orthographicFront"/>
+      <a:lightRig rig="threePt" dir="t"/>
+    </dgm:scene3d>
+    <dgm:sp3d/>
+    <dgm:txPr/>
+    <dgm:style>
+      <a:lnRef idx="2">
+        <a:scrgbClr r="0" g="0" b="0"/>
+      </a:lnRef>
+      <a:fillRef idx="1">
+        <a:scrgbClr r="0" g="0" b="0"/>
+      </a:fillRef>
+      <a:effectRef idx="0">
+        <a:scrgbClr r="0" g="0" b="0"/>
+      </a:effectRef>
+      <a:fontRef idx="minor"/>
+    </dgm:style>
+  </dgm:styleLbl>
+  <dgm:styleLbl name="asst0">
+    <dgm:scene3d>
+      <a:camera prst="orthographicFront"/>
+      <a:lightRig rig="threePt" dir="t"/>
+    </dgm:scene3d>
+    <dgm:sp3d/>
+    <dgm:txPr/>
+    <dgm:style>
+      <a:lnRef idx="2">
+        <a:scrgbClr r="0" g="0" b="0"/>
+      </a:lnRef>
+      <a:fillRef idx="1">
+        <a:scrgbClr r="0" g="0" b="0"/>
+      </a:fillRef>
+      <a:effectRef idx="0">
+        <a:scrgbClr r="0" g="0" b="0"/>
+      </a:effectRef>
+      <a:fontRef idx="minor">
+        <a:schemeClr val="lt1"/>
+      </a:fontRef>
+    </dgm:style>
+  </dgm:styleLbl>
+  <dgm:styleLbl name="asst1">
+    <dgm:scene3d>
+      <a:camera prst="orthographicFront"/>
+      <a:lightRig rig="threePt" dir="t"/>
+    </dgm:scene3d>
+    <dgm:sp3d/>
+    <dgm:txPr/>
+    <dgm:style>
+      <a:lnRef idx="2">
+        <a:scrgbClr r="0" g="0" b="0"/>
+      </a:lnRef>
+      <a:fillRef idx="1">
+        <a:scrgbClr r="0" g="0" b="0"/>
+      </a:fillRef>
+      <a:effectRef idx="0">
+        <a:scrgbClr r="0" g="0" b="0"/>
+      </a:effectRef>
+      <a:fontRef idx="minor">
+        <a:schemeClr val="lt1"/>
+      </a:fontRef>
+    </dgm:style>
+  </dgm:styleLbl>
+  <dgm:styleLbl name="asst2">
+    <dgm:scene3d>
+      <a:camera prst="orthographicFront"/>
+      <a:lightRig rig="threePt" dir="t"/>
+    </dgm:scene3d>
+    <dgm:sp3d/>
+    <dgm:txPr/>
+    <dgm:style>
+      <a:lnRef idx="2">
+        <a:scrgbClr r="0" g="0" b="0"/>
+      </a:lnRef>
+      <a:fillRef idx="1">
+        <a:scrgbClr r="0" g="0" b="0"/>
+      </a:fillRef>
+      <a:effectRef idx="0">
+        <a:scrgbClr r="0" g="0" b="0"/>
+      </a:effectRef>
+      <a:fontRef idx="minor">
+        <a:schemeClr val="lt1"/>
+      </a:fontRef>
+    </dgm:style>
+  </dgm:styleLbl>
+  <dgm:styleLbl name="asst3">
+    <dgm:scene3d>
+      <a:camera prst="orthographicFront"/>
+      <a:lightRig rig="threePt" dir="t"/>
+    </dgm:scene3d>
+    <dgm:sp3d/>
+    <dgm:txPr/>
+    <dgm:style>
+      <a:lnRef idx="2">
+        <a:scrgbClr r="0" g="0" b="0"/>
+      </a:lnRef>
+      <a:fillRef idx="1">
+        <a:scrgbClr r="0" g="0" b="0"/>
+      </a:fillRef>
+      <a:effectRef idx="0">
+        <a:scrgbClr r="0" g="0" b="0"/>
+      </a:effectRef>
+      <a:fontRef idx="minor">
+        <a:schemeClr val="lt1"/>
+      </a:fontRef>
+    </dgm:style>
+  </dgm:styleLbl>
+  <dgm:styleLbl name="asst4">
+    <dgm:scene3d>
+      <a:camera prst="orthographicFront"/>
+      <a:lightRig rig="threePt" dir="t"/>
+    </dgm:scene3d>
+    <dgm:sp3d/>
+    <dgm:txPr/>
+    <dgm:style>
+      <a:lnRef idx="2">
+        <a:scrgbClr r="0" g="0" b="0"/>
+      </a:lnRef>
+      <a:fillRef idx="1">
+        <a:scrgbClr r="0" g="0" b="0"/>
+      </a:fillRef>
+      <a:effectRef idx="0">
+        <a:scrgbClr r="0" g="0" b="0"/>
+      </a:effectRef>
+      <a:fontRef idx="minor">
+        <a:schemeClr val="lt1"/>
+      </a:fontRef>
+    </dgm:style>
+  </dgm:styleLbl>
+  <dgm:styleLbl name="parChTrans2D1">
+    <dgm:scene3d>
+      <a:camera prst="orthographicFront"/>
+      <a:lightRig rig="threePt" dir="t"/>
+    </dgm:scene3d>
+    <dgm:sp3d/>
+    <dgm:txPr/>
+    <dgm:style>
+      <a:lnRef idx="2">
+        <a:scrgbClr r="0" g="0" b="0"/>
+      </a:lnRef>
+      <a:fillRef idx="1">
+        <a:scrgbClr r="0" g="0" b="0"/>
+      </a:fillRef>
+      <a:effectRef idx="0">
+        <a:scrgbClr r="0" g="0" b="0"/>
+      </a:effectRef>
+      <a:fontRef idx="minor">
+        <a:schemeClr val="lt1"/>
+      </a:fontRef>
+    </dgm:style>
+  </dgm:styleLbl>
+  <dgm:styleLbl name="parChTrans2D2">
+    <dgm:scene3d>
+      <a:camera prst="orthographicFront"/>
+      <a:lightRig rig="threePt" dir="t"/>
+    </dgm:scene3d>
+    <dgm:sp3d/>
+    <dgm:txPr/>
+    <dgm:style>
+      <a:lnRef idx="2">
+        <a:scrgbClr r="0" g="0" b="0"/>
+      </a:lnRef>
+      <a:fillRef idx="1">
+        <a:scrgbClr r="0" g="0" b="0"/>
+      </a:fillRef>
+      <a:effectRef idx="0">
+        <a:scrgbClr r="0" g="0" b="0"/>
+      </a:effectRef>
+      <a:fontRef idx="minor">
+        <a:schemeClr val="lt1"/>
+      </a:fontRef>
+    </dgm:style>
+  </dgm:styleLbl>
+  <dgm:styleLbl name="parChTrans2D3">
+    <dgm:scene3d>
+      <a:camera prst="orthographicFront"/>
+      <a:lightRig rig="threePt" dir="t"/>
+    </dgm:scene3d>
+    <dgm:sp3d/>
+    <dgm:txPr/>
+    <dgm:style>
+      <a:lnRef idx="2">
+        <a:scrgbClr r="0" g="0" b="0"/>
+      </a:lnRef>
+      <a:fillRef idx="1">
+        <a:scrgbClr r="0" g="0" b="0"/>
+      </a:fillRef>
+      <a:effectRef idx="0">
+        <a:scrgbClr r="0" g="0" b="0"/>
+      </a:effectRef>
+      <a:fontRef idx="minor">
+        <a:schemeClr val="lt1"/>
+      </a:fontRef>
+    </dgm:style>
+  </dgm:styleLbl>
+  <dgm:styleLbl name="parChTrans2D4">
+    <dgm:scene3d>
+      <a:camera prst="orthographicFront"/>
+      <a:lightRig rig="threePt" dir="t"/>
+    </dgm:scene3d>
+    <dgm:sp3d/>
+    <dgm:txPr/>
+    <dgm:style>
+      <a:lnRef idx="2">
+        <a:scrgbClr r="0" g="0" b="0"/>
+      </a:lnRef>
+      <a:fillRef idx="1">
+        <a:scrgbClr r="0" g="0" b="0"/>
+      </a:fillRef>
+      <a:effectRef idx="0">
+        <a:scrgbClr r="0" g="0" b="0"/>
+      </a:effectRef>
+      <a:fontRef idx="minor">
+        <a:schemeClr val="lt1"/>
+      </a:fontRef>
+    </dgm:style>
+  </dgm:styleLbl>
+  <dgm:styleLbl name="parChTrans1D1">
+    <dgm:scene3d>
+      <a:camera prst="orthographicFront"/>
+      <a:lightRig rig="threePt" dir="t"/>
+    </dgm:scene3d>
+    <dgm:sp3d/>
+    <dgm:txPr/>
+    <dgm:style>
+      <a:lnRef idx="2">
+        <a:scrgbClr r="0" g="0" b="0"/>
+      </a:lnRef>
+      <a:fillRef idx="0">
+        <a:scrgbClr r="0" g="0" b="0"/>
+      </a:fillRef>
+      <a:effectRef idx="0">
+        <a:scrgbClr r="0" g="0" b="0"/>
+      </a:effectRef>
+      <a:fontRef idx="minor"/>
+    </dgm:style>
+  </dgm:styleLbl>
+  <dgm:styleLbl name="parChTrans1D2">
+    <dgm:scene3d>
+      <a:camera prst="orthographicFront"/>
+      <a:lightRig rig="threePt" dir="t"/>
+    </dgm:scene3d>
+    <dgm:sp3d/>
+    <dgm:txPr/>
+    <dgm:style>
+      <a:lnRef idx="2">
+        <a:scrgbClr r="0" g="0" b="0"/>
+      </a:lnRef>
+      <a:fillRef idx="0">
+        <a:scrgbClr r="0" g="0" b="0"/>
+      </a:fillRef>
+      <a:effectRef idx="0">
+        <a:scrgbClr r="0" g="0" b="0"/>
+      </a:effectRef>
+      <a:fontRef idx="minor"/>
+    </dgm:style>
+  </dgm:styleLbl>
+  <dgm:styleLbl name="parChTrans1D3">
+    <dgm:scene3d>
+      <a:camera prst="orthographicFront"/>
+      <a:lightRig rig="threePt" dir="t"/>
+    </dgm:scene3d>
+    <dgm:sp3d/>
+    <dgm:txPr/>
+    <dgm:style>
+      <a:lnRef idx="2">
+        <a:scrgbClr r="0" g="0" b="0"/>
+      </a:lnRef>
+      <a:fillRef idx="0">
+        <a:scrgbClr r="0" g="0" b="0"/>
+      </a:fillRef>
+      <a:effectRef idx="0">
+        <a:scrgbClr r="0" g="0" b="0"/>
+      </a:effectRef>
+      <a:fontRef idx="minor"/>
+    </dgm:style>
+  </dgm:styleLbl>
+  <dgm:styleLbl name="parChTrans1D4">
+    <dgm:scene3d>
+      <a:camera prst="orthographicFront"/>
+      <a:lightRig rig="threePt" dir="t"/>
+    </dgm:scene3d>
+    <dgm:sp3d/>
+    <dgm:txPr/>
+    <dgm:style>
+      <a:lnRef idx="2">
+        <a:scrgbClr r="0" g="0" b="0"/>
+      </a:lnRef>
+      <a:fillRef idx="0">
+        <a:scrgbClr r="0" g="0" b="0"/>
+      </a:fillRef>
+      <a:effectRef idx="0">
+        <a:scrgbClr r="0" g="0" b="0"/>
+      </a:effectRef>
+      <a:fontRef idx="minor"/>
+    </dgm:style>
+  </dgm:styleLbl>
+  <dgm:styleLbl name="fgAcc1">
+    <dgm:scene3d>
+      <a:camera prst="orthographicFront"/>
+      <a:lightRig rig="threePt" dir="t"/>
+    </dgm:scene3d>
+    <dgm:sp3d/>
+    <dgm:txPr/>
+    <dgm:style>
+      <a:lnRef idx="2">
+        <a:scrgbClr r="0" g="0" b="0"/>
+      </a:lnRef>
+      <a:fillRef idx="1">
+        <a:scrgbClr r="0" g="0" b="0"/>
+      </a:fillRef>
+      <a:effectRef idx="0">
+        <a:scrgbClr r="0" g="0" b="0"/>
+      </a:effectRef>
+      <a:fontRef idx="minor"/>
+    </dgm:style>
+  </dgm:styleLbl>
+  <dgm:styleLbl name="conFgAcc1">
+    <dgm:scene3d>
+      <a:camera prst="orthographicFront"/>
+      <a:lightRig rig="threePt" dir="t"/>
+    </dgm:scene3d>
+    <dgm:sp3d/>
+    <dgm:txPr/>
+    <dgm:style>
+      <a:lnRef idx="2">
+        <a:scrgbClr r="0" g="0" b="0"/>
+      </a:lnRef>
+      <a:fillRef idx="1">
+        <a:scrgbClr r="0" g="0" b="0"/>
+      </a:fillRef>
+      <a:effectRef idx="0">
+        <a:scrgbClr r="0" g="0" b="0"/>
+      </a:effectRef>
+      <a:fontRef idx="minor"/>
+    </dgm:style>
+  </dgm:styleLbl>
+  <dgm:styleLbl name="alignAcc1">
+    <dgm:scene3d>
+      <a:camera prst="orthographicFront"/>
+      <a:lightRig rig="threePt" dir="t"/>
+    </dgm:scene3d>
+    <dgm:sp3d/>
+    <dgm:txPr/>
+    <dgm:style>
+      <a:lnRef idx="2">
+        <a:scrgbClr r="0" g="0" b="0"/>
+      </a:lnRef>
+      <a:fillRef idx="1">
+        <a:scrgbClr r="0" g="0" b="0"/>
+      </a:fillRef>
+      <a:effectRef idx="0">
+        <a:scrgbClr r="0" g="0" b="0"/>
+      </a:effectRef>
+      <a:fontRef idx="minor"/>
+    </dgm:style>
+  </dgm:styleLbl>
+  <dgm:styleLbl name="trAlignAcc1">
+    <dgm:scene3d>
+      <a:camera prst="orthographicFront"/>
+      <a:lightRig rig="threePt" dir="t"/>
+    </dgm:scene3d>
+    <dgm:sp3d/>
+    <dgm:txPr/>
+    <dgm:style>
+      <a:lnRef idx="1">
+        <a:scrgbClr r="0" g="0" b="0"/>
+      </a:lnRef>
+      <a:fillRef idx="1">
+        <a:scrgbClr r="0" g="0" b="0"/>
+      </a:fillRef>
+      <a:effectRef idx="0">
+        <a:scrgbClr r="0" g="0" b="0"/>
+      </a:effectRef>
+      <a:fontRef idx="minor"/>
+    </dgm:style>
+  </dgm:styleLbl>
+  <dgm:styleLbl name="bgAcc1">
+    <dgm:scene3d>
+      <a:camera prst="orthographicFront"/>
+      <a:lightRig rig="threePt" dir="t"/>
+    </dgm:scene3d>
+    <dgm:sp3d/>
+    <dgm:txPr/>
+    <dgm:style>
+      <a:lnRef idx="2">
+        <a:scrgbClr r="0" g="0" b="0"/>
+      </a:lnRef>
+      <a:fillRef idx="1">
+        <a:scrgbClr r="0" g="0" b="0"/>
+      </a:fillRef>
+      <a:effectRef idx="0">
+        <a:scrgbClr r="0" g="0" b="0"/>
+      </a:effectRef>
+      <a:fontRef idx="minor"/>
+    </dgm:style>
+  </dgm:styleLbl>
+  <dgm:styleLbl name="solidFgAcc1">
+    <dgm:scene3d>
+      <a:camera prst="orthographicFront"/>
+      <a:lightRig rig="threePt" dir="t"/>
+    </dgm:scene3d>
+    <dgm:sp3d/>
+    <dgm:txPr/>
+    <dgm:style>
+      <a:lnRef idx="2">
+        <a:scrgbClr r="0" g="0" b="0"/>
+      </a:lnRef>
+      <a:fillRef idx="1">
+        <a:scrgbClr r="0" g="0" b="0"/>
+      </a:fillRef>
+      <a:effectRef idx="0">
+        <a:scrgbClr r="0" g="0" b="0"/>
+      </a:effectRef>
+      <a:fontRef idx="minor"/>
+    </dgm:style>
+  </dgm:styleLbl>
+  <dgm:styleLbl name="solidAlignAcc1">
+    <dgm:scene3d>
+      <a:camera prst="orthographicFront"/>
+      <a:lightRig rig="threePt" dir="t"/>
+    </dgm:scene3d>
+    <dgm:sp3d/>
+    <dgm:txPr/>
+    <dgm:style>
+      <a:lnRef idx="2">
+        <a:scrgbClr r="0" g="0" b="0"/>
+      </a:lnRef>
+      <a:fillRef idx="1">
+        <a:scrgbClr r="0" g="0" b="0"/>
+      </a:fillRef>
+      <a:effectRef idx="0">
+        <a:scrgbClr r="0" g="0" b="0"/>
+      </a:effectRef>
+      <a:fontRef idx="minor"/>
+    </dgm:style>
+  </dgm:styleLbl>
+  <dgm:styleLbl name="solidBgAcc1">
+    <dgm:scene3d>
+      <a:camera prst="orthographicFront"/>
+      <a:lightRig rig="threePt" dir="t"/>
+    </dgm:scene3d>
+    <dgm:sp3d/>
+    <dgm:txPr/>
+    <dgm:style>
+      <a:lnRef idx="2">
+        <a:scrgbClr r="0" g="0" b="0"/>
+      </a:lnRef>
+      <a:fillRef idx="1">
+        <a:scrgbClr r="0" g="0" b="0"/>
+      </a:fillRef>
+      <a:effectRef idx="0">
+        <a:scrgbClr r="0" g="0" b="0"/>
+      </a:effectRef>
+      <a:fontRef idx="minor"/>
+    </dgm:style>
+  </dgm:styleLbl>
+  <dgm:styleLbl name="fgAccFollowNode1">
+    <dgm:scene3d>
+      <a:camera prst="orthographicFront"/>
+      <a:lightRig rig="threePt" dir="t"/>
+    </dgm:scene3d>
+    <dgm:sp3d/>
+    <dgm:txPr/>
+    <dgm:style>
+      <a:lnRef idx="2">
+        <a:scrgbClr r="0" g="0" b="0"/>
+      </a:lnRef>
+      <a:fillRef idx="1">
+        <a:scrgbClr r="0" g="0" b="0"/>
+      </a:fillRef>
+      <a:effectRef idx="0">
+        <a:scrgbClr r="0" g="0" b="0"/>
+      </a:effectRef>
+      <a:fontRef idx="minor"/>
+    </dgm:style>
+  </dgm:styleLbl>
+  <dgm:styleLbl name="alignAccFollowNode1">
+    <dgm:scene3d>
+      <a:camera prst="orthographicFront"/>
+      <a:lightRig rig="threePt" dir="t"/>
+    </dgm:scene3d>
+    <dgm:sp3d/>
+    <dgm:txPr/>
+    <dgm:style>
+      <a:lnRef idx="2">
+        <a:scrgbClr r="0" g="0" b="0"/>
+      </a:lnRef>
+      <a:fillRef idx="1">
+        <a:scrgbClr r="0" g="0" b="0"/>
+      </a:fillRef>
+      <a:effectRef idx="0">
+        <a:scrgbClr r="0" g="0" b="0"/>
+      </a:effectRef>
+      <a:fontRef idx="minor"/>
+    </dgm:style>
+  </dgm:styleLbl>
+  <dgm:styleLbl name="bgAccFollowNode1">
+    <dgm:scene3d>
+      <a:camera prst="orthographicFront"/>
+      <a:lightRig rig="threePt" dir="t"/>
+    </dgm:scene3d>
+    <dgm:sp3d/>
+    <dgm:txPr/>
+    <dgm:style>
+      <a:lnRef idx="2">
+        <a:scrgbClr r="0" g="0" b="0"/>
+      </a:lnRef>
+      <a:fillRef idx="1">
+        <a:scrgbClr r="0" g="0" b="0"/>
+      </a:fillRef>
+      <a:effectRef idx="0">
+        <a:scrgbClr r="0" g="0" b="0"/>
+      </a:effectRef>
+      <a:fontRef idx="minor"/>
+    </dgm:style>
+  </dgm:styleLbl>
+  <dgm:styleLbl name="fgAcc0">
+    <dgm:scene3d>
+      <a:camera prst="orthographicFront"/>
+      <a:lightRig rig="threePt" dir="t"/>
+    </dgm:scene3d>
+    <dgm:sp3d/>
+    <dgm:txPr/>
+    <dgm:style>
+      <a:lnRef idx="2">
+        <a:scrgbClr r="0" g="0" b="0"/>
+      </a:lnRef>
+      <a:fillRef idx="1">
+        <a:scrgbClr r="0" g="0" b="0"/>
+      </a:fillRef>
+      <a:effectRef idx="0">
+        <a:scrgbClr r="0" g="0" b="0"/>
+      </a:effectRef>
+      <a:fontRef idx="minor"/>
+    </dgm:style>
+  </dgm:styleLbl>
+  <dgm:styleLbl name="fgAcc2">
+    <dgm:scene3d>
+      <a:camera prst="orthographicFront"/>
+      <a:lightRig rig="threePt" dir="t"/>
+    </dgm:scene3d>
+    <dgm:sp3d/>
+    <dgm:txPr/>
+    <dgm:style>
+      <a:lnRef idx="2">
+        <a:scrgbClr r="0" g="0" b="0"/>
+      </a:lnRef>
+      <a:fillRef idx="1">
+        <a:scrgbClr r="0" g="0" b="0"/>
+      </a:fillRef>
+      <a:effectRef idx="0">
+        <a:scrgbClr r="0" g="0" b="0"/>
+      </a:effectRef>
+      <a:fontRef idx="minor"/>
+    </dgm:style>
+  </dgm:styleLbl>
+  <dgm:styleLbl name="fgAcc3">
+    <dgm:scene3d>
+      <a:camera prst="orthographicFront"/>
+      <a:lightRig rig="threePt" dir="t"/>
+    </dgm:scene3d>
+    <dgm:sp3d/>
+    <dgm:txPr/>
+    <dgm:style>
+      <a:lnRef idx="2">
+        <a:scrgbClr r="0" g="0" b="0"/>
+      </a:lnRef>
+      <a:fillRef idx="1">
+        <a:scrgbClr r="0" g="0" b="0"/>
+      </a:fillRef>
+      <a:effectRef idx="0">
+        <a:scrgbClr r="0" g="0" b="0"/>
+      </a:effectRef>
+      <a:fontRef idx="minor"/>
+    </dgm:style>
+  </dgm:styleLbl>
+  <dgm:styleLbl name="fgAcc4">
+    <dgm:scene3d>
+      <a:camera prst="orthographicFront"/>
+      <a:lightRig rig="threePt" dir="t"/>
+    </dgm:scene3d>
+    <dgm:sp3d/>
+    <dgm:txPr/>
+    <dgm:style>
+      <a:lnRef idx="2">
+        <a:scrgbClr r="0" g="0" b="0"/>
+      </a:lnRef>
+      <a:fillRef idx="1">
+        <a:scrgbClr r="0" g="0" b="0"/>
+      </a:fillRef>
+      <a:effectRef idx="0">
+        <a:scrgbClr r="0" g="0" b="0"/>
+      </a:effectRef>
+      <a:fontRef idx="minor"/>
+    </dgm:style>
+  </dgm:styleLbl>
+  <dgm:styleLbl name="bgShp">
+    <dgm:scene3d>
+      <a:camera prst="orthographicFront"/>
+      <a:lightRig rig="threePt" dir="t"/>
+    </dgm:scene3d>
+    <dgm:sp3d/>
+    <dgm:txPr/>
+    <dgm:style>
+      <a:lnRef idx="0">
+        <a:scrgbClr r="0" g="0" b="0"/>
+      </a:lnRef>
+      <a:fillRef idx="1">
+        <a:scrgbClr r="0" g="0" b="0"/>
+      </a:fillRef>
+      <a:effectRef idx="0">
+        <a:scrgbClr r="0" g="0" b="0"/>
+      </a:effectRef>
+      <a:fontRef idx="minor"/>
+    </dgm:style>
+  </dgm:styleLbl>
+  <dgm:styleLbl name="dkBgShp">
+    <dgm:scene3d>
+      <a:camera prst="orthographicFront"/>
+      <a:lightRig rig="threePt" dir="t"/>
+    </dgm:scene3d>
+    <dgm:sp3d/>
+    <dgm:txPr/>
+    <dgm:style>
+      <a:lnRef idx="0">
+        <a:scrgbClr r="0" g="0" b="0"/>
+      </a:lnRef>
+      <a:fillRef idx="1">
+        <a:scrgbClr r="0" g="0" b="0"/>
+      </a:fillRef>
+      <a:effectRef idx="0">
+        <a:scrgbClr r="0" g="0" b="0"/>
+      </a:effectRef>
+      <a:fontRef idx="minor"/>
+    </dgm:style>
+  </dgm:styleLbl>
+  <dgm:styleLbl name="trBgShp">
+    <dgm:scene3d>
+      <a:camera prst="orthographicFront"/>
+      <a:lightRig rig="threePt" dir="t"/>
+    </dgm:scene3d>
+    <dgm:sp3d/>
+    <dgm:txPr/>
+    <dgm:style>
+      <a:lnRef idx="0">
+        <a:scrgbClr r="0" g="0" b="0"/>
+      </a:lnRef>
+      <a:fillRef idx="1">
+        <a:scrgbClr r="0" g="0" b="0"/>
+      </a:fillRef>
+      <a:effectRef idx="0">
+        <a:scrgbClr r="0" g="0" b="0"/>
+      </a:effectRef>
+      <a:fontRef idx="minor"/>
+    </dgm:style>
+  </dgm:styleLbl>
+  <dgm:styleLbl name="fgShp">
+    <dgm:scene3d>
+      <a:camera prst="orthographicFront"/>
+      <a:lightRig rig="threePt" dir="t"/>
+    </dgm:scene3d>
+    <dgm:sp3d/>
+    <dgm:txPr/>
+    <dgm:style>
+      <a:lnRef idx="2">
+        <a:scrgbClr r="0" g="0" b="0"/>
+      </a:lnRef>
+      <a:fillRef idx="1">
+        <a:scrgbClr r="0" g="0" b="0"/>
+      </a:fillRef>
+      <a:effectRef idx="0">
+        <a:scrgbClr r="0" g="0" b="0"/>
+      </a:effectRef>
+      <a:fontRef idx="minor"/>
+    </dgm:style>
+  </dgm:styleLbl>
+  <dgm:styleLbl name="revTx">
+    <dgm:scene3d>
+      <a:camera prst="orthographicFront"/>
+      <a:lightRig rig="threePt" dir="t"/>
+    </dgm:scene3d>
+    <dgm:sp3d/>
+    <dgm:txPr/>
+    <dgm:style>
+      <a:lnRef idx="0">
+        <a:scrgbClr r="0" g="0" b="0"/>
+      </a:lnRef>
+      <a:fillRef idx="0">
+        <a:scrgbClr r="0" g="0" b="0"/>
+      </a:fillRef>
+      <a:effectRef idx="0">
+        <a:scrgbClr r="0" g="0" b="0"/>
+      </a:effectRef>
+      <a:fontRef idx="minor"/>
+    </dgm:style>
+  </dgm:styleLbl>
+</dgm:styleDef>
 </file>
 
 <file path=ppt/slideLayouts/slideLayout1.xml><?xml version="1.0" encoding="utf-8"?>
@@ -350,7 +4354,7 @@
             <a:fld id="{5586B75A-687E-405C-8A0B-8D00578BA2C3}" type="datetimeFigureOut">
               <a:rPr lang="en-US" dirty="0"/>
               <a:pPr/>
-              <a:t>1/13/2020</a:t>
+              <a:t>1/14/2020</a:t>
             </a:fld>
             <a:endParaRPr lang="en-US" dirty="0"/>
           </a:p>
@@ -517,7 +4521,7 @@
             <a:fld id="{5586B75A-687E-405C-8A0B-8D00578BA2C3}" type="datetimeFigureOut">
               <a:rPr lang="en-US" dirty="0"/>
               <a:pPr/>
-              <a:t>1/13/2020</a:t>
+              <a:t>1/14/2020</a:t>
             </a:fld>
             <a:endParaRPr lang="en-US" dirty="0"/>
           </a:p>
@@ -694,7 +4698,7 @@
             <a:fld id="{5586B75A-687E-405C-8A0B-8D00578BA2C3}" type="datetimeFigureOut">
               <a:rPr lang="en-US" dirty="0"/>
               <a:pPr/>
-              <a:t>1/13/2020</a:t>
+              <a:t>1/14/2020</a:t>
             </a:fld>
             <a:endParaRPr lang="en-US" dirty="0"/>
           </a:p>
@@ -861,7 +4865,7 @@
             <a:fld id="{5586B75A-687E-405C-8A0B-8D00578BA2C3}" type="datetimeFigureOut">
               <a:rPr lang="en-US" dirty="0"/>
               <a:pPr/>
-              <a:t>1/13/2020</a:t>
+              <a:t>1/14/2020</a:t>
             </a:fld>
             <a:endParaRPr lang="en-US" dirty="0"/>
           </a:p>
@@ -1116,7 +5120,7 @@
             <a:fld id="{5586B75A-687E-405C-8A0B-8D00578BA2C3}" type="datetimeFigureOut">
               <a:rPr lang="en-US" dirty="0"/>
               <a:pPr/>
-              <a:t>1/13/2020</a:t>
+              <a:t>1/14/2020</a:t>
             </a:fld>
             <a:endParaRPr lang="en-US" dirty="0"/>
           </a:p>
@@ -1401,7 +5405,7 @@
             <a:fld id="{5586B75A-687E-405C-8A0B-8D00578BA2C3}" type="datetimeFigureOut">
               <a:rPr lang="en-US" dirty="0"/>
               <a:pPr/>
-              <a:t>1/13/2020</a:t>
+              <a:t>1/14/2020</a:t>
             </a:fld>
             <a:endParaRPr lang="en-US" dirty="0"/>
           </a:p>
@@ -1840,7 +5844,7 @@
             <a:fld id="{5586B75A-687E-405C-8A0B-8D00578BA2C3}" type="datetimeFigureOut">
               <a:rPr lang="en-US" dirty="0"/>
               <a:pPr/>
-              <a:t>1/13/2020</a:t>
+              <a:t>1/14/2020</a:t>
             </a:fld>
             <a:endParaRPr lang="en-US" dirty="0"/>
           </a:p>
@@ -1955,7 +5959,7 @@
             <a:fld id="{5586B75A-687E-405C-8A0B-8D00578BA2C3}" type="datetimeFigureOut">
               <a:rPr lang="en-US" dirty="0"/>
               <a:pPr/>
-              <a:t>1/13/2020</a:t>
+              <a:t>1/14/2020</a:t>
             </a:fld>
             <a:endParaRPr lang="en-US" dirty="0"/>
           </a:p>
@@ -2047,7 +6051,7 @@
             <a:fld id="{5586B75A-687E-405C-8A0B-8D00578BA2C3}" type="datetimeFigureOut">
               <a:rPr lang="en-US" dirty="0"/>
               <a:pPr/>
-              <a:t>1/13/2020</a:t>
+              <a:t>1/14/2020</a:t>
             </a:fld>
             <a:endParaRPr lang="en-US" dirty="0"/>
           </a:p>
@@ -2332,7 +6336,7 @@
             <a:fld id="{5586B75A-687E-405C-8A0B-8D00578BA2C3}" type="datetimeFigureOut">
               <a:rPr lang="en-US" dirty="0"/>
               <a:pPr/>
-              <a:t>1/13/2020</a:t>
+              <a:t>1/14/2020</a:t>
             </a:fld>
             <a:endParaRPr lang="en-US" dirty="0"/>
           </a:p>
@@ -2602,7 +6606,7 @@
             <a:fld id="{5586B75A-687E-405C-8A0B-8D00578BA2C3}" type="datetimeFigureOut">
               <a:rPr lang="en-US" dirty="0"/>
               <a:pPr/>
-              <a:t>1/13/2020</a:t>
+              <a:t>1/14/2020</a:t>
             </a:fld>
             <a:endParaRPr lang="en-US" dirty="0"/>
           </a:p>
@@ -2896,7 +6900,7 @@
             <a:fld id="{5586B75A-687E-405C-8A0B-8D00578BA2C3}" type="datetimeFigureOut">
               <a:rPr lang="en-US" dirty="0"/>
               <a:pPr/>
-              <a:t>1/13/2020</a:t>
+              <a:t>1/14/2020</a:t>
             </a:fld>
             <a:endParaRPr lang="en-US" dirty="0"/>
           </a:p>
@@ -3361,6 +7365,14 @@
 <file path=ppt/slides/slide1.xml><?xml version="1.0" encoding="utf-8"?>
 <p:sld xmlns:a="http://schemas.openxmlformats.org/drawingml/2006/main" xmlns:r="http://schemas.openxmlformats.org/officeDocument/2006/relationships" xmlns:p="http://schemas.openxmlformats.org/presentationml/2006/main">
   <p:cSld>
+    <p:bg>
+      <p:bgPr>
+        <a:solidFill>
+          <a:schemeClr val="bg1"/>
+        </a:solidFill>
+        <a:effectLst/>
+      </p:bgPr>
+    </p:bg>
     <p:spTree>
       <p:nvGrpSpPr>
         <p:cNvPr id="1" name=""/>
@@ -3375,6 +7387,254 @@
           <a:chExt cx="0" cy="0"/>
         </a:xfrm>
       </p:grpSpPr>
+      <p:sp useBgFill="1">
+        <p:nvSpPr>
+          <p:cNvPr id="5" name="Rectangle 7">
+            <a:extLst>
+              <a:ext uri="{FF2B5EF4-FFF2-40B4-BE49-F238E27FC236}">
+                <a16:creationId xmlns:a16="http://schemas.microsoft.com/office/drawing/2014/main" id="{2F4AD318-2FB6-4C6E-931E-58E404FA18CD}"/>
+              </a:ext>
+              <a:ext uri="{C183D7F6-B498-43B3-948B-1728B52AA6E4}">
+                <adec:decorative xmlns:adec="http://schemas.microsoft.com/office/drawing/2017/decorative" val="1"/>
+              </a:ext>
+            </a:extLst>
+          </p:cNvPr>
+          <p:cNvSpPr>
+            <a:spLocks noGrp="1" noRot="1" noChangeAspect="1" noMove="1" noResize="1" noEditPoints="1" noAdjustHandles="1" noChangeArrowheads="1" noChangeShapeType="1" noTextEdit="1"/>
+          </p:cNvSpPr>
+          <p:nvPr>
+            <p:extLst>
+              <p:ext uri="{386F3935-93C4-4BCD-93E2-E3B085C9AB24}">
+                <p16:designElem xmlns:p16="http://schemas.microsoft.com/office/powerpoint/2015/main" val="1"/>
+              </p:ext>
+            </p:extLst>
+          </p:nvPr>
+        </p:nvSpPr>
+        <p:spPr>
+          <a:xfrm>
+            <a:off x="0" y="0"/>
+            <a:ext cx="12192000" cy="6858000"/>
+          </a:xfrm>
+          <a:prstGeom prst="rect">
+            <a:avLst/>
+          </a:prstGeom>
+          <a:ln>
+            <a:noFill/>
+          </a:ln>
+        </p:spPr>
+        <p:style>
+          <a:lnRef idx="2">
+            <a:schemeClr val="accent1">
+              <a:shade val="50000"/>
+            </a:schemeClr>
+          </a:lnRef>
+          <a:fillRef idx="1">
+            <a:schemeClr val="accent1"/>
+          </a:fillRef>
+          <a:effectRef idx="0">
+            <a:schemeClr val="accent1"/>
+          </a:effectRef>
+          <a:fontRef idx="minor">
+            <a:schemeClr val="lt1"/>
+          </a:fontRef>
+        </p:style>
+        <p:txBody>
+          <a:bodyPr rtlCol="0" anchor="ctr"/>
+          <a:lstStyle/>
+          <a:p>
+            <a:pPr algn="ctr"/>
+            <a:endParaRPr lang="en-US" dirty="0"/>
+          </a:p>
+        </p:txBody>
+      </p:sp>
+      <p:sp>
+        <p:nvSpPr>
+          <p:cNvPr id="6" name="Freeform: Shape 9">
+            <a:extLst>
+              <a:ext uri="{FF2B5EF4-FFF2-40B4-BE49-F238E27FC236}">
+                <a16:creationId xmlns:a16="http://schemas.microsoft.com/office/drawing/2014/main" id="{1A118E35-1CBF-4863-8497-F4DF1A166D2D}"/>
+              </a:ext>
+              <a:ext uri="{C183D7F6-B498-43B3-948B-1728B52AA6E4}">
+                <adec:decorative xmlns:adec="http://schemas.microsoft.com/office/drawing/2017/decorative" val="1"/>
+              </a:ext>
+            </a:extLst>
+          </p:cNvPr>
+          <p:cNvSpPr>
+            <a:spLocks noGrp="1" noRot="1" noChangeAspect="1" noMove="1" noResize="1" noEditPoints="1" noAdjustHandles="1" noChangeArrowheads="1" noChangeShapeType="1" noTextEdit="1"/>
+          </p:cNvSpPr>
+          <p:nvPr>
+            <p:extLst>
+              <p:ext uri="{386F3935-93C4-4BCD-93E2-E3B085C9AB24}">
+                <p16:designElem xmlns:p16="http://schemas.microsoft.com/office/powerpoint/2015/main" val="1"/>
+              </p:ext>
+            </p:extLst>
+          </p:nvPr>
+        </p:nvSpPr>
+        <p:spPr>
+          <a:xfrm>
+            <a:off x="-3582" y="752748"/>
+            <a:ext cx="1001483" cy="4744251"/>
+          </a:xfrm>
+          <a:custGeom>
+            <a:avLst/>
+            <a:gdLst>
+              <a:gd name="connsiteX0" fmla="*/ 0 w 1001483"/>
+              <a:gd name="connsiteY0" fmla="*/ 0 h 4744251"/>
+              <a:gd name="connsiteX1" fmla="*/ 1001483 w 1001483"/>
+              <a:gd name="connsiteY1" fmla="*/ 0 h 4744251"/>
+              <a:gd name="connsiteX2" fmla="*/ 0 w 1001483"/>
+              <a:gd name="connsiteY2" fmla="*/ 4744251 h 4744251"/>
+            </a:gdLst>
+            <a:ahLst/>
+            <a:cxnLst>
+              <a:cxn ang="0">
+                <a:pos x="connsiteX0" y="connsiteY0"/>
+              </a:cxn>
+              <a:cxn ang="0">
+                <a:pos x="connsiteX1" y="connsiteY1"/>
+              </a:cxn>
+              <a:cxn ang="0">
+                <a:pos x="connsiteX2" y="connsiteY2"/>
+              </a:cxn>
+            </a:cxnLst>
+            <a:rect l="l" t="t" r="r" b="b"/>
+            <a:pathLst>
+              <a:path w="1001483" h="4744251">
+                <a:moveTo>
+                  <a:pt x="0" y="0"/>
+                </a:moveTo>
+                <a:lnTo>
+                  <a:pt x="1001483" y="0"/>
+                </a:lnTo>
+                <a:lnTo>
+                  <a:pt x="0" y="4744251"/>
+                </a:lnTo>
+                <a:close/>
+              </a:path>
+            </a:pathLst>
+          </a:custGeom>
+          <a:solidFill>
+            <a:schemeClr val="accent1"/>
+          </a:solidFill>
+          <a:ln>
+            <a:noFill/>
+          </a:ln>
+        </p:spPr>
+        <p:style>
+          <a:lnRef idx="2">
+            <a:schemeClr val="accent1">
+              <a:shade val="50000"/>
+            </a:schemeClr>
+          </a:lnRef>
+          <a:fillRef idx="1">
+            <a:schemeClr val="accent1"/>
+          </a:fillRef>
+          <a:effectRef idx="0">
+            <a:schemeClr val="accent1"/>
+          </a:effectRef>
+          <a:fontRef idx="minor">
+            <a:schemeClr val="lt1"/>
+          </a:fontRef>
+        </p:style>
+      </p:sp>
+      <p:sp>
+        <p:nvSpPr>
+          <p:cNvPr id="7" name="Freeform: Shape 11">
+            <a:extLst>
+              <a:ext uri="{FF2B5EF4-FFF2-40B4-BE49-F238E27FC236}">
+                <a16:creationId xmlns:a16="http://schemas.microsoft.com/office/drawing/2014/main" id="{6E187274-5DC2-4BE0-AF99-925D6D973550}"/>
+              </a:ext>
+              <a:ext uri="{C183D7F6-B498-43B3-948B-1728B52AA6E4}">
+                <adec:decorative xmlns:adec="http://schemas.microsoft.com/office/drawing/2017/decorative" val="1"/>
+              </a:ext>
+            </a:extLst>
+          </p:cNvPr>
+          <p:cNvSpPr>
+            <a:spLocks noGrp="1" noRot="1" noChangeAspect="1" noMove="1" noResize="1" noEditPoints="1" noAdjustHandles="1" noChangeArrowheads="1" noChangeShapeType="1" noTextEdit="1"/>
+          </p:cNvSpPr>
+          <p:nvPr>
+            <p:extLst>
+              <p:ext uri="{386F3935-93C4-4BCD-93E2-E3B085C9AB24}">
+                <p16:designElem xmlns:p16="http://schemas.microsoft.com/office/powerpoint/2015/main" val="1"/>
+              </p:ext>
+            </p:extLst>
+          </p:nvPr>
+        </p:nvSpPr>
+        <p:spPr>
+          <a:xfrm>
+            <a:off x="7987094" y="761999"/>
+            <a:ext cx="4208489" cy="5334001"/>
+          </a:xfrm>
+          <a:custGeom>
+            <a:avLst/>
+            <a:gdLst>
+              <a:gd name="connsiteX0" fmla="*/ 1015642 w 4208489"/>
+              <a:gd name="connsiteY0" fmla="*/ 0 h 5334001"/>
+              <a:gd name="connsiteX1" fmla="*/ 4208489 w 4208489"/>
+              <a:gd name="connsiteY1" fmla="*/ 0 h 5334001"/>
+              <a:gd name="connsiteX2" fmla="*/ 4208489 w 4208489"/>
+              <a:gd name="connsiteY2" fmla="*/ 5334001 h 5334001"/>
+              <a:gd name="connsiteX3" fmla="*/ 0 w 4208489"/>
+              <a:gd name="connsiteY3" fmla="*/ 5334001 h 5334001"/>
+            </a:gdLst>
+            <a:ahLst/>
+            <a:cxnLst>
+              <a:cxn ang="0">
+                <a:pos x="connsiteX0" y="connsiteY0"/>
+              </a:cxn>
+              <a:cxn ang="0">
+                <a:pos x="connsiteX1" y="connsiteY1"/>
+              </a:cxn>
+              <a:cxn ang="0">
+                <a:pos x="connsiteX2" y="connsiteY2"/>
+              </a:cxn>
+              <a:cxn ang="0">
+                <a:pos x="connsiteX3" y="connsiteY3"/>
+              </a:cxn>
+            </a:cxnLst>
+            <a:rect l="l" t="t" r="r" b="b"/>
+            <a:pathLst>
+              <a:path w="4208489" h="5334001">
+                <a:moveTo>
+                  <a:pt x="1015642" y="0"/>
+                </a:moveTo>
+                <a:lnTo>
+                  <a:pt x="4208489" y="0"/>
+                </a:lnTo>
+                <a:lnTo>
+                  <a:pt x="4208489" y="5334001"/>
+                </a:lnTo>
+                <a:lnTo>
+                  <a:pt x="0" y="5334001"/>
+                </a:lnTo>
+                <a:close/>
+              </a:path>
+            </a:pathLst>
+          </a:custGeom>
+          <a:solidFill>
+            <a:schemeClr val="accent1"/>
+          </a:solidFill>
+          <a:ln>
+            <a:noFill/>
+          </a:ln>
+        </p:spPr>
+        <p:style>
+          <a:lnRef idx="2">
+            <a:schemeClr val="accent1">
+              <a:shade val="50000"/>
+            </a:schemeClr>
+          </a:lnRef>
+          <a:fillRef idx="1">
+            <a:schemeClr val="accent1"/>
+          </a:fillRef>
+          <a:effectRef idx="0">
+            <a:schemeClr val="accent1"/>
+          </a:effectRef>
+          <a:fontRef idx="minor">
+            <a:schemeClr val="lt1"/>
+          </a:fontRef>
+        </p:style>
+      </p:sp>
       <p:sp>
         <p:nvSpPr>
           <p:cNvPr id="2" name="Title 1"/>
@@ -3385,30 +7645,46 @@
             <p:ph type="ctrTitle"/>
           </p:nvPr>
         </p:nvSpPr>
-        <p:spPr/>
+        <p:spPr>
+          <a:xfrm>
+            <a:off x="1069849" y="1298448"/>
+            <a:ext cx="7056444" cy="3255264"/>
+          </a:xfrm>
+        </p:spPr>
         <p:txBody>
-          <a:bodyPr/>
+          <a:bodyPr>
+            <a:normAutofit/>
+          </a:bodyPr>
           <a:lstStyle/>
           <a:p>
+            <a:pPr algn="r"/>
             <a:r>
-              <a:rPr lang="en-US" dirty="0" err="1"/>
-              <a:t>Navarrov</a:t>
-            </a:r>
-            <a:r>
-              <a:rPr lang="en-US" dirty="0"/>
-              <a:t> </a:t>
-            </a:r>
-            <a:r>
-              <a:rPr lang="en-US" dirty="0" err="1"/>
-              <a:t>algoritam</a:t>
+              <a:rPr lang="en-US">
+                <a:solidFill>
+                  <a:schemeClr val="accent1"/>
+                </a:solidFill>
+              </a:rPr>
+              <a:t>Navarrov algoritam</a:t>
             </a:r>
             <a:br>
-              <a:rPr lang="en-US" dirty="0"/>
+              <a:rPr lang="en-US">
+                <a:solidFill>
+                  <a:schemeClr val="accent1"/>
+                </a:solidFill>
+              </a:rPr>
             </a:br>
             <a:br>
-              <a:rPr lang="en-US" dirty="0"/>
+              <a:rPr lang="en-US">
+                <a:solidFill>
+                  <a:schemeClr val="accent1"/>
+                </a:solidFill>
+              </a:rPr>
             </a:br>
-            <a:endParaRPr lang="en-US" dirty="0"/>
+            <a:endParaRPr lang="en-US">
+              <a:solidFill>
+                <a:schemeClr val="accent1"/>
+              </a:solidFill>
+            </a:endParaRPr>
           </a:p>
         </p:txBody>
       </p:sp>
@@ -3424,51 +7700,55 @@
         </p:nvSpPr>
         <p:spPr>
           <a:xfrm>
-            <a:off x="1013751" y="4770888"/>
-            <a:ext cx="7703389" cy="1015041"/>
+            <a:off x="8528702" y="4084889"/>
+            <a:ext cx="3021621" cy="1709159"/>
           </a:xfrm>
         </p:spPr>
         <p:txBody>
           <a:bodyPr>
-            <a:normAutofit fontScale="85000" lnSpcReduction="20000"/>
+            <a:normAutofit/>
           </a:bodyPr>
           <a:lstStyle/>
           <a:p>
+            <a:pPr algn="r"/>
             <a:r>
-              <a:rPr lang="en-US" dirty="0"/>
-              <a:t>Pavao </a:t>
+              <a:rPr lang="en-US" sz="1800">
+                <a:solidFill>
+                  <a:srgbClr val="FFFFFF"/>
+                </a:solidFill>
+              </a:rPr>
+              <a:t>Pavao Jerebić</a:t>
             </a:r>
+          </a:p>
+          <a:p>
+            <a:pPr algn="r"/>
             <a:r>
-              <a:rPr lang="en-US" dirty="0" err="1"/>
-              <a:t>Jerebić</a:t>
+              <a:rPr lang="en-US" sz="1800">
+                <a:solidFill>
+                  <a:srgbClr val="FFFFFF"/>
+                </a:solidFill>
+              </a:rPr>
+              <a:t>Toni Jurjević</a:t>
             </a:r>
           </a:p>
           <a:p>
+            <a:pPr algn="r"/>
             <a:r>
-              <a:rPr lang="en-US" dirty="0"/>
-              <a:t>Toni </a:t>
+              <a:rPr lang="en-US" sz="1800">
+                <a:solidFill>
+                  <a:srgbClr val="FFFFFF"/>
+                </a:solidFill>
+              </a:rPr>
+              <a:t>Lucija Šošić</a:t>
             </a:r>
-            <a:r>
-              <a:rPr lang="en-US" dirty="0" err="1"/>
-              <a:t>Jurjević</a:t>
-            </a:r>
-          </a:p>
-          <a:p>
-            <a:r>
-              <a:rPr lang="en-US" dirty="0" err="1"/>
-              <a:t>Lucija</a:t>
-            </a:r>
-            <a:r>
-              <a:rPr lang="en-US" dirty="0"/>
-              <a:t> </a:t>
-            </a:r>
-            <a:r>
-              <a:rPr lang="en-US" dirty="0" err="1"/>
-              <a:t>Šošić</a:t>
-            </a:r>
-          </a:p>
-          <a:p>
-            <a:endParaRPr lang="en-US" dirty="0"/>
+          </a:p>
+          <a:p>
+            <a:pPr algn="r"/>
+            <a:endParaRPr lang="en-US" sz="1800">
+              <a:solidFill>
+                <a:srgbClr val="FFFFFF"/>
+              </a:solidFill>
+            </a:endParaRPr>
           </a:p>
         </p:txBody>
       </p:sp>
@@ -3512,7 +7792,119 @@
       </p:grpSpPr>
       <p:sp>
         <p:nvSpPr>
-          <p:cNvPr id="9" name="Rectangle 8">
+          <p:cNvPr id="2" name="Title 1">
+            <a:extLst>
+              <a:ext uri="{FF2B5EF4-FFF2-40B4-BE49-F238E27FC236}">
+                <a16:creationId xmlns:a16="http://schemas.microsoft.com/office/drawing/2014/main" id="{4B84F77E-E4BE-4623-ACF3-5D0110126957}"/>
+              </a:ext>
+            </a:extLst>
+          </p:cNvPr>
+          <p:cNvSpPr>
+            <a:spLocks noGrp="1"/>
+          </p:cNvSpPr>
+          <p:nvPr>
+            <p:ph type="title"/>
+          </p:nvPr>
+        </p:nvSpPr>
+        <p:spPr>
+          <a:xfrm>
+            <a:off x="252919" y="1123837"/>
+            <a:ext cx="2947482" cy="4601183"/>
+          </a:xfrm>
+        </p:spPr>
+        <p:txBody>
+          <a:bodyPr>
+            <a:normAutofit/>
+          </a:bodyPr>
+          <a:lstStyle/>
+          <a:p>
+            <a:r>
+              <a:rPr lang="en-US" dirty="0" err="1"/>
+              <a:t>Navarrov</a:t>
+            </a:r>
+            <a:r>
+              <a:rPr lang="en-US" dirty="0"/>
+              <a:t> </a:t>
+            </a:r>
+            <a:r>
+              <a:rPr lang="en-US" dirty="0" err="1"/>
+              <a:t>algoritam</a:t>
+            </a:r>
+          </a:p>
+        </p:txBody>
+      </p:sp>
+      <p:graphicFrame>
+        <p:nvGraphicFramePr>
+          <p:cNvPr id="5" name="Content Placeholder 2">
+            <a:extLst>
+              <a:ext uri="{FF2B5EF4-FFF2-40B4-BE49-F238E27FC236}">
+                <a16:creationId xmlns:a16="http://schemas.microsoft.com/office/drawing/2014/main" id="{0CF4C638-A005-4083-B7F7-A2D6F45182EF}"/>
+              </a:ext>
+            </a:extLst>
+          </p:cNvPr>
+          <p:cNvGraphicFramePr>
+            <a:graphicFrameLocks noGrp="1"/>
+          </p:cNvGraphicFramePr>
+          <p:nvPr>
+            <p:ph idx="1"/>
+            <p:extLst>
+              <p:ext uri="{D42A27DB-BD31-4B8C-83A1-F6EECF244321}">
+                <p14:modId xmlns:p14="http://schemas.microsoft.com/office/powerpoint/2010/main" val="3022889906"/>
+              </p:ext>
+            </p:extLst>
+          </p:nvPr>
+        </p:nvGraphicFramePr>
+        <p:xfrm>
+          <a:off x="3759896" y="885459"/>
+          <a:ext cx="7728267" cy="5087324"/>
+        </p:xfrm>
+        <a:graphic>
+          <a:graphicData uri="http://schemas.openxmlformats.org/drawingml/2006/diagram">
+            <dgm:relIds xmlns:dgm="http://schemas.openxmlformats.org/drawingml/2006/diagram" xmlns:r="http://schemas.openxmlformats.org/officeDocument/2006/relationships" r:dm="rId2" r:lo="rId3" r:qs="rId4" r:cs="rId5"/>
+          </a:graphicData>
+        </a:graphic>
+      </p:graphicFrame>
+    </p:spTree>
+    <p:extLst>
+      <p:ext uri="{BB962C8B-B14F-4D97-AF65-F5344CB8AC3E}">
+        <p14:creationId xmlns:p14="http://schemas.microsoft.com/office/powerpoint/2010/main" val="3190250000"/>
+      </p:ext>
+    </p:extLst>
+  </p:cSld>
+  <p:clrMapOvr>
+    <a:masterClrMapping/>
+  </p:clrMapOvr>
+</p:sld>
+</file>
+
+<file path=ppt/slides/slide3.xml><?xml version="1.0" encoding="utf-8"?>
+<p:sld xmlns:a="http://schemas.openxmlformats.org/drawingml/2006/main" xmlns:r="http://schemas.openxmlformats.org/officeDocument/2006/relationships" xmlns:p="http://schemas.openxmlformats.org/presentationml/2006/main">
+  <p:cSld>
+    <p:bg>
+      <p:bgPr>
+        <a:solidFill>
+          <a:schemeClr val="bg1"/>
+        </a:solidFill>
+        <a:effectLst/>
+      </p:bgPr>
+    </p:bg>
+    <p:spTree>
+      <p:nvGrpSpPr>
+        <p:cNvPr id="1" name=""/>
+        <p:cNvGrpSpPr/>
+        <p:nvPr/>
+      </p:nvGrpSpPr>
+      <p:grpSpPr>
+        <a:xfrm>
+          <a:off x="0" y="0"/>
+          <a:ext cx="0" cy="0"/>
+          <a:chOff x="0" y="0"/>
+          <a:chExt cx="0" cy="0"/>
+        </a:xfrm>
+      </p:grpSpPr>
+      <p:sp>
+        <p:nvSpPr>
+          <p:cNvPr id="71" name="Rectangle 70">
             <a:extLst>
               <a:ext uri="{FF2B5EF4-FFF2-40B4-BE49-F238E27FC236}">
                 <a16:creationId xmlns:a16="http://schemas.microsoft.com/office/drawing/2014/main" id="{DB8424AB-D56B-4256-866A-5B54DE93C20F}"/>
@@ -3567,7 +7959,7 @@
       </p:sp>
       <p:sp>
         <p:nvSpPr>
-          <p:cNvPr id="11" name="Rectangle 10">
+          <p:cNvPr id="73" name="Rectangle 72">
             <a:extLst>
               <a:ext uri="{FF2B5EF4-FFF2-40B4-BE49-F238E27FC236}">
                 <a16:creationId xmlns:a16="http://schemas.microsoft.com/office/drawing/2014/main" id="{FC999C28-AD33-4EB7-A5F1-C06D10A5FDF7}"/>
@@ -3624,7 +8016,7 @@
       </p:sp>
       <p:sp useBgFill="1">
         <p:nvSpPr>
-          <p:cNvPr id="13" name="Rectangle 12">
+          <p:cNvPr id="75" name="Rectangle 74">
             <a:extLst>
               <a:ext uri="{FF2B5EF4-FFF2-40B4-BE49-F238E27FC236}">
                 <a16:creationId xmlns:a16="http://schemas.microsoft.com/office/drawing/2014/main" id="{9203ABB4-7E2A-4248-9FE7-4A419AFF2F17}"/>
@@ -3684,7 +8076,7 @@
       </p:sp>
       <p:sp>
         <p:nvSpPr>
-          <p:cNvPr id="15" name="Rectangle 14">
+          <p:cNvPr id="77" name="Rectangle 76">
             <a:extLst>
               <a:ext uri="{FF2B5EF4-FFF2-40B4-BE49-F238E27FC236}">
                 <a16:creationId xmlns:a16="http://schemas.microsoft.com/office/drawing/2014/main" id="{3126970D-C1E5-4FB1-84E8-86CB9CED1C80}"/>
@@ -3766,43 +8158,213 @@
           <a:lstStyle/>
           <a:p>
             <a:r>
-              <a:rPr lang="en-US" sz="5900" spc="-100" dirty="0" err="1"/>
-              <a:t>Primjer</a:t>
+              <a:rPr lang="en-US" sz="5900" spc="-100"/>
+              <a:t>Matrica udaljenosti uređivanja</a:t>
+            </a:r>
+          </a:p>
+        </p:txBody>
+      </p:sp>
+      <p:sp>
+        <p:nvSpPr>
+          <p:cNvPr id="19" name="Content Placeholder 18">
+            <a:extLst>
+              <a:ext uri="{FF2B5EF4-FFF2-40B4-BE49-F238E27FC236}">
+                <a16:creationId xmlns:a16="http://schemas.microsoft.com/office/drawing/2014/main" id="{A8AB1B8F-1A71-41A7-AAAC-F2D7E454DA33}"/>
+              </a:ext>
+            </a:extLst>
+          </p:cNvPr>
+          <p:cNvSpPr>
+            <a:spLocks noGrp="1"/>
+          </p:cNvSpPr>
+          <p:nvPr>
+            <p:ph idx="1"/>
+          </p:nvPr>
+        </p:nvSpPr>
+        <p:spPr>
+          <a:xfrm>
+            <a:off x="1100014" y="5666792"/>
+            <a:ext cx="10180696" cy="542592"/>
+          </a:xfrm>
+        </p:spPr>
+        <p:txBody>
+          <a:bodyPr vert="horz" lIns="91440" tIns="45720" rIns="91440" bIns="45720" rtlCol="0" anchor="t">
+            <a:normAutofit/>
+          </a:bodyPr>
+          <a:lstStyle/>
+          <a:p>
+            <a:pPr marL="0" indent="0">
+              <a:buNone/>
+            </a:pPr>
+            <a:r>
+              <a:rPr lang="en-US" sz="2200" dirty="0" err="1">
+                <a:solidFill>
+                  <a:schemeClr val="accent1">
+                    <a:lumMod val="20000"/>
+                    <a:lumOff val="80000"/>
+                  </a:schemeClr>
+                </a:solidFill>
+              </a:rPr>
+              <a:t>Vremenska</a:t>
             </a:r>
             <a:r>
-              <a:rPr lang="en-US" sz="5900" spc="-100" dirty="0"/>
+              <a:rPr lang="en-US" sz="2200" dirty="0">
+                <a:solidFill>
+                  <a:schemeClr val="accent1">
+                    <a:lumMod val="20000"/>
+                    <a:lumOff val="80000"/>
+                  </a:schemeClr>
+                </a:solidFill>
+              </a:rPr>
               <a:t> </a:t>
             </a:r>
             <a:r>
-              <a:rPr lang="en-US" sz="5900" spc="-100" dirty="0" err="1"/>
-              <a:t>rada</a:t>
+              <a:rPr lang="en-US" sz="2200" dirty="0" err="1">
+                <a:solidFill>
+                  <a:schemeClr val="accent1">
+                    <a:lumMod val="20000"/>
+                    <a:lumOff val="80000"/>
+                  </a:schemeClr>
+                </a:solidFill>
+              </a:rPr>
+              <a:t>složenost</a:t>
             </a:r>
             <a:r>
-              <a:rPr lang="en-US" sz="5900" spc="-100" dirty="0"/>
+              <a:rPr lang="en-US" sz="2200" dirty="0">
+                <a:solidFill>
+                  <a:schemeClr val="accent1">
+                    <a:lumMod val="20000"/>
+                    <a:lumOff val="80000"/>
+                  </a:schemeClr>
+                </a:solidFill>
+              </a:rPr>
               <a:t> </a:t>
             </a:r>
             <a:r>
-              <a:rPr lang="en-US" sz="5900" spc="-100" dirty="0" err="1"/>
+              <a:rPr lang="en-US" sz="2200" dirty="0" err="1">
+                <a:solidFill>
+                  <a:schemeClr val="accent1">
+                    <a:lumMod val="20000"/>
+                    <a:lumOff val="80000"/>
+                  </a:schemeClr>
+                </a:solidFill>
+              </a:rPr>
               <a:t>algoritma</a:t>
+            </a:r>
+            <a:r>
+              <a:rPr lang="en-US" sz="2200" dirty="0">
+                <a:solidFill>
+                  <a:schemeClr val="accent1">
+                    <a:lumMod val="20000"/>
+                    <a:lumOff val="80000"/>
+                  </a:schemeClr>
+                </a:solidFill>
+              </a:rPr>
+              <a:t> </a:t>
+            </a:r>
+            <a:r>
+              <a:rPr lang="en-US" sz="2200" dirty="0" err="1">
+                <a:solidFill>
+                  <a:schemeClr val="accent1">
+                    <a:lumMod val="20000"/>
+                    <a:lumOff val="80000"/>
+                  </a:schemeClr>
+                </a:solidFill>
+              </a:rPr>
+              <a:t>iznosi</a:t>
+            </a:r>
+            <a:r>
+              <a:rPr lang="en-US" sz="2200" dirty="0">
+                <a:solidFill>
+                  <a:schemeClr val="accent1">
+                    <a:lumMod val="20000"/>
+                    <a:lumOff val="80000"/>
+                  </a:schemeClr>
+                </a:solidFill>
+              </a:rPr>
+              <a:t> O(m(</a:t>
+            </a:r>
+            <a:r>
+              <a:rPr lang="en-US" sz="2200" dirty="0" err="1">
+                <a:solidFill>
+                  <a:schemeClr val="accent1">
+                    <a:lumMod val="20000"/>
+                    <a:lumOff val="80000"/>
+                  </a:schemeClr>
+                </a:solidFill>
+              </a:rPr>
+              <a:t>n+e</a:t>
+            </a:r>
+            <a:r>
+              <a:rPr lang="en-US" sz="2200" dirty="0">
+                <a:solidFill>
+                  <a:schemeClr val="accent1">
+                    <a:lumMod val="20000"/>
+                    <a:lumOff val="80000"/>
+                  </a:schemeClr>
+                </a:solidFill>
+              </a:rPr>
+              <a:t>)) </a:t>
+            </a:r>
+            <a:r>
+              <a:rPr lang="en-US" sz="2200" dirty="0" err="1">
+                <a:solidFill>
+                  <a:schemeClr val="accent1">
+                    <a:lumMod val="20000"/>
+                    <a:lumOff val="80000"/>
+                  </a:schemeClr>
+                </a:solidFill>
+              </a:rPr>
+              <a:t>te</a:t>
+            </a:r>
+            <a:r>
+              <a:rPr lang="en-US" sz="2200" dirty="0">
+                <a:solidFill>
+                  <a:schemeClr val="accent1">
+                    <a:lumMod val="20000"/>
+                    <a:lumOff val="80000"/>
+                  </a:schemeClr>
+                </a:solidFill>
+              </a:rPr>
+              <a:t> </a:t>
+            </a:r>
+            <a:r>
+              <a:rPr lang="en-US" sz="2200" dirty="0" err="1">
+                <a:solidFill>
+                  <a:schemeClr val="accent1">
+                    <a:lumMod val="20000"/>
+                    <a:lumOff val="80000"/>
+                  </a:schemeClr>
+                </a:solidFill>
+              </a:rPr>
+              <a:t>prostorna</a:t>
+            </a:r>
+            <a:r>
+              <a:rPr lang="en-US" sz="2200" dirty="0">
+                <a:solidFill>
+                  <a:schemeClr val="accent1">
+                    <a:lumMod val="20000"/>
+                    <a:lumOff val="80000"/>
+                  </a:schemeClr>
+                </a:solidFill>
+              </a:rPr>
+              <a:t> O(n)</a:t>
             </a:r>
           </a:p>
         </p:txBody>
       </p:sp>
       <p:pic>
         <p:nvPicPr>
-          <p:cNvPr id="4" name="Slika 4">
+          <p:cNvPr id="5" name="Picture 5" descr="A screenshot of a cell phone&#10;&#10;Description generated with very high confidence">
             <a:extLst>
               <a:ext uri="{FF2B5EF4-FFF2-40B4-BE49-F238E27FC236}">
-                <a16:creationId xmlns:a16="http://schemas.microsoft.com/office/drawing/2014/main" id="{A1924CB0-7107-4B56-8DEC-0B1B916738AE}"/>
+                <a16:creationId xmlns:a16="http://schemas.microsoft.com/office/drawing/2014/main" id="{98ED2EC4-2512-448E-9B27-C509EF52BEDD}"/>
               </a:ext>
             </a:extLst>
           </p:cNvPr>
           <p:cNvPicPr>
-            <a:picLocks noGrp="1" noChangeAspect="1"/>
+            <a:picLocks noChangeAspect="1"/>
           </p:cNvPicPr>
-          <p:nvPr>
-            <p:ph idx="1"/>
-          </p:nvPr>
+          <p:nvPr/>
         </p:nvPicPr>
         <p:blipFill>
           <a:blip r:embed="rId2"/>
@@ -3833,7 +8395,7 @@
 </p:sld>
 </file>
 
-<file path=ppt/slides/slide3.xml><?xml version="1.0" encoding="utf-8"?>
+<file path=ppt/slides/slide4.xml><?xml version="1.0" encoding="utf-8"?>
 <p:sld xmlns:a="http://schemas.openxmlformats.org/drawingml/2006/main" xmlns:r="http://schemas.openxmlformats.org/officeDocument/2006/relationships" xmlns:p="http://schemas.openxmlformats.org/presentationml/2006/main">
   <p:cSld>
     <p:bg>
@@ -4103,8 +8665,8 @@
         </p:nvSpPr>
         <p:spPr>
           <a:xfrm>
-            <a:off x="1069849" y="1298448"/>
-            <a:ext cx="3258688" cy="3255264"/>
+            <a:off x="838354" y="2301587"/>
+            <a:ext cx="3056132" cy="1335796"/>
           </a:xfrm>
         </p:spPr>
         <p:txBody>
@@ -4221,7 +8783,7 @@
 </p:sld>
 </file>
 
-<file path=ppt/slides/slide4.xml><?xml version="1.0" encoding="utf-8"?>
+<file path=ppt/slides/slide5.xml><?xml version="1.0" encoding="utf-8"?>
 <p:sld xmlns:a="http://schemas.openxmlformats.org/drawingml/2006/main" xmlns:r="http://schemas.openxmlformats.org/officeDocument/2006/relationships" xmlns:p="http://schemas.openxmlformats.org/presentationml/2006/main">
   <p:cSld>
     <p:bg>
@@ -4248,7 +8810,7 @@
       </p:grpSpPr>
       <p:sp>
         <p:nvSpPr>
-          <p:cNvPr id="20" name="Rectangle 19">
+          <p:cNvPr id="33" name="Rectangle 32">
             <a:extLst>
               <a:ext uri="{FF2B5EF4-FFF2-40B4-BE49-F238E27FC236}">
                 <a16:creationId xmlns:a16="http://schemas.microsoft.com/office/drawing/2014/main" id="{DB8424AB-D56B-4256-866A-5B54DE93C20F}"/>
@@ -4303,7 +8865,7 @@
       </p:sp>
       <p:sp>
         <p:nvSpPr>
-          <p:cNvPr id="22" name="Rectangle 21">
+          <p:cNvPr id="35" name="Rectangle 34">
             <a:extLst>
               <a:ext uri="{FF2B5EF4-FFF2-40B4-BE49-F238E27FC236}">
                 <a16:creationId xmlns:a16="http://schemas.microsoft.com/office/drawing/2014/main" id="{FC999C28-AD33-4EB7-A5F1-C06D10A5FDF7}"/>
@@ -4360,10 +8922,10 @@
       </p:sp>
       <p:sp useBgFill="1">
         <p:nvSpPr>
-          <p:cNvPr id="24" name="Rectangle 23">
+          <p:cNvPr id="37" name="Rectangle 36">
             <a:extLst>
               <a:ext uri="{FF2B5EF4-FFF2-40B4-BE49-F238E27FC236}">
-                <a16:creationId xmlns:a16="http://schemas.microsoft.com/office/drawing/2014/main" id="{69373E92-F88D-4F0A-94DF-393703E7DA7D}"/>
+                <a16:creationId xmlns:a16="http://schemas.microsoft.com/office/drawing/2014/main" id="{0864E5C9-52C9-4572-AC75-548B9B9C2648}"/>
               </a:ext>
               <a:ext uri="{C183D7F6-B498-43B3-948B-1728B52AA6E4}">
                 <adec:decorative xmlns:adec="http://schemas.microsoft.com/office/drawing/2017/decorative" val="1"/>
@@ -4383,7 +8945,7 @@
         </p:nvSpPr>
         <p:spPr>
           <a:xfrm>
-            <a:off x="26938" y="466531"/>
+            <a:off x="0" y="0"/>
             <a:ext cx="12191999" cy="6858000"/>
           </a:xfrm>
           <a:prstGeom prst="rect">
@@ -4420,10 +8982,10 @@
       </p:sp>
       <p:sp>
         <p:nvSpPr>
-          <p:cNvPr id="26" name="Rectangle 25">
+          <p:cNvPr id="39" name="Rectangle 38">
             <a:extLst>
               <a:ext uri="{FF2B5EF4-FFF2-40B4-BE49-F238E27FC236}">
-                <a16:creationId xmlns:a16="http://schemas.microsoft.com/office/drawing/2014/main" id="{C629DAA0-ADF6-43FD-9C99-483F722B56E2}"/>
+                <a16:creationId xmlns:a16="http://schemas.microsoft.com/office/drawing/2014/main" id="{45CC6500-4DBD-4C34-BC14-2387FB483BEB}"/>
               </a:ext>
               <a:ext uri="{C183D7F6-B498-43B3-948B-1728B52AA6E4}">
                 <adec:decorative xmlns:adec="http://schemas.microsoft.com/office/drawing/2017/decorative" val="1"/>
@@ -4443,8 +9005,8 @@
         </p:nvSpPr>
         <p:spPr>
           <a:xfrm>
-            <a:off x="0" y="761999"/>
-            <a:ext cx="6092889" cy="5334001"/>
+            <a:off x="1" y="761999"/>
+            <a:ext cx="4642228" cy="5334001"/>
           </a:xfrm>
           <a:prstGeom prst="rect">
             <a:avLst/>
@@ -4491,8 +9053,8 @@
         </p:nvSpPr>
         <p:spPr>
           <a:xfrm>
-            <a:off x="1069848" y="1298448"/>
-            <a:ext cx="4705801" cy="3255264"/>
+            <a:off x="471824" y="1298448"/>
+            <a:ext cx="3856713" cy="3255264"/>
           </a:xfrm>
         </p:spPr>
         <p:txBody>
@@ -4502,7 +9064,7 @@
           <a:lstStyle/>
           <a:p>
             <a:r>
-              <a:rPr lang="en-US" sz="5900" spc="-100"/>
+              <a:rPr lang="en-US" sz="4600" spc="-100"/>
               <a:t>Jednostavan primjer cikličkog grafa</a:t>
             </a:r>
           </a:p>
@@ -4532,8 +9094,8 @@
         </p:blipFill>
         <p:spPr>
           <a:xfrm>
-            <a:off x="6586977" y="1749780"/>
-            <a:ext cx="4908848" cy="3350288"/>
+            <a:off x="5120640" y="1252093"/>
+            <a:ext cx="6367271" cy="4345662"/>
           </a:xfrm>
           <a:prstGeom prst="rect">
             <a:avLst/>
@@ -4542,10 +9104,10 @@
       </p:pic>
       <p:sp>
         <p:nvSpPr>
-          <p:cNvPr id="28" name="Rectangle 27">
+          <p:cNvPr id="41" name="Rectangle 40">
             <a:extLst>
               <a:ext uri="{FF2B5EF4-FFF2-40B4-BE49-F238E27FC236}">
-                <a16:creationId xmlns:a16="http://schemas.microsoft.com/office/drawing/2014/main" id="{F32C8C35-BF44-4CFB-9754-81F07C9812A7}"/>
+                <a16:creationId xmlns:a16="http://schemas.microsoft.com/office/drawing/2014/main" id="{4E34A3B6-BAD2-4156-BDC6-4736248BFDE0}"/>
               </a:ext>
               <a:ext uri="{C183D7F6-B498-43B3-948B-1728B52AA6E4}">
                 <adec:decorative xmlns:adec="http://schemas.microsoft.com/office/drawing/2017/decorative" val="1"/>
@@ -4597,6 +9159,154 @@
           </a:fontRef>
         </p:style>
       </p:sp>
+      <p:sp>
+        <p:nvSpPr>
+          <p:cNvPr id="3" name="TextBox 2">
+            <a:extLst>
+              <a:ext uri="{FF2B5EF4-FFF2-40B4-BE49-F238E27FC236}">
+                <a16:creationId xmlns:a16="http://schemas.microsoft.com/office/drawing/2014/main" id="{EAF56F93-8DEA-43BF-9993-DAE3F6C1B9FF}"/>
+              </a:ext>
+            </a:extLst>
+          </p:cNvPr>
+          <p:cNvSpPr txBox="1"/>
+          <p:nvPr/>
+        </p:nvSpPr>
+        <p:spPr>
+          <a:xfrm>
+            <a:off x="5013767" y="702197"/>
+            <a:ext cx="2743199" cy="369332"/>
+          </a:xfrm>
+          <a:prstGeom prst="rect">
+            <a:avLst/>
+          </a:prstGeom>
+          <a:noFill/>
+        </p:spPr>
+        <p:txBody>
+          <a:bodyPr rot="0" spcFirstLastPara="0" vertOverflow="overflow" horzOverflow="overflow" vert="horz" wrap="square" lIns="91440" tIns="45720" rIns="91440" bIns="45720" numCol="1" spcCol="0" rtlCol="0" fromWordArt="0" anchor="t" anchorCtr="0" forceAA="0" compatLnSpc="1">
+            <a:prstTxWarp prst="textNoShape">
+              <a:avLst/>
+            </a:prstTxWarp>
+            <a:spAutoFit/>
+          </a:bodyPr>
+          <a:lstStyle/>
+          <a:p>
+            <a:r>
+              <a:rPr lang="hr-HR" dirty="0"/>
+              <a:t>Sekvenca: </a:t>
+            </a:r>
+            <a:r>
+              <a:rPr lang="hr-HR" dirty="0" err="1"/>
+              <a:t>bbbb</a:t>
+            </a:r>
+            <a:endParaRPr lang="hr-HR"/>
+          </a:p>
+        </p:txBody>
+      </p:sp>
+      <p:sp>
+        <p:nvSpPr>
+          <p:cNvPr id="5" name="TextBox 4">
+            <a:extLst>
+              <a:ext uri="{FF2B5EF4-FFF2-40B4-BE49-F238E27FC236}">
+                <a16:creationId xmlns:a16="http://schemas.microsoft.com/office/drawing/2014/main" id="{C6280990-6FB5-4BFF-AC6A-5A46BA3A51F1}"/>
+              </a:ext>
+            </a:extLst>
+          </p:cNvPr>
+          <p:cNvSpPr txBox="1"/>
+          <p:nvPr/>
+        </p:nvSpPr>
+        <p:spPr>
+          <a:xfrm>
+            <a:off x="5011959" y="1115147"/>
+            <a:ext cx="2743199" cy="369332"/>
+          </a:xfrm>
+          <a:prstGeom prst="rect">
+            <a:avLst/>
+          </a:prstGeom>
+          <a:noFill/>
+        </p:spPr>
+        <p:txBody>
+          <a:bodyPr rot="0" spcFirstLastPara="0" vertOverflow="overflow" horzOverflow="overflow" vert="horz" wrap="square" lIns="91440" tIns="45720" rIns="91440" bIns="45720" numCol="1" spcCol="0" rtlCol="0" fromWordArt="0" anchor="t" anchorCtr="0" forceAA="0" compatLnSpc="1">
+            <a:prstTxWarp prst="textNoShape">
+              <a:avLst/>
+            </a:prstTxWarp>
+            <a:spAutoFit/>
+          </a:bodyPr>
+          <a:lstStyle/>
+          <a:p>
+            <a:pPr algn="l"/>
+            <a:r>
+              <a:rPr lang="en-US" dirty="0"/>
+              <a:t>Graf:</a:t>
+            </a:r>
+          </a:p>
+        </p:txBody>
+      </p:sp>
+      <p:sp>
+        <p:nvSpPr>
+          <p:cNvPr id="6" name="TextBox 5">
+            <a:extLst>
+              <a:ext uri="{FF2B5EF4-FFF2-40B4-BE49-F238E27FC236}">
+                <a16:creationId xmlns:a16="http://schemas.microsoft.com/office/drawing/2014/main" id="{691DA908-C994-4C14-96FD-63E357C8A544}"/>
+              </a:ext>
+            </a:extLst>
+          </p:cNvPr>
+          <p:cNvSpPr txBox="1"/>
+          <p:nvPr/>
+        </p:nvSpPr>
+        <p:spPr>
+          <a:xfrm>
+            <a:off x="5010150" y="4981212"/>
+            <a:ext cx="3891021" cy="369332"/>
+          </a:xfrm>
+          <a:prstGeom prst="rect">
+            <a:avLst/>
+          </a:prstGeom>
+          <a:noFill/>
+        </p:spPr>
+        <p:txBody>
+          <a:bodyPr rot="0" spcFirstLastPara="0" vertOverflow="overflow" horzOverflow="overflow" vert="horz" wrap="square" lIns="91440" tIns="45720" rIns="91440" bIns="45720" numCol="1" spcCol="0" rtlCol="0" fromWordArt="0" anchor="t" anchorCtr="0" forceAA="0" compatLnSpc="1">
+            <a:prstTxWarp prst="textNoShape">
+              <a:avLst/>
+            </a:prstTxWarp>
+            <a:spAutoFit/>
+          </a:bodyPr>
+          <a:lstStyle/>
+          <a:p>
+            <a:r>
+              <a:rPr lang="en-US" dirty="0" err="1"/>
+              <a:t>Zadnji</a:t>
+            </a:r>
+            <a:r>
+              <a:rPr lang="en-US" dirty="0"/>
+              <a:t> </a:t>
+            </a:r>
+            <a:r>
+              <a:rPr lang="en-US" dirty="0" err="1"/>
+              <a:t>redak</a:t>
+            </a:r>
+            <a:r>
+              <a:rPr lang="en-US" dirty="0"/>
+              <a:t> </a:t>
+            </a:r>
+            <a:r>
+              <a:rPr lang="en-US" dirty="0" err="1"/>
+              <a:t>matrice</a:t>
+            </a:r>
+            <a:r>
+              <a:rPr lang="en-US" dirty="0"/>
+              <a:t>: </a:t>
+            </a:r>
+            <a:r>
+              <a:rPr lang="en-US" dirty="0">
+                <a:ea typeface="+mn-lt"/>
+                <a:cs typeface="+mn-lt"/>
+              </a:rPr>
+              <a:t> [32111]</a:t>
+            </a:r>
+            <a:endParaRPr lang="en-US" dirty="0"/>
+          </a:p>
+        </p:txBody>
+      </p:sp>
     </p:spTree>
     <p:extLst>
       <p:ext uri="{BB962C8B-B14F-4D97-AF65-F5344CB8AC3E}">
@@ -4610,7 +9320,7 @@
 </p:sld>
 </file>
 
-<file path=ppt/slides/slide5.xml><?xml version="1.0" encoding="utf-8"?>
+<file path=ppt/slides/slide6.xml><?xml version="1.0" encoding="utf-8"?>
 <p:sld xmlns:a="http://schemas.openxmlformats.org/drawingml/2006/main" xmlns:r="http://schemas.openxmlformats.org/officeDocument/2006/relationships" xmlns:p="http://schemas.openxmlformats.org/presentationml/2006/main">
   <p:cSld>
     <p:bg>
@@ -4781,13 +9491,13 @@
             <a:pPr algn="ctr"/>
             <a:r>
               <a:rPr lang="hr-HR" sz="3300" dirty="0"/>
-              <a:t>Rezultati brzina izvođenja i memorijske složenosti s i bez </a:t>
+              <a:t>Rezultati brzina izvođenja i memorijske složenosti s i bez </a:t>
             </a:r>
             <a:r>
               <a:rPr lang="hr-HR" sz="3300" dirty="0" err="1"/>
               <a:t>backtrackinga</a:t>
             </a:r>
-            <a:endParaRPr lang="hr-HR" sz="3300" dirty="0"/>
+            <a:endParaRPr lang="hr-HR" sz="3300"/>
           </a:p>
         </p:txBody>
       </p:sp>
@@ -5790,7 +10500,7 @@
 </p:sld>
 </file>
 
-<file path=ppt/slides/slide6.xml><?xml version="1.0" encoding="utf-8"?>
+<file path=ppt/slides/slide7.xml><?xml version="1.0" encoding="utf-8"?>
 <p:sld xmlns:a="http://schemas.openxmlformats.org/drawingml/2006/main" xmlns:r="http://schemas.openxmlformats.org/officeDocument/2006/relationships" xmlns:p="http://schemas.openxmlformats.org/presentationml/2006/main">
   <p:cSld>
     <p:bg>
@@ -6650,6 +11360,402 @@
 </p:sld>
 </file>
 
+<file path=ppt/slides/slide8.xml><?xml version="1.0" encoding="utf-8"?>
+<p:sld xmlns:a="http://schemas.openxmlformats.org/drawingml/2006/main" xmlns:r="http://schemas.openxmlformats.org/officeDocument/2006/relationships" xmlns:p="http://schemas.openxmlformats.org/presentationml/2006/main">
+  <p:cSld>
+    <p:bg>
+      <p:bgPr>
+        <a:solidFill>
+          <a:schemeClr val="bg1"/>
+        </a:solidFill>
+        <a:effectLst/>
+      </p:bgPr>
+    </p:bg>
+    <p:spTree>
+      <p:nvGrpSpPr>
+        <p:cNvPr id="1" name=""/>
+        <p:cNvGrpSpPr/>
+        <p:nvPr/>
+      </p:nvGrpSpPr>
+      <p:grpSpPr>
+        <a:xfrm>
+          <a:off x="0" y="0"/>
+          <a:ext cx="0" cy="0"/>
+          <a:chOff x="0" y="0"/>
+          <a:chExt cx="0" cy="0"/>
+        </a:xfrm>
+      </p:grpSpPr>
+      <p:sp useBgFill="1">
+        <p:nvSpPr>
+          <p:cNvPr id="9" name="Rectangle 11">
+            <a:extLst>
+              <a:ext uri="{FF2B5EF4-FFF2-40B4-BE49-F238E27FC236}">
+                <a16:creationId xmlns:a16="http://schemas.microsoft.com/office/drawing/2014/main" id="{5DB23C2B-2054-4D8B-9E98-9190F8E05EAD}"/>
+              </a:ext>
+              <a:ext uri="{C183D7F6-B498-43B3-948B-1728B52AA6E4}">
+                <adec:decorative xmlns:adec="http://schemas.microsoft.com/office/drawing/2017/decorative" val="1"/>
+              </a:ext>
+            </a:extLst>
+          </p:cNvPr>
+          <p:cNvSpPr>
+            <a:spLocks noGrp="1" noRot="1" noChangeAspect="1" noMove="1" noResize="1" noEditPoints="1" noAdjustHandles="1" noChangeArrowheads="1" noChangeShapeType="1" noTextEdit="1"/>
+          </p:cNvSpPr>
+          <p:nvPr>
+            <p:extLst>
+              <p:ext uri="{386F3935-93C4-4BCD-93E2-E3B085C9AB24}">
+                <p16:designElem xmlns:p16="http://schemas.microsoft.com/office/powerpoint/2015/main" val="1"/>
+              </p:ext>
+            </p:extLst>
+          </p:nvPr>
+        </p:nvSpPr>
+        <p:spPr>
+          <a:xfrm>
+            <a:off x="0" y="0"/>
+            <a:ext cx="12192000" cy="6858000"/>
+          </a:xfrm>
+          <a:prstGeom prst="rect">
+            <a:avLst/>
+          </a:prstGeom>
+          <a:ln>
+            <a:noFill/>
+          </a:ln>
+        </p:spPr>
+        <p:style>
+          <a:lnRef idx="2">
+            <a:schemeClr val="accent1">
+              <a:shade val="50000"/>
+            </a:schemeClr>
+          </a:lnRef>
+          <a:fillRef idx="1">
+            <a:schemeClr val="accent1"/>
+          </a:fillRef>
+          <a:effectRef idx="0">
+            <a:schemeClr val="accent1"/>
+          </a:effectRef>
+          <a:fontRef idx="minor">
+            <a:schemeClr val="lt1"/>
+          </a:fontRef>
+        </p:style>
+        <p:txBody>
+          <a:bodyPr rtlCol="0" anchor="ctr"/>
+          <a:lstStyle/>
+          <a:p>
+            <a:pPr algn="ctr"/>
+            <a:endParaRPr lang="en-US"/>
+          </a:p>
+        </p:txBody>
+      </p:sp>
+      <p:sp>
+        <p:nvSpPr>
+          <p:cNvPr id="14" name="Freeform: Shape 13">
+            <a:extLst>
+              <a:ext uri="{FF2B5EF4-FFF2-40B4-BE49-F238E27FC236}">
+                <a16:creationId xmlns:a16="http://schemas.microsoft.com/office/drawing/2014/main" id="{8797B5BC-9873-45F9-97D6-298FB5AF08FF}"/>
+              </a:ext>
+              <a:ext uri="{C183D7F6-B498-43B3-948B-1728B52AA6E4}">
+                <adec:decorative xmlns:adec="http://schemas.microsoft.com/office/drawing/2017/decorative" val="1"/>
+              </a:ext>
+            </a:extLst>
+          </p:cNvPr>
+          <p:cNvSpPr>
+            <a:spLocks noGrp="1" noRot="1" noChangeAspect="1" noMove="1" noResize="1" noEditPoints="1" noAdjustHandles="1" noChangeArrowheads="1" noChangeShapeType="1" noTextEdit="1"/>
+          </p:cNvSpPr>
+          <p:nvPr>
+            <p:extLst>
+              <p:ext uri="{386F3935-93C4-4BCD-93E2-E3B085C9AB24}">
+                <p16:designElem xmlns:p16="http://schemas.microsoft.com/office/powerpoint/2015/main" val="1"/>
+              </p:ext>
+            </p:extLst>
+          </p:nvPr>
+        </p:nvSpPr>
+        <p:spPr>
+          <a:xfrm flipH="1" flipV="1">
+            <a:off x="0" y="762000"/>
+            <a:ext cx="4208489" cy="5334001"/>
+          </a:xfrm>
+          <a:custGeom>
+            <a:avLst/>
+            <a:gdLst>
+              <a:gd name="connsiteX0" fmla="*/ 1015642 w 4208489"/>
+              <a:gd name="connsiteY0" fmla="*/ 0 h 5334001"/>
+              <a:gd name="connsiteX1" fmla="*/ 4208489 w 4208489"/>
+              <a:gd name="connsiteY1" fmla="*/ 0 h 5334001"/>
+              <a:gd name="connsiteX2" fmla="*/ 4208489 w 4208489"/>
+              <a:gd name="connsiteY2" fmla="*/ 5334001 h 5334001"/>
+              <a:gd name="connsiteX3" fmla="*/ 0 w 4208489"/>
+              <a:gd name="connsiteY3" fmla="*/ 5334001 h 5334001"/>
+            </a:gdLst>
+            <a:ahLst/>
+            <a:cxnLst>
+              <a:cxn ang="0">
+                <a:pos x="connsiteX0" y="connsiteY0"/>
+              </a:cxn>
+              <a:cxn ang="0">
+                <a:pos x="connsiteX1" y="connsiteY1"/>
+              </a:cxn>
+              <a:cxn ang="0">
+                <a:pos x="connsiteX2" y="connsiteY2"/>
+              </a:cxn>
+              <a:cxn ang="0">
+                <a:pos x="connsiteX3" y="connsiteY3"/>
+              </a:cxn>
+            </a:cxnLst>
+            <a:rect l="l" t="t" r="r" b="b"/>
+            <a:pathLst>
+              <a:path w="4208489" h="5334001">
+                <a:moveTo>
+                  <a:pt x="1015642" y="0"/>
+                </a:moveTo>
+                <a:lnTo>
+                  <a:pt x="4208489" y="0"/>
+                </a:lnTo>
+                <a:lnTo>
+                  <a:pt x="4208489" y="5334001"/>
+                </a:lnTo>
+                <a:lnTo>
+                  <a:pt x="0" y="5334001"/>
+                </a:lnTo>
+                <a:close/>
+              </a:path>
+            </a:pathLst>
+          </a:custGeom>
+          <a:solidFill>
+            <a:schemeClr val="accent1"/>
+          </a:solidFill>
+          <a:ln>
+            <a:noFill/>
+          </a:ln>
+        </p:spPr>
+        <p:style>
+          <a:lnRef idx="2">
+            <a:schemeClr val="accent1">
+              <a:shade val="50000"/>
+            </a:schemeClr>
+          </a:lnRef>
+          <a:fillRef idx="1">
+            <a:schemeClr val="accent1"/>
+          </a:fillRef>
+          <a:effectRef idx="0">
+            <a:schemeClr val="accent1"/>
+          </a:effectRef>
+          <a:fontRef idx="minor">
+            <a:schemeClr val="lt1"/>
+          </a:fontRef>
+        </p:style>
+      </p:sp>
+      <p:sp>
+        <p:nvSpPr>
+          <p:cNvPr id="2" name="Title 1">
+            <a:extLst>
+              <a:ext uri="{FF2B5EF4-FFF2-40B4-BE49-F238E27FC236}">
+                <a16:creationId xmlns:a16="http://schemas.microsoft.com/office/drawing/2014/main" id="{E72B3774-939D-40EC-8B20-0A028ABB5E90}"/>
+              </a:ext>
+            </a:extLst>
+          </p:cNvPr>
+          <p:cNvSpPr>
+            <a:spLocks noGrp="1"/>
+          </p:cNvSpPr>
+          <p:nvPr>
+            <p:ph type="title"/>
+          </p:nvPr>
+        </p:nvSpPr>
+        <p:spPr>
+          <a:xfrm>
+            <a:off x="494260" y="1683144"/>
+            <a:ext cx="2774922" cy="3491712"/>
+          </a:xfrm>
+        </p:spPr>
+        <p:txBody>
+          <a:bodyPr>
+            <a:normAutofit/>
+          </a:bodyPr>
+          <a:lstStyle/>
+          <a:p>
+            <a:r>
+              <a:rPr lang="en-US" sz="2500" err="1"/>
+              <a:t>Navarrov</a:t>
+            </a:r>
+            <a:r>
+              <a:rPr lang="en-US" sz="2500"/>
+              <a:t>  </a:t>
+            </a:r>
+            <a:r>
+              <a:rPr lang="en-US" sz="2500" err="1"/>
+              <a:t>algoritam</a:t>
+            </a:r>
+          </a:p>
+        </p:txBody>
+      </p:sp>
+      <p:sp>
+        <p:nvSpPr>
+          <p:cNvPr id="3" name="Content Placeholder 2">
+            <a:extLst>
+              <a:ext uri="{FF2B5EF4-FFF2-40B4-BE49-F238E27FC236}">
+                <a16:creationId xmlns:a16="http://schemas.microsoft.com/office/drawing/2014/main" id="{F86BE4EE-2C63-47DC-8C26-EA5ECD6CED4F}"/>
+              </a:ext>
+            </a:extLst>
+          </p:cNvPr>
+          <p:cNvSpPr>
+            <a:spLocks noGrp="1"/>
+          </p:cNvSpPr>
+          <p:nvPr>
+            <p:ph idx="1"/>
+          </p:nvPr>
+        </p:nvSpPr>
+        <p:spPr>
+          <a:xfrm>
+            <a:off x="4361606" y="1683143"/>
+            <a:ext cx="6627377" cy="3491713"/>
+          </a:xfrm>
+        </p:spPr>
+        <p:txBody>
+          <a:bodyPr>
+            <a:normAutofit/>
+          </a:bodyPr>
+          <a:lstStyle/>
+          <a:p>
+            <a:pPr marL="0" indent="0">
+              <a:buNone/>
+            </a:pPr>
+            <a:r>
+              <a:rPr lang="en-US" dirty="0" err="1"/>
+              <a:t>Hvala</a:t>
+            </a:r>
+            <a:r>
+              <a:rPr lang="en-US" dirty="0"/>
+              <a:t> </a:t>
+            </a:r>
+            <a:r>
+              <a:rPr lang="en-US" dirty="0" err="1"/>
+              <a:t>na</a:t>
+            </a:r>
+            <a:r>
+              <a:rPr lang="en-US" dirty="0"/>
+              <a:t> </a:t>
+            </a:r>
+            <a:r>
+              <a:rPr lang="en-US" dirty="0" err="1"/>
+              <a:t>pažnji</a:t>
+            </a:r>
+            <a:r>
+              <a:rPr lang="en-US" dirty="0"/>
+              <a:t>. </a:t>
+            </a:r>
+            <a:r>
+              <a:rPr lang="en-US" dirty="0" err="1"/>
+              <a:t>Pitanja</a:t>
+            </a:r>
+            <a:r>
+              <a:rPr lang="en-US" dirty="0"/>
+              <a:t>?</a:t>
+            </a:r>
+            <a:endParaRPr lang="en-US"/>
+          </a:p>
+        </p:txBody>
+      </p:sp>
+      <p:sp>
+        <p:nvSpPr>
+          <p:cNvPr id="16" name="Freeform: Shape 15">
+            <a:extLst>
+              <a:ext uri="{FF2B5EF4-FFF2-40B4-BE49-F238E27FC236}">
+                <a16:creationId xmlns:a16="http://schemas.microsoft.com/office/drawing/2014/main" id="{665C2FCD-09A4-4B4B-AA73-F330DFE91799}"/>
+              </a:ext>
+              <a:ext uri="{C183D7F6-B498-43B3-948B-1728B52AA6E4}">
+                <adec:decorative xmlns:adec="http://schemas.microsoft.com/office/drawing/2017/decorative" val="1"/>
+              </a:ext>
+            </a:extLst>
+          </p:cNvPr>
+          <p:cNvSpPr>
+            <a:spLocks noGrp="1" noRot="1" noChangeAspect="1" noMove="1" noResize="1" noEditPoints="1" noAdjustHandles="1" noChangeArrowheads="1" noChangeShapeType="1" noTextEdit="1"/>
+          </p:cNvSpPr>
+          <p:nvPr>
+            <p:extLst>
+              <p:ext uri="{386F3935-93C4-4BCD-93E2-E3B085C9AB24}">
+                <p16:designElem xmlns:p16="http://schemas.microsoft.com/office/powerpoint/2015/main" val="1"/>
+              </p:ext>
+            </p:extLst>
+          </p:nvPr>
+        </p:nvSpPr>
+        <p:spPr>
+          <a:xfrm flipH="1" flipV="1">
+            <a:off x="11190517" y="1056875"/>
+            <a:ext cx="1001483" cy="4744251"/>
+          </a:xfrm>
+          <a:custGeom>
+            <a:avLst/>
+            <a:gdLst>
+              <a:gd name="connsiteX0" fmla="*/ 0 w 1001483"/>
+              <a:gd name="connsiteY0" fmla="*/ 0 h 4744251"/>
+              <a:gd name="connsiteX1" fmla="*/ 1001483 w 1001483"/>
+              <a:gd name="connsiteY1" fmla="*/ 0 h 4744251"/>
+              <a:gd name="connsiteX2" fmla="*/ 0 w 1001483"/>
+              <a:gd name="connsiteY2" fmla="*/ 4744251 h 4744251"/>
+            </a:gdLst>
+            <a:ahLst/>
+            <a:cxnLst>
+              <a:cxn ang="0">
+                <a:pos x="connsiteX0" y="connsiteY0"/>
+              </a:cxn>
+              <a:cxn ang="0">
+                <a:pos x="connsiteX1" y="connsiteY1"/>
+              </a:cxn>
+              <a:cxn ang="0">
+                <a:pos x="connsiteX2" y="connsiteY2"/>
+              </a:cxn>
+            </a:cxnLst>
+            <a:rect l="l" t="t" r="r" b="b"/>
+            <a:pathLst>
+              <a:path w="1001483" h="4744251">
+                <a:moveTo>
+                  <a:pt x="0" y="0"/>
+                </a:moveTo>
+                <a:lnTo>
+                  <a:pt x="1001483" y="0"/>
+                </a:lnTo>
+                <a:lnTo>
+                  <a:pt x="0" y="4744251"/>
+                </a:lnTo>
+                <a:close/>
+              </a:path>
+            </a:pathLst>
+          </a:custGeom>
+          <a:solidFill>
+            <a:schemeClr val="accent1"/>
+          </a:solidFill>
+          <a:ln>
+            <a:noFill/>
+          </a:ln>
+        </p:spPr>
+        <p:style>
+          <a:lnRef idx="2">
+            <a:schemeClr val="accent1">
+              <a:shade val="50000"/>
+            </a:schemeClr>
+          </a:lnRef>
+          <a:fillRef idx="1">
+            <a:schemeClr val="accent1"/>
+          </a:fillRef>
+          <a:effectRef idx="0">
+            <a:schemeClr val="accent1"/>
+          </a:effectRef>
+          <a:fontRef idx="minor">
+            <a:schemeClr val="lt1"/>
+          </a:fontRef>
+        </p:style>
+      </p:sp>
+    </p:spTree>
+    <p:extLst>
+      <p:ext uri="{BB962C8B-B14F-4D97-AF65-F5344CB8AC3E}">
+        <p14:creationId xmlns:p14="http://schemas.microsoft.com/office/powerpoint/2010/main" val="3055067764"/>
+      </p:ext>
+    </p:extLst>
+  </p:cSld>
+  <p:clrMapOvr>
+    <a:masterClrMapping/>
+  </p:clrMapOvr>
+</p:sld>
+</file>
+
 <file path=ppt/theme/theme1.xml><?xml version="1.0" encoding="utf-8"?>
 <a:theme xmlns:a="http://schemas.openxmlformats.org/drawingml/2006/main" name="Frame">
   <a:themeElements>
